--- a/translations/en-us/intermediate/ParallelBeams.pptx
+++ b/translations/en-us/intermediate/ParallelBeams.pptx
@@ -3,22 +3,23 @@
 <p:presentation xmlns:a="http://schemas.openxmlformats.org/drawingml/2006/main" xmlns:r="http://schemas.openxmlformats.org/officeDocument/2006/relationships" xmlns:p="http://schemas.openxmlformats.org/presentationml/2006/main" showSpecialPlsOnTitleSld="0" saveSubsetFonts="1">
   <p:sldMasterIdLst>
     <p:sldMasterId id="2147483835" r:id="rId1"/>
+    <p:sldMasterId id="2147483847" r:id="rId2"/>
   </p:sldMasterIdLst>
   <p:notesMasterIdLst>
-    <p:notesMasterId r:id="rId10"/>
+    <p:notesMasterId r:id="rId11"/>
   </p:notesMasterIdLst>
   <p:handoutMasterIdLst>
-    <p:handoutMasterId r:id="rId11"/>
+    <p:handoutMasterId r:id="rId12"/>
   </p:handoutMasterIdLst>
   <p:sldIdLst>
-    <p:sldId id="287" r:id="rId2"/>
-    <p:sldId id="285" r:id="rId3"/>
-    <p:sldId id="281" r:id="rId4"/>
-    <p:sldId id="282" r:id="rId5"/>
-    <p:sldId id="283" r:id="rId6"/>
-    <p:sldId id="284" r:id="rId7"/>
-    <p:sldId id="286" r:id="rId8"/>
-    <p:sldId id="263" r:id="rId9"/>
+    <p:sldId id="287" r:id="rId3"/>
+    <p:sldId id="285" r:id="rId4"/>
+    <p:sldId id="281" r:id="rId5"/>
+    <p:sldId id="282" r:id="rId6"/>
+    <p:sldId id="283" r:id="rId7"/>
+    <p:sldId id="284" r:id="rId8"/>
+    <p:sldId id="286" r:id="rId9"/>
+    <p:sldId id="263" r:id="rId10"/>
   </p:sldIdLst>
   <p:sldSz cx="9144000" cy="6858000" type="screen4x3"/>
   <p:notesSz cx="6858000" cy="9144000"/>
@@ -218,7 +219,7 @@
           <a:p>
             <a:fld id="{E354B44E-40A3-0E46-B16A-9BF1250A248B}" type="datetimeFigureOut">
               <a:rPr lang="en-US" smtClean="0"/>
-              <a:t>11/13/15</a:t>
+              <a:t>7/7/2016</a:t>
             </a:fld>
             <a:endParaRPr lang="en-US"/>
           </a:p>
@@ -384,7 +385,7 @@
           <a:p>
             <a:fld id="{C86AD16C-2DB4-6642-BAD4-9ED973A087A0}" type="datetimeFigureOut">
               <a:rPr lang="en-US" smtClean="0"/>
-              <a:t>11/13/15</a:t>
+              <a:t>7/7/2016</a:t>
             </a:fld>
             <a:endParaRPr lang="en-US"/>
           </a:p>
@@ -448,38 +449,37 @@
           <a:p>
             <a:pPr lvl="0"/>
             <a:r>
-              <a:rPr lang="en-US" smtClean="0"/>
+              <a:rPr lang="en-US"/>
               <a:t>Click to edit Master text styles</a:t>
             </a:r>
           </a:p>
           <a:p>
             <a:pPr lvl="1"/>
             <a:r>
-              <a:rPr lang="en-US" smtClean="0"/>
+              <a:rPr lang="en-US"/>
               <a:t>Second level</a:t>
             </a:r>
           </a:p>
           <a:p>
             <a:pPr lvl="2"/>
             <a:r>
-              <a:rPr lang="en-US" smtClean="0"/>
+              <a:rPr lang="en-US"/>
               <a:t>Third level</a:t>
             </a:r>
           </a:p>
           <a:p>
             <a:pPr lvl="3"/>
             <a:r>
-              <a:rPr lang="en-US" smtClean="0"/>
+              <a:rPr lang="en-US"/>
               <a:t>Fourth level</a:t>
             </a:r>
           </a:p>
           <a:p>
             <a:pPr lvl="4"/>
             <a:r>
-              <a:rPr lang="en-US" smtClean="0"/>
+              <a:rPr lang="en-US"/>
               <a:t>Fifth level</a:t>
             </a:r>
-            <a:endParaRPr lang="en-US"/>
           </a:p>
         </p:txBody>
       </p:sp>
@@ -916,10 +916,9 @@
           </a:lstStyle>
           <a:p>
             <a:r>
-              <a:rPr lang="en-US" dirty="0" smtClean="0"/>
+              <a:rPr lang="en-US" dirty="0"/>
               <a:t>INTERMEDIATE PROGRAMMING LESSON</a:t>
             </a:r>
-            <a:endParaRPr lang="en-US" dirty="0"/>
           </a:p>
         </p:txBody>
       </p:sp>
@@ -988,10 +987,9 @@
           </a:lstStyle>
           <a:p>
             <a:r>
-              <a:rPr lang="en-US" dirty="0" smtClean="0"/>
+              <a:rPr lang="en-US" dirty="0"/>
               <a:t>Click to edit Master subtitle style</a:t>
             </a:r>
-            <a:endParaRPr lang="en-US" dirty="0"/>
           </a:p>
         </p:txBody>
       </p:sp>
@@ -1010,9 +1008,9 @@
           <a:bodyPr/>
           <a:lstStyle/>
           <a:p>
-            <a:fld id="{6B13CFBD-0392-DF42-9C65-6D1DE0580181}" type="datetime1">
+            <a:fld id="{1568CC57-A932-4A7C-A7E2-6C9C1667DF2E}" type="datetime1">
               <a:rPr lang="en-US" smtClean="0"/>
-              <a:t>11/13/15</a:t>
+              <a:t>7/7/2016</a:t>
             </a:fld>
             <a:endParaRPr lang="en-US"/>
           </a:p>
@@ -1034,10 +1032,9 @@
           <a:lstStyle/>
           <a:p>
             <a:r>
-              <a:rPr lang="sk-SK" smtClean="0"/>
-              <a:t>© 2015 EV3Lessons.com, Last edit 11/13/2015</a:t>
-            </a:r>
-            <a:endParaRPr lang="en-US"/>
+              <a:rPr lang="en-US"/>
+              <a:t>© 2016 EV3Lessons.com, Last edit 7/06/2016</a:t>
+            </a:r>
           </a:p>
         </p:txBody>
       </p:sp>
@@ -1201,14 +1198,13 @@
           <a:lstStyle/>
           <a:p>
             <a:r>
-              <a:rPr lang="en-US" dirty="0" smtClean="0"/>
+              <a:rPr lang="en-US" dirty="0"/>
               <a:t>By </a:t>
             </a:r>
             <a:r>
-              <a:rPr lang="en-US" smtClean="0"/>
+              <a:rPr lang="en-US"/>
               <a:t>Droids Robotics</a:t>
             </a:r>
-            <a:endParaRPr lang="en-US"/>
           </a:p>
         </p:txBody>
       </p:sp>
@@ -1221,7 +1217,7 @@
           <p:nvPr userDrawn="1"/>
         </p:nvPicPr>
         <p:blipFill>
-          <a:blip r:embed="rId2">
+          <a:blip r:embed="rId2" cstate="email">
             <a:extLst>
               <a:ext uri="{28A0092B-C50C-407E-A947-70E740481C1C}">
                 <a14:useLocalDpi xmlns:a14="http://schemas.microsoft.com/office/drawing/2010/main" val="0"/>
@@ -1274,7 +1270,7 @@
           <a:noFill/>
           <a:extLst>
             <a:ext uri="{909E8E84-426E-40dd-AFC4-6F175D3DCCD1}">
-              <a14:hiddenFill xmlns:a14="http://schemas.microsoft.com/office/drawing/2010/main" xmlns="">
+              <a14:hiddenFill xmlns="" xmlns:a14="http://schemas.microsoft.com/office/drawing/2010/main">
                 <a:solidFill>
                   <a:srgbClr val="FFFFFF"/>
                 </a:solidFill>
@@ -1329,83 +1325,83 @@
           <a:lstStyle/>
           <a:p>
             <a:r>
+              <a:rPr lang="en-US"/>
+              <a:t>Click to edit Master title style</a:t>
+            </a:r>
+            <a:endParaRPr lang="en-US" dirty="0"/>
+          </a:p>
+        </p:txBody>
+      </p:sp>
+      <p:sp>
+        <p:nvSpPr>
+          <p:cNvPr id="3" name="Vertical Text Placeholder 2"/>
+          <p:cNvSpPr>
+            <a:spLocks noGrp="1"/>
+          </p:cNvSpPr>
+          <p:nvPr>
+            <p:ph type="body" orient="vert" idx="1"/>
+          </p:nvPr>
+        </p:nvSpPr>
+        <p:spPr/>
+        <p:txBody>
+          <a:bodyPr vert="eaVert" lIns="45720" tIns="0" rIns="45720" bIns="0"/>
+          <a:lstStyle/>
+          <a:p>
+            <a:pPr lvl="0"/>
+            <a:r>
+              <a:rPr lang="en-US"/>
+              <a:t>Click to edit Master text styles</a:t>
+            </a:r>
+          </a:p>
+          <a:p>
+            <a:pPr lvl="1"/>
+            <a:r>
+              <a:rPr lang="en-US"/>
+              <a:t>Second level</a:t>
+            </a:r>
+          </a:p>
+          <a:p>
+            <a:pPr lvl="2"/>
+            <a:r>
+              <a:rPr lang="en-US"/>
+              <a:t>Third level</a:t>
+            </a:r>
+          </a:p>
+          <a:p>
+            <a:pPr lvl="3"/>
+            <a:r>
+              <a:rPr lang="en-US"/>
+              <a:t>Fourth level</a:t>
+            </a:r>
+          </a:p>
+          <a:p>
+            <a:pPr lvl="4"/>
+            <a:r>
+              <a:rPr lang="en-US"/>
+              <a:t>Fifth level</a:t>
+            </a:r>
+            <a:endParaRPr lang="en-US" dirty="0"/>
+          </a:p>
+        </p:txBody>
+      </p:sp>
+      <p:sp>
+        <p:nvSpPr>
+          <p:cNvPr id="4" name="Date Placeholder 3"/>
+          <p:cNvSpPr>
+            <a:spLocks noGrp="1"/>
+          </p:cNvSpPr>
+          <p:nvPr>
+            <p:ph type="dt" sz="half" idx="10"/>
+          </p:nvPr>
+        </p:nvSpPr>
+        <p:spPr/>
+        <p:txBody>
+          <a:bodyPr/>
+          <a:lstStyle/>
+          <a:p>
+            <a:fld id="{0682B026-8E9C-481C-8607-8CD33B63C55F}" type="datetime1">
               <a:rPr lang="en-US" smtClean="0"/>
-              <a:t>Click to edit Master title style</a:t>
-            </a:r>
-            <a:endParaRPr lang="en-US" dirty="0"/>
-          </a:p>
-        </p:txBody>
-      </p:sp>
-      <p:sp>
-        <p:nvSpPr>
-          <p:cNvPr id="3" name="Vertical Text Placeholder 2"/>
-          <p:cNvSpPr>
-            <a:spLocks noGrp="1"/>
-          </p:cNvSpPr>
-          <p:nvPr>
-            <p:ph type="body" orient="vert" idx="1"/>
-          </p:nvPr>
-        </p:nvSpPr>
-        <p:spPr/>
-        <p:txBody>
-          <a:bodyPr vert="eaVert" lIns="45720" tIns="0" rIns="45720" bIns="0"/>
-          <a:lstStyle/>
-          <a:p>
-            <a:pPr lvl="0"/>
-            <a:r>
-              <a:rPr lang="en-US" smtClean="0"/>
-              <a:t>Click to edit Master text styles</a:t>
-            </a:r>
-          </a:p>
-          <a:p>
-            <a:pPr lvl="1"/>
-            <a:r>
-              <a:rPr lang="en-US" smtClean="0"/>
-              <a:t>Second level</a:t>
-            </a:r>
-          </a:p>
-          <a:p>
-            <a:pPr lvl="2"/>
-            <a:r>
-              <a:rPr lang="en-US" smtClean="0"/>
-              <a:t>Third level</a:t>
-            </a:r>
-          </a:p>
-          <a:p>
-            <a:pPr lvl="3"/>
-            <a:r>
-              <a:rPr lang="en-US" smtClean="0"/>
-              <a:t>Fourth level</a:t>
-            </a:r>
-          </a:p>
-          <a:p>
-            <a:pPr lvl="4"/>
-            <a:r>
-              <a:rPr lang="en-US" smtClean="0"/>
-              <a:t>Fifth level</a:t>
-            </a:r>
-            <a:endParaRPr lang="en-US" dirty="0"/>
-          </a:p>
-        </p:txBody>
-      </p:sp>
-      <p:sp>
-        <p:nvSpPr>
-          <p:cNvPr id="4" name="Date Placeholder 3"/>
-          <p:cNvSpPr>
-            <a:spLocks noGrp="1"/>
-          </p:cNvSpPr>
-          <p:nvPr>
-            <p:ph type="dt" sz="half" idx="10"/>
-          </p:nvPr>
-        </p:nvSpPr>
-        <p:spPr/>
-        <p:txBody>
-          <a:bodyPr/>
-          <a:lstStyle/>
-          <a:p>
-            <a:fld id="{BF0F175E-9EAC-E14B-B7AC-8C8F25EC1DAA}" type="datetime1">
-              <a:rPr lang="en-US" smtClean="0"/>
-              <a:t>11/13/15</a:t>
+              <a:t>7/7/2016</a:t>
             </a:fld>
             <a:endParaRPr lang="en-US"/>
           </a:p>
@@ -1427,10 +1423,9 @@
           <a:lstStyle/>
           <a:p>
             <a:r>
-              <a:rPr lang="sk-SK" smtClean="0"/>
-              <a:t>© 2015 EV3Lessons.com, Last edit 11/13/2015</a:t>
-            </a:r>
-            <a:endParaRPr lang="en-US"/>
+              <a:rPr lang="en-US"/>
+              <a:t>© 2016 EV3Lessons.com, Last edit 7/06/2016</a:t>
+            </a:r>
           </a:p>
         </p:txBody>
       </p:sp>
@@ -1584,7 +1579,7 @@
           <a:lstStyle/>
           <a:p>
             <a:r>
-              <a:rPr lang="en-US" smtClean="0"/>
+              <a:rPr lang="en-US"/>
               <a:t>Click to edit Master title style</a:t>
             </a:r>
             <a:endParaRPr lang="en-US" dirty="0"/>
@@ -1613,59 +1608,59 @@
           <a:p>
             <a:pPr lvl="0"/>
             <a:r>
+              <a:rPr lang="en-US"/>
+              <a:t>Click to edit Master text styles</a:t>
+            </a:r>
+          </a:p>
+          <a:p>
+            <a:pPr lvl="1"/>
+            <a:r>
+              <a:rPr lang="en-US"/>
+              <a:t>Second level</a:t>
+            </a:r>
+          </a:p>
+          <a:p>
+            <a:pPr lvl="2"/>
+            <a:r>
+              <a:rPr lang="en-US"/>
+              <a:t>Third level</a:t>
+            </a:r>
+          </a:p>
+          <a:p>
+            <a:pPr lvl="3"/>
+            <a:r>
+              <a:rPr lang="en-US"/>
+              <a:t>Fourth level</a:t>
+            </a:r>
+          </a:p>
+          <a:p>
+            <a:pPr lvl="4"/>
+            <a:r>
+              <a:rPr lang="en-US"/>
+              <a:t>Fifth level</a:t>
+            </a:r>
+            <a:endParaRPr lang="en-US" dirty="0"/>
+          </a:p>
+        </p:txBody>
+      </p:sp>
+      <p:sp>
+        <p:nvSpPr>
+          <p:cNvPr id="4" name="Date Placeholder 3"/>
+          <p:cNvSpPr>
+            <a:spLocks noGrp="1"/>
+          </p:cNvSpPr>
+          <p:nvPr>
+            <p:ph type="dt" sz="half" idx="10"/>
+          </p:nvPr>
+        </p:nvSpPr>
+        <p:spPr/>
+        <p:txBody>
+          <a:bodyPr/>
+          <a:lstStyle/>
+          <a:p>
+            <a:fld id="{A2E7BE24-62DC-475D-9335-D1CC2D08468C}" type="datetime1">
               <a:rPr lang="en-US" smtClean="0"/>
-              <a:t>Click to edit Master text styles</a:t>
-            </a:r>
-          </a:p>
-          <a:p>
-            <a:pPr lvl="1"/>
-            <a:r>
-              <a:rPr lang="en-US" smtClean="0"/>
-              <a:t>Second level</a:t>
-            </a:r>
-          </a:p>
-          <a:p>
-            <a:pPr lvl="2"/>
-            <a:r>
-              <a:rPr lang="en-US" smtClean="0"/>
-              <a:t>Third level</a:t>
-            </a:r>
-          </a:p>
-          <a:p>
-            <a:pPr lvl="3"/>
-            <a:r>
-              <a:rPr lang="en-US" smtClean="0"/>
-              <a:t>Fourth level</a:t>
-            </a:r>
-          </a:p>
-          <a:p>
-            <a:pPr lvl="4"/>
-            <a:r>
-              <a:rPr lang="en-US" smtClean="0"/>
-              <a:t>Fifth level</a:t>
-            </a:r>
-            <a:endParaRPr lang="en-US" dirty="0"/>
-          </a:p>
-        </p:txBody>
-      </p:sp>
-      <p:sp>
-        <p:nvSpPr>
-          <p:cNvPr id="4" name="Date Placeholder 3"/>
-          <p:cNvSpPr>
-            <a:spLocks noGrp="1"/>
-          </p:cNvSpPr>
-          <p:nvPr>
-            <p:ph type="dt" sz="half" idx="10"/>
-          </p:nvPr>
-        </p:nvSpPr>
-        <p:spPr/>
-        <p:txBody>
-          <a:bodyPr/>
-          <a:lstStyle/>
-          <a:p>
-            <a:fld id="{ABE2FCFC-C57A-2442-884C-F5C58B3A2465}" type="datetime1">
-              <a:rPr lang="en-US" smtClean="0"/>
-              <a:t>11/13/15</a:t>
+              <a:t>7/7/2016</a:t>
             </a:fld>
             <a:endParaRPr lang="en-US"/>
           </a:p>
@@ -1687,10 +1682,9 @@
           <a:lstStyle/>
           <a:p>
             <a:r>
-              <a:rPr lang="sk-SK" smtClean="0"/>
-              <a:t>© 2015 EV3Lessons.com, Last edit 11/13/2015</a:t>
-            </a:r>
-            <a:endParaRPr lang="en-US"/>
+              <a:rPr lang="en-US"/>
+              <a:t>© 2016 EV3Lessons.com, Last edit 7/06/2016</a:t>
+            </a:r>
           </a:p>
         </p:txBody>
       </p:sp>
@@ -1730,7 +1724,533 @@
 </p:sldLayout>
 </file>
 
-<file path=ppt/slideLayouts/slideLayout2.xml><?xml version="1.0" encoding="utf-8"?>
+<file path=ppt/slideLayouts/slideLayout12.xml><?xml version="1.0" encoding="utf-8"?>
+<p:sldLayout xmlns:a="http://schemas.openxmlformats.org/drawingml/2006/main" xmlns:r="http://schemas.openxmlformats.org/officeDocument/2006/relationships" xmlns:p="http://schemas.openxmlformats.org/presentationml/2006/main" showMasterSp="0" type="title" preserve="1">
+  <p:cSld name="Title Slide">
+    <p:spTree>
+      <p:nvGrpSpPr>
+        <p:cNvPr id="1" name=""/>
+        <p:cNvGrpSpPr/>
+        <p:nvPr/>
+      </p:nvGrpSpPr>
+      <p:grpSpPr>
+        <a:xfrm>
+          <a:off x="0" y="0"/>
+          <a:ext cx="0" cy="0"/>
+          <a:chOff x="0" y="0"/>
+          <a:chExt cx="0" cy="0"/>
+        </a:xfrm>
+      </p:grpSpPr>
+      <p:sp>
+        <p:nvSpPr>
+          <p:cNvPr id="7" name="Rectangle 6"/>
+          <p:cNvSpPr/>
+          <p:nvPr/>
+        </p:nvSpPr>
+        <p:spPr>
+          <a:xfrm>
+            <a:off x="2382" y="6400800"/>
+            <a:ext cx="9141619" cy="457200"/>
+          </a:xfrm>
+          <a:prstGeom prst="rect">
+            <a:avLst/>
+          </a:prstGeom>
+          <a:solidFill>
+            <a:srgbClr val="0070C0"/>
+          </a:solidFill>
+          <a:ln>
+            <a:noFill/>
+          </a:ln>
+        </p:spPr>
+        <p:style>
+          <a:lnRef idx="2">
+            <a:schemeClr val="accent1">
+              <a:shade val="50000"/>
+            </a:schemeClr>
+          </a:lnRef>
+          <a:fillRef idx="1">
+            <a:schemeClr val="accent1"/>
+          </a:fillRef>
+          <a:effectRef idx="0">
+            <a:schemeClr val="accent1"/>
+          </a:effectRef>
+          <a:fontRef idx="minor">
+            <a:schemeClr val="lt1"/>
+          </a:fontRef>
+        </p:style>
+      </p:sp>
+      <p:sp>
+        <p:nvSpPr>
+          <p:cNvPr id="2" name="Title 1"/>
+          <p:cNvSpPr>
+            <a:spLocks noGrp="1"/>
+          </p:cNvSpPr>
+          <p:nvPr>
+            <p:ph type="ctrTitle" hasCustomPrompt="1"/>
+          </p:nvPr>
+        </p:nvSpPr>
+        <p:spPr>
+          <a:xfrm>
+            <a:off x="196279" y="154094"/>
+            <a:ext cx="3853207" cy="1870649"/>
+          </a:xfrm>
+          <a:ln>
+            <a:noFill/>
+          </a:ln>
+        </p:spPr>
+        <p:txBody>
+          <a:bodyPr anchor="ctr">
+            <a:normAutofit/>
+          </a:bodyPr>
+          <a:lstStyle>
+            <a:lvl1pPr algn="l">
+              <a:lnSpc>
+                <a:spcPct val="85000"/>
+              </a:lnSpc>
+              <a:defRPr sz="4000" spc="-50" baseline="0">
+                <a:solidFill>
+                  <a:schemeClr val="tx1">
+                    <a:lumMod val="85000"/>
+                    <a:lumOff val="15000"/>
+                  </a:schemeClr>
+                </a:solidFill>
+              </a:defRPr>
+            </a:lvl1pPr>
+          </a:lstStyle>
+          <a:p>
+            <a:r>
+              <a:rPr lang="en-US" dirty="0"/>
+              <a:t>INTERMEDIATE PROGRAMMING LESSON</a:t>
+            </a:r>
+          </a:p>
+        </p:txBody>
+      </p:sp>
+      <p:sp>
+        <p:nvSpPr>
+          <p:cNvPr id="3" name="Subtitle 2"/>
+          <p:cNvSpPr>
+            <a:spLocks noGrp="1"/>
+          </p:cNvSpPr>
+          <p:nvPr>
+            <p:ph type="subTitle" idx="1"/>
+          </p:nvPr>
+        </p:nvSpPr>
+        <p:spPr>
+          <a:xfrm>
+            <a:off x="1548051" y="3452894"/>
+            <a:ext cx="6004883" cy="401411"/>
+          </a:xfrm>
+        </p:spPr>
+        <p:txBody>
+          <a:bodyPr lIns="91440" rIns="91440">
+            <a:normAutofit/>
+          </a:bodyPr>
+          <a:lstStyle>
+            <a:lvl1pPr marL="0" indent="0" algn="ctr">
+              <a:buNone/>
+              <a:defRPr sz="2400" cap="all" spc="200" baseline="0">
+                <a:solidFill>
+                  <a:schemeClr val="tx2"/>
+                </a:solidFill>
+                <a:latin typeface="+mj-lt"/>
+              </a:defRPr>
+            </a:lvl1pPr>
+            <a:lvl2pPr marL="457200" indent="0" algn="ctr">
+              <a:buNone/>
+              <a:defRPr sz="2400"/>
+            </a:lvl2pPr>
+            <a:lvl3pPr marL="914400" indent="0" algn="ctr">
+              <a:buNone/>
+              <a:defRPr sz="2400"/>
+            </a:lvl3pPr>
+            <a:lvl4pPr marL="1371600" indent="0" algn="ctr">
+              <a:buNone/>
+              <a:defRPr sz="2000"/>
+            </a:lvl4pPr>
+            <a:lvl5pPr marL="1828800" indent="0" algn="ctr">
+              <a:buNone/>
+              <a:defRPr sz="2000"/>
+            </a:lvl5pPr>
+            <a:lvl6pPr marL="2286000" indent="0" algn="ctr">
+              <a:buNone/>
+              <a:defRPr sz="2000"/>
+            </a:lvl6pPr>
+            <a:lvl7pPr marL="2743200" indent="0" algn="ctr">
+              <a:buNone/>
+              <a:defRPr sz="2000"/>
+            </a:lvl7pPr>
+            <a:lvl8pPr marL="3200400" indent="0" algn="ctr">
+              <a:buNone/>
+              <a:defRPr sz="2000"/>
+            </a:lvl8pPr>
+            <a:lvl9pPr marL="3657600" indent="0" algn="ctr">
+              <a:buNone/>
+              <a:defRPr sz="2000"/>
+            </a:lvl9pPr>
+          </a:lstStyle>
+          <a:p>
+            <a:r>
+              <a:rPr lang="en-US"/>
+              <a:t>Click to edit Master subtitle style</a:t>
+            </a:r>
+            <a:endParaRPr lang="en-US" dirty="0"/>
+          </a:p>
+        </p:txBody>
+      </p:sp>
+      <p:sp>
+        <p:nvSpPr>
+          <p:cNvPr id="4" name="Date Placeholder 3"/>
+          <p:cNvSpPr>
+            <a:spLocks noGrp="1"/>
+          </p:cNvSpPr>
+          <p:nvPr>
+            <p:ph type="dt" sz="half" idx="10"/>
+          </p:nvPr>
+        </p:nvSpPr>
+        <p:spPr/>
+        <p:txBody>
+          <a:bodyPr/>
+          <a:lstStyle/>
+          <a:p>
+            <a:fld id="{5C802E7F-8A6D-48D2-BA7C-FACE28123DD9}" type="datetime1">
+              <a:rPr lang="en-US" smtClean="0"/>
+              <a:t>7/7/2016</a:t>
+            </a:fld>
+            <a:endParaRPr lang="en-US"/>
+          </a:p>
+        </p:txBody>
+      </p:sp>
+      <p:sp>
+        <p:nvSpPr>
+          <p:cNvPr id="5" name="Footer Placeholder 4"/>
+          <p:cNvSpPr>
+            <a:spLocks noGrp="1"/>
+          </p:cNvSpPr>
+          <p:nvPr>
+            <p:ph type="ftr" sz="quarter" idx="11"/>
+          </p:nvPr>
+        </p:nvSpPr>
+        <p:spPr/>
+        <p:txBody>
+          <a:bodyPr/>
+          <a:lstStyle/>
+          <a:p>
+            <a:r>
+              <a:rPr lang="en-US"/>
+              <a:t>© 2016 EV3Lessons.com, Last edit 7/06/2016</a:t>
+            </a:r>
+          </a:p>
+        </p:txBody>
+      </p:sp>
+      <p:sp>
+        <p:nvSpPr>
+          <p:cNvPr id="6" name="Slide Number Placeholder 5"/>
+          <p:cNvSpPr>
+            <a:spLocks noGrp="1"/>
+          </p:cNvSpPr>
+          <p:nvPr>
+            <p:ph type="sldNum" sz="quarter" idx="12"/>
+          </p:nvPr>
+        </p:nvSpPr>
+        <p:spPr/>
+        <p:txBody>
+          <a:bodyPr/>
+          <a:lstStyle/>
+          <a:p>
+            <a:fld id="{7F5CE407-6216-4202-80E4-A30DC2F709B2}" type="slidenum">
+              <a:rPr lang="en-US" smtClean="0"/>
+              <a:t>‹#›</a:t>
+            </a:fld>
+            <a:endParaRPr lang="en-US"/>
+          </a:p>
+        </p:txBody>
+      </p:sp>
+      <p:cxnSp>
+        <p:nvCxnSpPr>
+          <p:cNvPr id="9" name="Straight Connector 8"/>
+          <p:cNvCxnSpPr/>
+          <p:nvPr/>
+        </p:nvCxnSpPr>
+        <p:spPr>
+          <a:xfrm>
+            <a:off x="905744" y="3854305"/>
+            <a:ext cx="7406640" cy="0"/>
+          </a:xfrm>
+          <a:prstGeom prst="line">
+            <a:avLst/>
+          </a:prstGeom>
+          <a:ln w="6350">
+            <a:solidFill>
+              <a:schemeClr val="tx1">
+                <a:lumMod val="50000"/>
+                <a:lumOff val="50000"/>
+              </a:schemeClr>
+            </a:solidFill>
+          </a:ln>
+        </p:spPr>
+        <p:style>
+          <a:lnRef idx="1">
+            <a:schemeClr val="accent1"/>
+          </a:lnRef>
+          <a:fillRef idx="0">
+            <a:schemeClr val="accent1"/>
+          </a:fillRef>
+          <a:effectRef idx="0">
+            <a:schemeClr val="accent1"/>
+          </a:effectRef>
+          <a:fontRef idx="minor">
+            <a:schemeClr val="tx1"/>
+          </a:fontRef>
+        </p:style>
+      </p:cxnSp>
+      <p:sp>
+        <p:nvSpPr>
+          <p:cNvPr id="10" name="Rectangle 9"/>
+          <p:cNvSpPr/>
+          <p:nvPr/>
+        </p:nvSpPr>
+        <p:spPr>
+          <a:xfrm>
+            <a:off x="0" y="6334315"/>
+            <a:ext cx="4487333" cy="92382"/>
+          </a:xfrm>
+          <a:prstGeom prst="rect">
+            <a:avLst/>
+          </a:prstGeom>
+          <a:solidFill>
+            <a:srgbClr val="00B050"/>
+          </a:solidFill>
+          <a:ln>
+            <a:noFill/>
+          </a:ln>
+        </p:spPr>
+        <p:style>
+          <a:lnRef idx="2">
+            <a:schemeClr val="accent1">
+              <a:shade val="50000"/>
+            </a:schemeClr>
+          </a:lnRef>
+          <a:fillRef idx="1">
+            <a:schemeClr val="accent1"/>
+          </a:fillRef>
+          <a:effectRef idx="0">
+            <a:schemeClr val="accent1"/>
+          </a:effectRef>
+          <a:fontRef idx="minor">
+            <a:schemeClr val="lt1"/>
+          </a:fontRef>
+        </p:style>
+      </p:sp>
+      <p:sp>
+        <p:nvSpPr>
+          <p:cNvPr id="11" name="Rectangle 10"/>
+          <p:cNvSpPr/>
+          <p:nvPr/>
+        </p:nvSpPr>
+        <p:spPr>
+          <a:xfrm>
+            <a:off x="4487333" y="6334315"/>
+            <a:ext cx="4656667" cy="92382"/>
+          </a:xfrm>
+          <a:prstGeom prst="rect">
+            <a:avLst/>
+          </a:prstGeom>
+          <a:solidFill>
+            <a:srgbClr val="7030A0"/>
+          </a:solidFill>
+          <a:ln>
+            <a:noFill/>
+          </a:ln>
+        </p:spPr>
+        <p:style>
+          <a:lnRef idx="2">
+            <a:schemeClr val="accent1">
+              <a:shade val="50000"/>
+            </a:schemeClr>
+          </a:lnRef>
+          <a:fillRef idx="1">
+            <a:schemeClr val="accent1"/>
+          </a:fillRef>
+          <a:effectRef idx="0">
+            <a:schemeClr val="accent1"/>
+          </a:effectRef>
+          <a:fontRef idx="minor">
+            <a:schemeClr val="lt1"/>
+          </a:fontRef>
+        </p:style>
+      </p:sp>
+      <p:sp>
+        <p:nvSpPr>
+          <p:cNvPr id="8" name="TextBox 7"/>
+          <p:cNvSpPr txBox="1"/>
+          <p:nvPr/>
+        </p:nvSpPr>
+        <p:spPr>
+          <a:xfrm>
+            <a:off x="2363695" y="3959525"/>
+            <a:ext cx="4373593" cy="369332"/>
+          </a:xfrm>
+          <a:prstGeom prst="rect">
+            <a:avLst/>
+          </a:prstGeom>
+          <a:noFill/>
+        </p:spPr>
+        <p:txBody>
+          <a:bodyPr wrap="square" rtlCol="0">
+            <a:spAutoFit/>
+          </a:bodyPr>
+          <a:lstStyle/>
+          <a:p>
+            <a:pPr algn="ctr"/>
+            <a:r>
+              <a:rPr lang="en-US" dirty="0">
+                <a:latin typeface="+mj-lt"/>
+              </a:rPr>
+              <a:t>By</a:t>
+            </a:r>
+            <a:r>
+              <a:rPr lang="en-US" baseline="0" dirty="0">
+                <a:latin typeface="+mj-lt"/>
+              </a:rPr>
+              <a:t> Sanjay and Arvind Seshan</a:t>
+            </a:r>
+            <a:endParaRPr lang="en-US" dirty="0">
+              <a:latin typeface="+mj-lt"/>
+            </a:endParaRPr>
+          </a:p>
+        </p:txBody>
+      </p:sp>
+      <p:pic>
+        <p:nvPicPr>
+          <p:cNvPr id="1026" name="Picture 2" descr="EV3Lessons.com"/>
+          <p:cNvPicPr>
+            <a:picLocks noChangeAspect="1" noChangeArrowheads="1"/>
+          </p:cNvPicPr>
+          <p:nvPr/>
+        </p:nvPicPr>
+        <p:blipFill>
+          <a:blip r:embed="rId2" cstate="email">
+            <a:extLst>
+              <a:ext uri="{28A0092B-C50C-407E-A947-70E740481C1C}">
+                <a14:useLocalDpi xmlns:a14="http://schemas.microsoft.com/office/drawing/2010/main" val="0"/>
+              </a:ext>
+            </a:extLst>
+          </a:blip>
+          <a:srcRect/>
+          <a:stretch>
+            <a:fillRect/>
+          </a:stretch>
+        </p:blipFill>
+        <p:spPr bwMode="auto">
+          <a:xfrm>
+            <a:off x="3955687" y="139554"/>
+            <a:ext cx="5075507" cy="1885189"/>
+          </a:xfrm>
+          <a:prstGeom prst="rect">
+            <a:avLst/>
+          </a:prstGeom>
+          <a:noFill/>
+          <a:extLst>
+            <a:ext uri="{909E8E84-426E-40DD-AFC4-6F175D3DCCD1}">
+              <a14:hiddenFill xmlns:a14="http://schemas.microsoft.com/office/drawing/2010/main">
+                <a:solidFill>
+                  <a:srgbClr val="FFFFFF"/>
+                </a:solidFill>
+              </a14:hiddenFill>
+            </a:ext>
+          </a:extLst>
+        </p:spPr>
+      </p:pic>
+      <p:sp>
+        <p:nvSpPr>
+          <p:cNvPr id="13" name="Rectangle 12"/>
+          <p:cNvSpPr/>
+          <p:nvPr userDrawn="1"/>
+        </p:nvSpPr>
+        <p:spPr>
+          <a:xfrm>
+            <a:off x="0" y="6334315"/>
+            <a:ext cx="4487333" cy="92382"/>
+          </a:xfrm>
+          <a:prstGeom prst="rect">
+            <a:avLst/>
+          </a:prstGeom>
+          <a:solidFill>
+            <a:srgbClr val="00B050"/>
+          </a:solidFill>
+          <a:ln>
+            <a:noFill/>
+          </a:ln>
+        </p:spPr>
+        <p:style>
+          <a:lnRef idx="2">
+            <a:schemeClr val="accent1">
+              <a:shade val="50000"/>
+            </a:schemeClr>
+          </a:lnRef>
+          <a:fillRef idx="1">
+            <a:schemeClr val="accent1"/>
+          </a:fillRef>
+          <a:effectRef idx="0">
+            <a:schemeClr val="accent1"/>
+          </a:effectRef>
+          <a:fontRef idx="minor">
+            <a:schemeClr val="lt1"/>
+          </a:fontRef>
+        </p:style>
+      </p:sp>
+      <p:sp>
+        <p:nvSpPr>
+          <p:cNvPr id="14" name="Rectangle 13"/>
+          <p:cNvSpPr/>
+          <p:nvPr userDrawn="1"/>
+        </p:nvSpPr>
+        <p:spPr>
+          <a:xfrm>
+            <a:off x="4487333" y="6334315"/>
+            <a:ext cx="4656667" cy="92382"/>
+          </a:xfrm>
+          <a:prstGeom prst="rect">
+            <a:avLst/>
+          </a:prstGeom>
+          <a:solidFill>
+            <a:srgbClr val="7030A0"/>
+          </a:solidFill>
+          <a:ln>
+            <a:noFill/>
+          </a:ln>
+        </p:spPr>
+        <p:style>
+          <a:lnRef idx="2">
+            <a:schemeClr val="accent1">
+              <a:shade val="50000"/>
+            </a:schemeClr>
+          </a:lnRef>
+          <a:fillRef idx="1">
+            <a:schemeClr val="accent1"/>
+          </a:fillRef>
+          <a:effectRef idx="0">
+            <a:schemeClr val="accent1"/>
+          </a:effectRef>
+          <a:fontRef idx="minor">
+            <a:schemeClr val="lt1"/>
+          </a:fontRef>
+        </p:style>
+      </p:sp>
+    </p:spTree>
+    <p:extLst>
+      <p:ext uri="{BB962C8B-B14F-4D97-AF65-F5344CB8AC3E}">
+        <p14:creationId xmlns:p14="http://schemas.microsoft.com/office/powerpoint/2010/main" val="388942743"/>
+      </p:ext>
+    </p:extLst>
+  </p:cSld>
+  <p:clrMapOvr>
+    <a:masterClrMapping/>
+  </p:clrMapOvr>
+</p:sldLayout>
+</file>
+
+<file path=ppt/slideLayouts/slideLayout13.xml><?xml version="1.0" encoding="utf-8"?>
 <p:sldLayout xmlns:a="http://schemas.openxmlformats.org/drawingml/2006/main" xmlns:r="http://schemas.openxmlformats.org/officeDocument/2006/relationships" xmlns:p="http://schemas.openxmlformats.org/presentationml/2006/main" type="obj" preserve="1">
   <p:cSld name="Title and Content">
     <p:spTree>
@@ -1763,83 +2283,83 @@
           <a:lstStyle/>
           <a:p>
             <a:r>
+              <a:rPr lang="en-US"/>
+              <a:t>Click to edit Master title style</a:t>
+            </a:r>
+            <a:endParaRPr lang="en-US" dirty="0"/>
+          </a:p>
+        </p:txBody>
+      </p:sp>
+      <p:sp>
+        <p:nvSpPr>
+          <p:cNvPr id="3" name="Content Placeholder 2"/>
+          <p:cNvSpPr>
+            <a:spLocks noGrp="1"/>
+          </p:cNvSpPr>
+          <p:nvPr>
+            <p:ph idx="1"/>
+          </p:nvPr>
+        </p:nvSpPr>
+        <p:spPr/>
+        <p:txBody>
+          <a:bodyPr/>
+          <a:lstStyle/>
+          <a:p>
+            <a:pPr lvl="0"/>
+            <a:r>
+              <a:rPr lang="en-US"/>
+              <a:t>Edit Master text styles</a:t>
+            </a:r>
+          </a:p>
+          <a:p>
+            <a:pPr lvl="1"/>
+            <a:r>
+              <a:rPr lang="en-US"/>
+              <a:t>Second level</a:t>
+            </a:r>
+          </a:p>
+          <a:p>
+            <a:pPr lvl="2"/>
+            <a:r>
+              <a:rPr lang="en-US"/>
+              <a:t>Third level</a:t>
+            </a:r>
+          </a:p>
+          <a:p>
+            <a:pPr lvl="3"/>
+            <a:r>
+              <a:rPr lang="en-US"/>
+              <a:t>Fourth level</a:t>
+            </a:r>
+          </a:p>
+          <a:p>
+            <a:pPr lvl="4"/>
+            <a:r>
+              <a:rPr lang="en-US"/>
+              <a:t>Fifth level</a:t>
+            </a:r>
+            <a:endParaRPr lang="en-US" dirty="0"/>
+          </a:p>
+        </p:txBody>
+      </p:sp>
+      <p:sp>
+        <p:nvSpPr>
+          <p:cNvPr id="4" name="Date Placeholder 3"/>
+          <p:cNvSpPr>
+            <a:spLocks noGrp="1"/>
+          </p:cNvSpPr>
+          <p:nvPr>
+            <p:ph type="dt" sz="half" idx="10"/>
+          </p:nvPr>
+        </p:nvSpPr>
+        <p:spPr/>
+        <p:txBody>
+          <a:bodyPr/>
+          <a:lstStyle/>
+          <a:p>
+            <a:fld id="{050EE09E-C05D-48D0-A103-2D583A4825FC}" type="datetime1">
               <a:rPr lang="en-US" smtClean="0"/>
-              <a:t>Click to edit Master title style</a:t>
-            </a:r>
-            <a:endParaRPr lang="en-US" dirty="0"/>
-          </a:p>
-        </p:txBody>
-      </p:sp>
-      <p:sp>
-        <p:nvSpPr>
-          <p:cNvPr id="3" name="Content Placeholder 2"/>
-          <p:cNvSpPr>
-            <a:spLocks noGrp="1"/>
-          </p:cNvSpPr>
-          <p:nvPr>
-            <p:ph idx="1"/>
-          </p:nvPr>
-        </p:nvSpPr>
-        <p:spPr/>
-        <p:txBody>
-          <a:bodyPr/>
-          <a:lstStyle/>
-          <a:p>
-            <a:pPr lvl="0"/>
-            <a:r>
-              <a:rPr lang="en-US" smtClean="0"/>
-              <a:t>Click to edit Master text styles</a:t>
-            </a:r>
-          </a:p>
-          <a:p>
-            <a:pPr lvl="1"/>
-            <a:r>
-              <a:rPr lang="en-US" smtClean="0"/>
-              <a:t>Second level</a:t>
-            </a:r>
-          </a:p>
-          <a:p>
-            <a:pPr lvl="2"/>
-            <a:r>
-              <a:rPr lang="en-US" smtClean="0"/>
-              <a:t>Third level</a:t>
-            </a:r>
-          </a:p>
-          <a:p>
-            <a:pPr lvl="3"/>
-            <a:r>
-              <a:rPr lang="en-US" smtClean="0"/>
-              <a:t>Fourth level</a:t>
-            </a:r>
-          </a:p>
-          <a:p>
-            <a:pPr lvl="4"/>
-            <a:r>
-              <a:rPr lang="en-US" smtClean="0"/>
-              <a:t>Fifth level</a:t>
-            </a:r>
-            <a:endParaRPr lang="en-US" dirty="0"/>
-          </a:p>
-        </p:txBody>
-      </p:sp>
-      <p:sp>
-        <p:nvSpPr>
-          <p:cNvPr id="4" name="Date Placeholder 3"/>
-          <p:cNvSpPr>
-            <a:spLocks noGrp="1"/>
-          </p:cNvSpPr>
-          <p:nvPr>
-            <p:ph type="dt" sz="half" idx="10"/>
-          </p:nvPr>
-        </p:nvSpPr>
-        <p:spPr/>
-        <p:txBody>
-          <a:bodyPr/>
-          <a:lstStyle/>
-          <a:p>
-            <a:fld id="{6964D4EB-A2A3-5D46-A2E3-B082D53C11C5}" type="datetime1">
-              <a:rPr lang="en-US" smtClean="0"/>
-              <a:t>11/13/15</a:t>
+              <a:t>7/7/2016</a:t>
             </a:fld>
             <a:endParaRPr lang="en-US"/>
           </a:p>
@@ -1861,10 +2381,9 @@
           <a:lstStyle/>
           <a:p>
             <a:r>
-              <a:rPr lang="sk-SK" smtClean="0"/>
-              <a:t>© 2015 EV3Lessons.com, Last edit 11/13/2015</a:t>
-            </a:r>
-            <a:endParaRPr lang="en-US"/>
+              <a:rPr lang="en-US"/>
+              <a:t>© 2016 EV3Lessons.com, Last edit 7/06/2016</a:t>
+            </a:r>
           </a:p>
         </p:txBody>
       </p:sp>
@@ -1894,7 +2413,7 @@
     </p:spTree>
     <p:extLst>
       <p:ext uri="{BB962C8B-B14F-4D97-AF65-F5344CB8AC3E}">
-        <p14:creationId xmlns:p14="http://schemas.microsoft.com/office/powerpoint/2010/main" val="973040102"/>
+        <p14:creationId xmlns:p14="http://schemas.microsoft.com/office/powerpoint/2010/main" val="1807958838"/>
       </p:ext>
     </p:extLst>
   </p:cSld>
@@ -1904,7 +2423,7 @@
 </p:sldLayout>
 </file>
 
-<file path=ppt/slideLayouts/slideLayout3.xml><?xml version="1.0" encoding="utf-8"?>
+<file path=ppt/slideLayouts/slideLayout14.xml><?xml version="1.0" encoding="utf-8"?>
 <p:sldLayout xmlns:a="http://schemas.openxmlformats.org/drawingml/2006/main" xmlns:r="http://schemas.openxmlformats.org/officeDocument/2006/relationships" xmlns:p="http://schemas.openxmlformats.org/presentationml/2006/main" showMasterSp="0" type="secHead" preserve="1">
   <p:cSld name="Section Header">
     <p:bg>
@@ -2042,7 +2561,7 @@
           </a:lstStyle>
           <a:p>
             <a:r>
-              <a:rPr lang="en-US" smtClean="0"/>
+              <a:rPr lang="en-US"/>
               <a:t>Click to edit Master title style</a:t>
             </a:r>
             <a:endParaRPr lang="en-US" dirty="0"/>
@@ -2163,30 +2682,30 @@
           <a:p>
             <a:pPr lvl="0"/>
             <a:r>
+              <a:rPr lang="en-US"/>
+              <a:t>Edit Master text styles</a:t>
+            </a:r>
+          </a:p>
+        </p:txBody>
+      </p:sp>
+      <p:sp>
+        <p:nvSpPr>
+          <p:cNvPr id="4" name="Date Placeholder 3"/>
+          <p:cNvSpPr>
+            <a:spLocks noGrp="1"/>
+          </p:cNvSpPr>
+          <p:nvPr>
+            <p:ph type="dt" sz="half" idx="10"/>
+          </p:nvPr>
+        </p:nvSpPr>
+        <p:spPr/>
+        <p:txBody>
+          <a:bodyPr/>
+          <a:lstStyle/>
+          <a:p>
+            <a:fld id="{E3D0941C-232A-41F4-B253-947031AAD49F}" type="datetime1">
               <a:rPr lang="en-US" smtClean="0"/>
-              <a:t>Click to edit Master text styles</a:t>
-            </a:r>
-          </a:p>
-        </p:txBody>
-      </p:sp>
-      <p:sp>
-        <p:nvSpPr>
-          <p:cNvPr id="4" name="Date Placeholder 3"/>
-          <p:cNvSpPr>
-            <a:spLocks noGrp="1"/>
-          </p:cNvSpPr>
-          <p:nvPr>
-            <p:ph type="dt" sz="half" idx="10"/>
-          </p:nvPr>
-        </p:nvSpPr>
-        <p:spPr/>
-        <p:txBody>
-          <a:bodyPr/>
-          <a:lstStyle/>
-          <a:p>
-            <a:fld id="{719062A6-538C-914A-A4D7-9D77EAAE33AB}" type="datetime1">
-              <a:rPr lang="en-US" smtClean="0"/>
-              <a:t>11/13/15</a:t>
+              <a:t>7/7/2016</a:t>
             </a:fld>
             <a:endParaRPr lang="en-US"/>
           </a:p>
@@ -2208,10 +2727,9 @@
           <a:lstStyle/>
           <a:p>
             <a:r>
-              <a:rPr lang="sk-SK" smtClean="0"/>
-              <a:t>© 2015 EV3Lessons.com, Last edit 11/13/2015</a:t>
-            </a:r>
-            <a:endParaRPr lang="en-US"/>
+              <a:rPr lang="en-US"/>
+              <a:t>© 2016 EV3Lessons.com, Last edit 7/06/2016</a:t>
+            </a:r>
           </a:p>
         </p:txBody>
       </p:sp>
@@ -2279,7 +2797,7 @@
     </p:spTree>
     <p:extLst>
       <p:ext uri="{BB962C8B-B14F-4D97-AF65-F5344CB8AC3E}">
-        <p14:creationId xmlns:p14="http://schemas.microsoft.com/office/powerpoint/2010/main" val="1700121724"/>
+        <p14:creationId xmlns:p14="http://schemas.microsoft.com/office/powerpoint/2010/main" val="616177529"/>
       </p:ext>
     </p:extLst>
   </p:cSld>
@@ -2289,7 +2807,7 @@
 </p:sldLayout>
 </file>
 
-<file path=ppt/slideLayouts/slideLayout4.xml><?xml version="1.0" encoding="utf-8"?>
+<file path=ppt/slideLayouts/slideLayout15.xml><?xml version="1.0" encoding="utf-8"?>
 <p:sldLayout xmlns:a="http://schemas.openxmlformats.org/drawingml/2006/main" xmlns:r="http://schemas.openxmlformats.org/officeDocument/2006/relationships" xmlns:p="http://schemas.openxmlformats.org/presentationml/2006/main" type="twoObj" preserve="1">
   <p:cSld name="Two Content">
     <p:spTree>
@@ -2327,7 +2845,7 @@
           <a:lstStyle/>
           <a:p>
             <a:r>
-              <a:rPr lang="en-US" smtClean="0"/>
+              <a:rPr lang="en-US"/>
               <a:t>Click to edit Master title style</a:t>
             </a:r>
             <a:endParaRPr lang="en-US" dirty="0"/>
@@ -2356,35 +2874,35 @@
           <a:p>
             <a:pPr lvl="0"/>
             <a:r>
-              <a:rPr lang="en-US" smtClean="0"/>
-              <a:t>Click to edit Master text styles</a:t>
+              <a:rPr lang="en-US"/>
+              <a:t>Edit Master text styles</a:t>
             </a:r>
           </a:p>
           <a:p>
             <a:pPr lvl="1"/>
             <a:r>
-              <a:rPr lang="en-US" smtClean="0"/>
+              <a:rPr lang="en-US"/>
               <a:t>Second level</a:t>
             </a:r>
           </a:p>
           <a:p>
             <a:pPr lvl="2"/>
             <a:r>
-              <a:rPr lang="en-US" smtClean="0"/>
+              <a:rPr lang="en-US"/>
               <a:t>Third level</a:t>
             </a:r>
           </a:p>
           <a:p>
             <a:pPr lvl="3"/>
             <a:r>
-              <a:rPr lang="en-US" smtClean="0"/>
+              <a:rPr lang="en-US"/>
               <a:t>Fourth level</a:t>
             </a:r>
           </a:p>
           <a:p>
             <a:pPr lvl="4"/>
             <a:r>
-              <a:rPr lang="en-US" smtClean="0"/>
+              <a:rPr lang="en-US"/>
               <a:t>Fifth level</a:t>
             </a:r>
             <a:endParaRPr lang="en-US" dirty="0"/>
@@ -2413,59 +2931,59 @@
           <a:p>
             <a:pPr lvl="0"/>
             <a:r>
+              <a:rPr lang="en-US"/>
+              <a:t>Edit Master text styles</a:t>
+            </a:r>
+          </a:p>
+          <a:p>
+            <a:pPr lvl="1"/>
+            <a:r>
+              <a:rPr lang="en-US"/>
+              <a:t>Second level</a:t>
+            </a:r>
+          </a:p>
+          <a:p>
+            <a:pPr lvl="2"/>
+            <a:r>
+              <a:rPr lang="en-US"/>
+              <a:t>Third level</a:t>
+            </a:r>
+          </a:p>
+          <a:p>
+            <a:pPr lvl="3"/>
+            <a:r>
+              <a:rPr lang="en-US"/>
+              <a:t>Fourth level</a:t>
+            </a:r>
+          </a:p>
+          <a:p>
+            <a:pPr lvl="4"/>
+            <a:r>
+              <a:rPr lang="en-US"/>
+              <a:t>Fifth level</a:t>
+            </a:r>
+            <a:endParaRPr lang="en-US" dirty="0"/>
+          </a:p>
+        </p:txBody>
+      </p:sp>
+      <p:sp>
+        <p:nvSpPr>
+          <p:cNvPr id="5" name="Date Placeholder 4"/>
+          <p:cNvSpPr>
+            <a:spLocks noGrp="1"/>
+          </p:cNvSpPr>
+          <p:nvPr>
+            <p:ph type="dt" sz="half" idx="10"/>
+          </p:nvPr>
+        </p:nvSpPr>
+        <p:spPr/>
+        <p:txBody>
+          <a:bodyPr/>
+          <a:lstStyle/>
+          <a:p>
+            <a:fld id="{9C969458-8E2D-456C-BFC8-ECE4A394E5C1}" type="datetime1">
               <a:rPr lang="en-US" smtClean="0"/>
-              <a:t>Click to edit Master text styles</a:t>
-            </a:r>
-          </a:p>
-          <a:p>
-            <a:pPr lvl="1"/>
-            <a:r>
-              <a:rPr lang="en-US" smtClean="0"/>
-              <a:t>Second level</a:t>
-            </a:r>
-          </a:p>
-          <a:p>
-            <a:pPr lvl="2"/>
-            <a:r>
-              <a:rPr lang="en-US" smtClean="0"/>
-              <a:t>Third level</a:t>
-            </a:r>
-          </a:p>
-          <a:p>
-            <a:pPr lvl="3"/>
-            <a:r>
-              <a:rPr lang="en-US" smtClean="0"/>
-              <a:t>Fourth level</a:t>
-            </a:r>
-          </a:p>
-          <a:p>
-            <a:pPr lvl="4"/>
-            <a:r>
-              <a:rPr lang="en-US" smtClean="0"/>
-              <a:t>Fifth level</a:t>
-            </a:r>
-            <a:endParaRPr lang="en-US" dirty="0"/>
-          </a:p>
-        </p:txBody>
-      </p:sp>
-      <p:sp>
-        <p:nvSpPr>
-          <p:cNvPr id="5" name="Date Placeholder 4"/>
-          <p:cNvSpPr>
-            <a:spLocks noGrp="1"/>
-          </p:cNvSpPr>
-          <p:nvPr>
-            <p:ph type="dt" sz="half" idx="10"/>
-          </p:nvPr>
-        </p:nvSpPr>
-        <p:spPr/>
-        <p:txBody>
-          <a:bodyPr/>
-          <a:lstStyle/>
-          <a:p>
-            <a:fld id="{FBA86DE5-4727-3C44-A125-458AC819E1C1}" type="datetime1">
-              <a:rPr lang="en-US" smtClean="0"/>
-              <a:t>11/13/15</a:t>
+              <a:t>7/7/2016</a:t>
             </a:fld>
             <a:endParaRPr lang="en-US"/>
           </a:p>
@@ -2486,6 +3004,10 @@
           <a:bodyPr/>
           <a:lstStyle/>
           <a:p>
+            <a:r>
+              <a:rPr lang="en-US"/>
+              <a:t>© 2016 EV3Lessons.com, Last edit 7/06/2016</a:t>
+            </a:r>
             <a:endParaRPr lang="en-US" dirty="0"/>
           </a:p>
         </p:txBody>
@@ -2516,7 +3038,7 @@
     </p:spTree>
     <p:extLst>
       <p:ext uri="{BB962C8B-B14F-4D97-AF65-F5344CB8AC3E}">
-        <p14:creationId xmlns:p14="http://schemas.microsoft.com/office/powerpoint/2010/main" val="320203879"/>
+        <p14:creationId xmlns:p14="http://schemas.microsoft.com/office/powerpoint/2010/main" val="1694312582"/>
       </p:ext>
     </p:extLst>
   </p:cSld>
@@ -2526,7 +3048,7 @@
 </p:sldLayout>
 </file>
 
-<file path=ppt/slideLayouts/slideLayout5.xml><?xml version="1.0" encoding="utf-8"?>
+<file path=ppt/slideLayouts/slideLayout16.xml><?xml version="1.0" encoding="utf-8"?>
 <p:sldLayout xmlns:a="http://schemas.openxmlformats.org/drawingml/2006/main" xmlns:r="http://schemas.openxmlformats.org/officeDocument/2006/relationships" xmlns:p="http://schemas.openxmlformats.org/presentationml/2006/main" type="twoTxTwoObj" preserve="1">
   <p:cSld name="Comparison">
     <p:spTree>
@@ -2564,7 +3086,7 @@
           <a:lstStyle/>
           <a:p>
             <a:r>
-              <a:rPr lang="en-US" smtClean="0"/>
+              <a:rPr lang="en-US"/>
               <a:t>Click to edit Master title style</a:t>
             </a:r>
             <a:endParaRPr lang="en-US" dirty="0"/>
@@ -2636,8 +3158,8 @@
           <a:p>
             <a:pPr lvl="0"/>
             <a:r>
-              <a:rPr lang="en-US" smtClean="0"/>
-              <a:t>Click to edit Master text styles</a:t>
+              <a:rPr lang="en-US"/>
+              <a:t>Edit Master text styles</a:t>
             </a:r>
           </a:p>
         </p:txBody>
@@ -2664,35 +3186,35 @@
           <a:p>
             <a:pPr lvl="0"/>
             <a:r>
-              <a:rPr lang="en-US" smtClean="0"/>
-              <a:t>Click to edit Master text styles</a:t>
+              <a:rPr lang="en-US"/>
+              <a:t>Edit Master text styles</a:t>
             </a:r>
           </a:p>
           <a:p>
             <a:pPr lvl="1"/>
             <a:r>
-              <a:rPr lang="en-US" smtClean="0"/>
+              <a:rPr lang="en-US"/>
               <a:t>Second level</a:t>
             </a:r>
           </a:p>
           <a:p>
             <a:pPr lvl="2"/>
             <a:r>
-              <a:rPr lang="en-US" smtClean="0"/>
+              <a:rPr lang="en-US"/>
               <a:t>Third level</a:t>
             </a:r>
           </a:p>
           <a:p>
             <a:pPr lvl="3"/>
             <a:r>
-              <a:rPr lang="en-US" smtClean="0"/>
+              <a:rPr lang="en-US"/>
               <a:t>Fourth level</a:t>
             </a:r>
           </a:p>
           <a:p>
             <a:pPr lvl="4"/>
             <a:r>
-              <a:rPr lang="en-US" smtClean="0"/>
+              <a:rPr lang="en-US"/>
               <a:t>Fifth level</a:t>
             </a:r>
             <a:endParaRPr lang="en-US" dirty="0"/>
@@ -2764,8 +3286,8 @@
           <a:p>
             <a:pPr lvl="0"/>
             <a:r>
-              <a:rPr lang="en-US" smtClean="0"/>
-              <a:t>Click to edit Master text styles</a:t>
+              <a:rPr lang="en-US"/>
+              <a:t>Edit Master text styles</a:t>
             </a:r>
           </a:p>
         </p:txBody>
@@ -2792,59 +3314,59 @@
           <a:p>
             <a:pPr lvl="0"/>
             <a:r>
+              <a:rPr lang="en-US"/>
+              <a:t>Edit Master text styles</a:t>
+            </a:r>
+          </a:p>
+          <a:p>
+            <a:pPr lvl="1"/>
+            <a:r>
+              <a:rPr lang="en-US"/>
+              <a:t>Second level</a:t>
+            </a:r>
+          </a:p>
+          <a:p>
+            <a:pPr lvl="2"/>
+            <a:r>
+              <a:rPr lang="en-US"/>
+              <a:t>Third level</a:t>
+            </a:r>
+          </a:p>
+          <a:p>
+            <a:pPr lvl="3"/>
+            <a:r>
+              <a:rPr lang="en-US"/>
+              <a:t>Fourth level</a:t>
+            </a:r>
+          </a:p>
+          <a:p>
+            <a:pPr lvl="4"/>
+            <a:r>
+              <a:rPr lang="en-US"/>
+              <a:t>Fifth level</a:t>
+            </a:r>
+            <a:endParaRPr lang="en-US" dirty="0"/>
+          </a:p>
+        </p:txBody>
+      </p:sp>
+      <p:sp>
+        <p:nvSpPr>
+          <p:cNvPr id="7" name="Date Placeholder 6"/>
+          <p:cNvSpPr>
+            <a:spLocks noGrp="1"/>
+          </p:cNvSpPr>
+          <p:nvPr>
+            <p:ph type="dt" sz="half" idx="10"/>
+          </p:nvPr>
+        </p:nvSpPr>
+        <p:spPr/>
+        <p:txBody>
+          <a:bodyPr/>
+          <a:lstStyle/>
+          <a:p>
+            <a:fld id="{B71E1CC1-5AF7-4849-BBE9-D092F8272AD6}" type="datetime1">
               <a:rPr lang="en-US" smtClean="0"/>
-              <a:t>Click to edit Master text styles</a:t>
-            </a:r>
-          </a:p>
-          <a:p>
-            <a:pPr lvl="1"/>
-            <a:r>
-              <a:rPr lang="en-US" smtClean="0"/>
-              <a:t>Second level</a:t>
-            </a:r>
-          </a:p>
-          <a:p>
-            <a:pPr lvl="2"/>
-            <a:r>
-              <a:rPr lang="en-US" smtClean="0"/>
-              <a:t>Third level</a:t>
-            </a:r>
-          </a:p>
-          <a:p>
-            <a:pPr lvl="3"/>
-            <a:r>
-              <a:rPr lang="en-US" smtClean="0"/>
-              <a:t>Fourth level</a:t>
-            </a:r>
-          </a:p>
-          <a:p>
-            <a:pPr lvl="4"/>
-            <a:r>
-              <a:rPr lang="en-US" smtClean="0"/>
-              <a:t>Fifth level</a:t>
-            </a:r>
-            <a:endParaRPr lang="en-US" dirty="0"/>
-          </a:p>
-        </p:txBody>
-      </p:sp>
-      <p:sp>
-        <p:nvSpPr>
-          <p:cNvPr id="7" name="Date Placeholder 6"/>
-          <p:cNvSpPr>
-            <a:spLocks noGrp="1"/>
-          </p:cNvSpPr>
-          <p:nvPr>
-            <p:ph type="dt" sz="half" idx="10"/>
-          </p:nvPr>
-        </p:nvSpPr>
-        <p:spPr/>
-        <p:txBody>
-          <a:bodyPr/>
-          <a:lstStyle/>
-          <a:p>
-            <a:fld id="{18F252B0-687D-184F-B682-0021640A5D63}" type="datetime1">
-              <a:rPr lang="en-US" smtClean="0"/>
-              <a:t>11/13/15</a:t>
+              <a:t>7/7/2016</a:t>
             </a:fld>
             <a:endParaRPr lang="en-US"/>
           </a:p>
@@ -2866,10 +3388,9 @@
           <a:lstStyle/>
           <a:p>
             <a:r>
-              <a:rPr lang="sk-SK" smtClean="0"/>
-              <a:t>© 2015 EV3Lessons.com, Last edit 11/13/2015</a:t>
-            </a:r>
-            <a:endParaRPr lang="en-US"/>
+              <a:rPr lang="en-US"/>
+              <a:t>© 2016 EV3Lessons.com, Last edit 7/06/2016</a:t>
+            </a:r>
           </a:p>
         </p:txBody>
       </p:sp>
@@ -2899,7 +3420,7 @@
     </p:spTree>
     <p:extLst>
       <p:ext uri="{BB962C8B-B14F-4D97-AF65-F5344CB8AC3E}">
-        <p14:creationId xmlns:p14="http://schemas.microsoft.com/office/powerpoint/2010/main" val="2144309748"/>
+        <p14:creationId xmlns:p14="http://schemas.microsoft.com/office/powerpoint/2010/main" val="1707913510"/>
       </p:ext>
     </p:extLst>
   </p:cSld>
@@ -2909,7 +3430,7 @@
 </p:sldLayout>
 </file>
 
-<file path=ppt/slideLayouts/slideLayout6.xml><?xml version="1.0" encoding="utf-8"?>
+<file path=ppt/slideLayouts/slideLayout17.xml><?xml version="1.0" encoding="utf-8"?>
 <p:sldLayout xmlns:a="http://schemas.openxmlformats.org/drawingml/2006/main" xmlns:r="http://schemas.openxmlformats.org/officeDocument/2006/relationships" xmlns:p="http://schemas.openxmlformats.org/presentationml/2006/main" type="titleOnly" preserve="1">
   <p:cSld name="Title Only">
     <p:spTree>
@@ -2942,31 +3463,31 @@
           <a:lstStyle/>
           <a:p>
             <a:r>
+              <a:rPr lang="en-US"/>
+              <a:t>Click to edit Master title style</a:t>
+            </a:r>
+            <a:endParaRPr lang="en-US" dirty="0"/>
+          </a:p>
+        </p:txBody>
+      </p:sp>
+      <p:sp>
+        <p:nvSpPr>
+          <p:cNvPr id="3" name="Date Placeholder 2"/>
+          <p:cNvSpPr>
+            <a:spLocks noGrp="1"/>
+          </p:cNvSpPr>
+          <p:nvPr>
+            <p:ph type="dt" sz="half" idx="10"/>
+          </p:nvPr>
+        </p:nvSpPr>
+        <p:spPr/>
+        <p:txBody>
+          <a:bodyPr/>
+          <a:lstStyle/>
+          <a:p>
+            <a:fld id="{F6E1F090-AE58-47A2-9204-07D471881107}" type="datetime1">
               <a:rPr lang="en-US" smtClean="0"/>
-              <a:t>Click to edit Master title style</a:t>
-            </a:r>
-            <a:endParaRPr lang="en-US" dirty="0"/>
-          </a:p>
-        </p:txBody>
-      </p:sp>
-      <p:sp>
-        <p:nvSpPr>
-          <p:cNvPr id="3" name="Date Placeholder 2"/>
-          <p:cNvSpPr>
-            <a:spLocks noGrp="1"/>
-          </p:cNvSpPr>
-          <p:nvPr>
-            <p:ph type="dt" sz="half" idx="10"/>
-          </p:nvPr>
-        </p:nvSpPr>
-        <p:spPr/>
-        <p:txBody>
-          <a:bodyPr/>
-          <a:lstStyle/>
-          <a:p>
-            <a:fld id="{3457AD7A-12C8-EA48-9011-B2F46261DD98}" type="datetime1">
-              <a:rPr lang="en-US" smtClean="0"/>
-              <a:t>11/13/15</a:t>
+              <a:t>7/7/2016</a:t>
             </a:fld>
             <a:endParaRPr lang="en-US"/>
           </a:p>
@@ -2988,10 +3509,9 @@
           <a:lstStyle/>
           <a:p>
             <a:r>
-              <a:rPr lang="sk-SK" smtClean="0"/>
-              <a:t>© 2015 EV3Lessons.com, Last edit 11/13/2015</a:t>
-            </a:r>
-            <a:endParaRPr lang="en-US"/>
+              <a:rPr lang="en-US"/>
+              <a:t>© 2016 EV3Lessons.com, Last edit 7/06/2016</a:t>
+            </a:r>
           </a:p>
         </p:txBody>
       </p:sp>
@@ -3021,7 +3541,7 @@
     </p:spTree>
     <p:extLst>
       <p:ext uri="{BB962C8B-B14F-4D97-AF65-F5344CB8AC3E}">
-        <p14:creationId xmlns:p14="http://schemas.microsoft.com/office/powerpoint/2010/main" val="742492885"/>
+        <p14:creationId xmlns:p14="http://schemas.microsoft.com/office/powerpoint/2010/main" val="1950414646"/>
       </p:ext>
     </p:extLst>
   </p:cSld>
@@ -3031,7 +3551,7 @@
 </p:sldLayout>
 </file>
 
-<file path=ppt/slideLayouts/slideLayout7.xml><?xml version="1.0" encoding="utf-8"?>
+<file path=ppt/slideLayouts/slideLayout18.xml><?xml version="1.0" encoding="utf-8"?>
 <p:sldLayout xmlns:a="http://schemas.openxmlformats.org/drawingml/2006/main" xmlns:r="http://schemas.openxmlformats.org/officeDocument/2006/relationships" xmlns:p="http://schemas.openxmlformats.org/presentationml/2006/main" showMasterSp="0" type="blank" preserve="1">
   <p:cSld name="Blank">
     <p:spTree>
@@ -3139,9 +3659,9 @@
           <a:bodyPr/>
           <a:lstStyle/>
           <a:p>
-            <a:fld id="{77D3C5C7-2346-9A49-8660-921460E2744B}" type="datetime1">
+            <a:fld id="{2DAC16A8-5B1A-4F80-8845-A71B62F848A8}" type="datetime1">
               <a:rPr lang="en-US" smtClean="0"/>
-              <a:t>11/13/15</a:t>
+              <a:t>7/7/2016</a:t>
             </a:fld>
             <a:endParaRPr lang="en-US"/>
           </a:p>
@@ -3171,10 +3691,9 @@
           </a:lstStyle>
           <a:p>
             <a:r>
-              <a:rPr lang="sk-SK" smtClean="0"/>
-              <a:t>© 2015 EV3Lessons.com, Last edit 11/13/2015</a:t>
-            </a:r>
-            <a:endParaRPr lang="en-US"/>
+              <a:rPr lang="en-US"/>
+              <a:t>© 2016 EV3Lessons.com, Last edit 7/06/2016</a:t>
+            </a:r>
           </a:p>
         </p:txBody>
       </p:sp>
@@ -3204,7 +3723,7 @@
     </p:spTree>
     <p:extLst>
       <p:ext uri="{BB962C8B-B14F-4D97-AF65-F5344CB8AC3E}">
-        <p14:creationId xmlns:p14="http://schemas.microsoft.com/office/powerpoint/2010/main" val="1728591828"/>
+        <p14:creationId xmlns:p14="http://schemas.microsoft.com/office/powerpoint/2010/main" val="1967265711"/>
       </p:ext>
     </p:extLst>
   </p:cSld>
@@ -3214,7 +3733,7 @@
 </p:sldLayout>
 </file>
 
-<file path=ppt/slideLayouts/slideLayout8.xml><?xml version="1.0" encoding="utf-8"?>
+<file path=ppt/slideLayouts/slideLayout19.xml><?xml version="1.0" encoding="utf-8"?>
 <p:sldLayout xmlns:a="http://schemas.openxmlformats.org/drawingml/2006/main" xmlns:r="http://schemas.openxmlformats.org/officeDocument/2006/relationships" xmlns:p="http://schemas.openxmlformats.org/presentationml/2006/main" showMasterSp="0" type="objTx" preserve="1">
   <p:cSld name="Content with Caption">
     <p:spTree>
@@ -3338,7 +3857,7 @@
           </a:lstStyle>
           <a:p>
             <a:r>
-              <a:rPr lang="en-US" smtClean="0"/>
+              <a:rPr lang="en-US"/>
               <a:t>Click to edit Master title style</a:t>
             </a:r>
             <a:endParaRPr lang="en-US" dirty="0"/>
@@ -3367,35 +3886,35 @@
           <a:p>
             <a:pPr lvl="0"/>
             <a:r>
-              <a:rPr lang="en-US" smtClean="0"/>
-              <a:t>Click to edit Master text styles</a:t>
+              <a:rPr lang="en-US"/>
+              <a:t>Edit Master text styles</a:t>
             </a:r>
           </a:p>
           <a:p>
             <a:pPr lvl="1"/>
             <a:r>
-              <a:rPr lang="en-US" smtClean="0"/>
+              <a:rPr lang="en-US"/>
               <a:t>Second level</a:t>
             </a:r>
           </a:p>
           <a:p>
             <a:pPr lvl="2"/>
             <a:r>
-              <a:rPr lang="en-US" smtClean="0"/>
+              <a:rPr lang="en-US"/>
               <a:t>Third level</a:t>
             </a:r>
           </a:p>
           <a:p>
             <a:pPr lvl="3"/>
             <a:r>
-              <a:rPr lang="en-US" smtClean="0"/>
+              <a:rPr lang="en-US"/>
               <a:t>Fourth level</a:t>
             </a:r>
           </a:p>
           <a:p>
             <a:pPr lvl="4"/>
             <a:r>
-              <a:rPr lang="en-US" smtClean="0"/>
+              <a:rPr lang="en-US"/>
               <a:t>Fifth level</a:t>
             </a:r>
             <a:endParaRPr lang="en-US" dirty="0"/>
@@ -3467,8 +3986,8 @@
           <a:p>
             <a:pPr lvl="0"/>
             <a:r>
-              <a:rPr lang="en-US" smtClean="0"/>
-              <a:t>Click to edit Master text styles</a:t>
+              <a:rPr lang="en-US"/>
+              <a:t>Edit Master text styles</a:t>
             </a:r>
           </a:p>
         </p:txBody>
@@ -3497,9 +4016,9 @@
             </a:lvl1pPr>
           </a:lstStyle>
           <a:p>
-            <a:fld id="{E5A27797-1683-ED47-A74A-6DEBEDA39DC8}" type="datetime1">
+            <a:fld id="{71B78242-971D-468B-8140-2B063EBB991D}" type="datetime1">
               <a:rPr lang="en-US" smtClean="0"/>
-              <a:t>11/13/15</a:t>
+              <a:t>7/7/2016</a:t>
             </a:fld>
             <a:endParaRPr lang="en-US"/>
           </a:p>
@@ -3534,10 +4053,9 @@
           </a:lstStyle>
           <a:p>
             <a:r>
-              <a:rPr lang="sk-SK" smtClean="0"/>
-              <a:t>© 2015 EV3Lessons.com, Last edit 11/13/2015</a:t>
-            </a:r>
-            <a:endParaRPr lang="en-US"/>
+              <a:rPr lang="en-US"/>
+              <a:t>© 2016 EV3Lessons.com, Last edit 7/06/2016</a:t>
+            </a:r>
           </a:p>
         </p:txBody>
       </p:sp>
@@ -3575,7 +4093,7 @@
     </p:spTree>
     <p:extLst>
       <p:ext uri="{BB962C8B-B14F-4D97-AF65-F5344CB8AC3E}">
-        <p14:creationId xmlns:p14="http://schemas.microsoft.com/office/powerpoint/2010/main" val="1411911357"/>
+        <p14:creationId xmlns:p14="http://schemas.microsoft.com/office/powerpoint/2010/main" val="2990918518"/>
       </p:ext>
     </p:extLst>
   </p:cSld>
@@ -3585,7 +4103,180 @@
 </p:sldLayout>
 </file>
 
-<file path=ppt/slideLayouts/slideLayout9.xml><?xml version="1.0" encoding="utf-8"?>
+<file path=ppt/slideLayouts/slideLayout2.xml><?xml version="1.0" encoding="utf-8"?>
+<p:sldLayout xmlns:a="http://schemas.openxmlformats.org/drawingml/2006/main" xmlns:r="http://schemas.openxmlformats.org/officeDocument/2006/relationships" xmlns:p="http://schemas.openxmlformats.org/presentationml/2006/main" type="obj" preserve="1">
+  <p:cSld name="Title and Content">
+    <p:spTree>
+      <p:nvGrpSpPr>
+        <p:cNvPr id="1" name=""/>
+        <p:cNvGrpSpPr/>
+        <p:nvPr/>
+      </p:nvGrpSpPr>
+      <p:grpSpPr>
+        <a:xfrm>
+          <a:off x="0" y="0"/>
+          <a:ext cx="0" cy="0"/>
+          <a:chOff x="0" y="0"/>
+          <a:chExt cx="0" cy="0"/>
+        </a:xfrm>
+      </p:grpSpPr>
+      <p:sp>
+        <p:nvSpPr>
+          <p:cNvPr id="2" name="Title 1"/>
+          <p:cNvSpPr>
+            <a:spLocks noGrp="1"/>
+          </p:cNvSpPr>
+          <p:nvPr>
+            <p:ph type="title"/>
+          </p:nvPr>
+        </p:nvSpPr>
+        <p:spPr/>
+        <p:txBody>
+          <a:bodyPr/>
+          <a:lstStyle/>
+          <a:p>
+            <a:r>
+              <a:rPr lang="en-US"/>
+              <a:t>Click to edit Master title style</a:t>
+            </a:r>
+            <a:endParaRPr lang="en-US" dirty="0"/>
+          </a:p>
+        </p:txBody>
+      </p:sp>
+      <p:sp>
+        <p:nvSpPr>
+          <p:cNvPr id="3" name="Content Placeholder 2"/>
+          <p:cNvSpPr>
+            <a:spLocks noGrp="1"/>
+          </p:cNvSpPr>
+          <p:nvPr>
+            <p:ph idx="1"/>
+          </p:nvPr>
+        </p:nvSpPr>
+        <p:spPr/>
+        <p:txBody>
+          <a:bodyPr/>
+          <a:lstStyle/>
+          <a:p>
+            <a:pPr lvl="0"/>
+            <a:r>
+              <a:rPr lang="en-US"/>
+              <a:t>Click to edit Master text styles</a:t>
+            </a:r>
+          </a:p>
+          <a:p>
+            <a:pPr lvl="1"/>
+            <a:r>
+              <a:rPr lang="en-US"/>
+              <a:t>Second level</a:t>
+            </a:r>
+          </a:p>
+          <a:p>
+            <a:pPr lvl="2"/>
+            <a:r>
+              <a:rPr lang="en-US"/>
+              <a:t>Third level</a:t>
+            </a:r>
+          </a:p>
+          <a:p>
+            <a:pPr lvl="3"/>
+            <a:r>
+              <a:rPr lang="en-US"/>
+              <a:t>Fourth level</a:t>
+            </a:r>
+          </a:p>
+          <a:p>
+            <a:pPr lvl="4"/>
+            <a:r>
+              <a:rPr lang="en-US"/>
+              <a:t>Fifth level</a:t>
+            </a:r>
+            <a:endParaRPr lang="en-US" dirty="0"/>
+          </a:p>
+        </p:txBody>
+      </p:sp>
+      <p:sp>
+        <p:nvSpPr>
+          <p:cNvPr id="4" name="Date Placeholder 3"/>
+          <p:cNvSpPr>
+            <a:spLocks noGrp="1"/>
+          </p:cNvSpPr>
+          <p:nvPr>
+            <p:ph type="dt" sz="half" idx="10"/>
+          </p:nvPr>
+        </p:nvSpPr>
+        <p:spPr/>
+        <p:txBody>
+          <a:bodyPr/>
+          <a:lstStyle/>
+          <a:p>
+            <a:fld id="{07C9973C-AF96-4DE6-9D46-6EDF6133D822}" type="datetime1">
+              <a:rPr lang="en-US" smtClean="0"/>
+              <a:t>7/7/2016</a:t>
+            </a:fld>
+            <a:endParaRPr lang="en-US"/>
+          </a:p>
+        </p:txBody>
+      </p:sp>
+      <p:sp>
+        <p:nvSpPr>
+          <p:cNvPr id="5" name="Footer Placeholder 4"/>
+          <p:cNvSpPr>
+            <a:spLocks noGrp="1"/>
+          </p:cNvSpPr>
+          <p:nvPr>
+            <p:ph type="ftr" sz="quarter" idx="11"/>
+          </p:nvPr>
+        </p:nvSpPr>
+        <p:spPr/>
+        <p:txBody>
+          <a:bodyPr/>
+          <a:lstStyle/>
+          <a:p>
+            <a:r>
+              <a:rPr lang="en-US"/>
+              <a:t>© 2016 EV3Lessons.com, Last edit 7/06/2016</a:t>
+            </a:r>
+          </a:p>
+        </p:txBody>
+      </p:sp>
+      <p:sp>
+        <p:nvSpPr>
+          <p:cNvPr id="6" name="Slide Number Placeholder 5"/>
+          <p:cNvSpPr>
+            <a:spLocks noGrp="1"/>
+          </p:cNvSpPr>
+          <p:nvPr>
+            <p:ph type="sldNum" sz="quarter" idx="12"/>
+          </p:nvPr>
+        </p:nvSpPr>
+        <p:spPr/>
+        <p:txBody>
+          <a:bodyPr/>
+          <a:lstStyle/>
+          <a:p>
+            <a:fld id="{4382A7F7-08BF-4252-8141-63FB96055BBB}" type="slidenum">
+              <a:rPr lang="en-US" smtClean="0"/>
+              <a:t>‹#›</a:t>
+            </a:fld>
+            <a:endParaRPr lang="en-US"/>
+          </a:p>
+        </p:txBody>
+      </p:sp>
+    </p:spTree>
+    <p:extLst>
+      <p:ext uri="{BB962C8B-B14F-4D97-AF65-F5344CB8AC3E}">
+        <p14:creationId xmlns:p14="http://schemas.microsoft.com/office/powerpoint/2010/main" val="973040102"/>
+      </p:ext>
+    </p:extLst>
+  </p:cSld>
+  <p:clrMapOvr>
+    <a:masterClrMapping/>
+  </p:clrMapOvr>
+</p:sldLayout>
+</file>
+
+<file path=ppt/slideLayouts/slideLayout20.xml><?xml version="1.0" encoding="utf-8"?>
 <p:sldLayout xmlns:a="http://schemas.openxmlformats.org/drawingml/2006/main" xmlns:r="http://schemas.openxmlformats.org/officeDocument/2006/relationships" xmlns:p="http://schemas.openxmlformats.org/presentationml/2006/main" showMasterSp="0" type="picTx" preserve="1">
   <p:cSld name="Picture with Caption">
     <p:spTree>
@@ -3709,7 +4400,7 @@
           </a:lstStyle>
           <a:p>
             <a:r>
-              <a:rPr lang="en-US" smtClean="0"/>
+              <a:rPr lang="en-US"/>
               <a:t>Click to edit Master title style</a:t>
             </a:r>
             <a:endParaRPr lang="en-US" dirty="0"/>
@@ -3784,8 +4475,8 @@
           </a:lstStyle>
           <a:p>
             <a:r>
-              <a:rPr lang="en-US" smtClean="0"/>
-              <a:t>Drag picture to placeholder or click icon to add</a:t>
+              <a:rPr lang="en-US"/>
+              <a:t>Click icon to add picture</a:t>
             </a:r>
             <a:endParaRPr lang="en-US" dirty="0"/>
           </a:p>
@@ -3862,30 +4553,30 @@
           <a:p>
             <a:pPr lvl="0"/>
             <a:r>
+              <a:rPr lang="en-US"/>
+              <a:t>Edit Master text styles</a:t>
+            </a:r>
+          </a:p>
+        </p:txBody>
+      </p:sp>
+      <p:sp>
+        <p:nvSpPr>
+          <p:cNvPr id="5" name="Date Placeholder 4"/>
+          <p:cNvSpPr>
+            <a:spLocks noGrp="1"/>
+          </p:cNvSpPr>
+          <p:nvPr>
+            <p:ph type="dt" sz="half" idx="10"/>
+          </p:nvPr>
+        </p:nvSpPr>
+        <p:spPr/>
+        <p:txBody>
+          <a:bodyPr/>
+          <a:lstStyle/>
+          <a:p>
+            <a:fld id="{1E8AAC90-2AB0-4BE7-847F-84886B6FF44C}" type="datetime1">
               <a:rPr lang="en-US" smtClean="0"/>
-              <a:t>Click to edit Master text styles</a:t>
-            </a:r>
-          </a:p>
-        </p:txBody>
-      </p:sp>
-      <p:sp>
-        <p:nvSpPr>
-          <p:cNvPr id="5" name="Date Placeholder 4"/>
-          <p:cNvSpPr>
-            <a:spLocks noGrp="1"/>
-          </p:cNvSpPr>
-          <p:nvPr>
-            <p:ph type="dt" sz="half" idx="10"/>
-          </p:nvPr>
-        </p:nvSpPr>
-        <p:spPr/>
-        <p:txBody>
-          <a:bodyPr/>
-          <a:lstStyle/>
-          <a:p>
-            <a:fld id="{9F9CFCDA-76FF-C942-8304-6FF0EF7EF019}" type="datetime1">
-              <a:rPr lang="en-US" smtClean="0"/>
-              <a:t>11/13/15</a:t>
+              <a:t>7/7/2016</a:t>
             </a:fld>
             <a:endParaRPr lang="en-US"/>
           </a:p>
@@ -3907,10 +4598,2485 @@
           <a:lstStyle/>
           <a:p>
             <a:r>
-              <a:rPr lang="sk-SK" smtClean="0"/>
-              <a:t>© 2015 EV3Lessons.com, Last edit 11/13/2015</a:t>
-            </a:r>
+              <a:rPr lang="en-US"/>
+              <a:t>© 2016 EV3Lessons.com, Last edit 7/06/2016</a:t>
+            </a:r>
+          </a:p>
+        </p:txBody>
+      </p:sp>
+      <p:sp>
+        <p:nvSpPr>
+          <p:cNvPr id="7" name="Slide Number Placeholder 6"/>
+          <p:cNvSpPr>
+            <a:spLocks noGrp="1"/>
+          </p:cNvSpPr>
+          <p:nvPr>
+            <p:ph type="sldNum" sz="quarter" idx="12"/>
+          </p:nvPr>
+        </p:nvSpPr>
+        <p:spPr/>
+        <p:txBody>
+          <a:bodyPr/>
+          <a:lstStyle/>
+          <a:p>
+            <a:fld id="{4382A7F7-08BF-4252-8141-63FB96055BBB}" type="slidenum">
+              <a:rPr lang="en-US" smtClean="0"/>
+              <a:t>‹#›</a:t>
+            </a:fld>
             <a:endParaRPr lang="en-US"/>
+          </a:p>
+        </p:txBody>
+      </p:sp>
+    </p:spTree>
+    <p:extLst>
+      <p:ext uri="{BB962C8B-B14F-4D97-AF65-F5344CB8AC3E}">
+        <p14:creationId xmlns:p14="http://schemas.microsoft.com/office/powerpoint/2010/main" val="3621505268"/>
+      </p:ext>
+    </p:extLst>
+  </p:cSld>
+  <p:clrMapOvr>
+    <a:masterClrMapping/>
+  </p:clrMapOvr>
+</p:sldLayout>
+</file>
+
+<file path=ppt/slideLayouts/slideLayout21.xml><?xml version="1.0" encoding="utf-8"?>
+<p:sldLayout xmlns:a="http://schemas.openxmlformats.org/drawingml/2006/main" xmlns:r="http://schemas.openxmlformats.org/officeDocument/2006/relationships" xmlns:p="http://schemas.openxmlformats.org/presentationml/2006/main" type="vertTx" preserve="1">
+  <p:cSld name="Title and Vertical Text">
+    <p:spTree>
+      <p:nvGrpSpPr>
+        <p:cNvPr id="1" name=""/>
+        <p:cNvGrpSpPr/>
+        <p:nvPr/>
+      </p:nvGrpSpPr>
+      <p:grpSpPr>
+        <a:xfrm>
+          <a:off x="0" y="0"/>
+          <a:ext cx="0" cy="0"/>
+          <a:chOff x="0" y="0"/>
+          <a:chExt cx="0" cy="0"/>
+        </a:xfrm>
+      </p:grpSpPr>
+      <p:sp>
+        <p:nvSpPr>
+          <p:cNvPr id="2" name="Title 1"/>
+          <p:cNvSpPr>
+            <a:spLocks noGrp="1"/>
+          </p:cNvSpPr>
+          <p:nvPr>
+            <p:ph type="title"/>
+          </p:nvPr>
+        </p:nvSpPr>
+        <p:spPr/>
+        <p:txBody>
+          <a:bodyPr/>
+          <a:lstStyle/>
+          <a:p>
+            <a:r>
+              <a:rPr lang="en-US"/>
+              <a:t>Click to edit Master title style</a:t>
+            </a:r>
+            <a:endParaRPr lang="en-US" dirty="0"/>
+          </a:p>
+        </p:txBody>
+      </p:sp>
+      <p:sp>
+        <p:nvSpPr>
+          <p:cNvPr id="3" name="Vertical Text Placeholder 2"/>
+          <p:cNvSpPr>
+            <a:spLocks noGrp="1"/>
+          </p:cNvSpPr>
+          <p:nvPr>
+            <p:ph type="body" orient="vert" idx="1"/>
+          </p:nvPr>
+        </p:nvSpPr>
+        <p:spPr/>
+        <p:txBody>
+          <a:bodyPr vert="eaVert" lIns="45720" tIns="0" rIns="45720" bIns="0"/>
+          <a:lstStyle/>
+          <a:p>
+            <a:pPr lvl="0"/>
+            <a:r>
+              <a:rPr lang="en-US"/>
+              <a:t>Edit Master text styles</a:t>
+            </a:r>
+          </a:p>
+          <a:p>
+            <a:pPr lvl="1"/>
+            <a:r>
+              <a:rPr lang="en-US"/>
+              <a:t>Second level</a:t>
+            </a:r>
+          </a:p>
+          <a:p>
+            <a:pPr lvl="2"/>
+            <a:r>
+              <a:rPr lang="en-US"/>
+              <a:t>Third level</a:t>
+            </a:r>
+          </a:p>
+          <a:p>
+            <a:pPr lvl="3"/>
+            <a:r>
+              <a:rPr lang="en-US"/>
+              <a:t>Fourth level</a:t>
+            </a:r>
+          </a:p>
+          <a:p>
+            <a:pPr lvl="4"/>
+            <a:r>
+              <a:rPr lang="en-US"/>
+              <a:t>Fifth level</a:t>
+            </a:r>
+            <a:endParaRPr lang="en-US" dirty="0"/>
+          </a:p>
+        </p:txBody>
+      </p:sp>
+      <p:sp>
+        <p:nvSpPr>
+          <p:cNvPr id="4" name="Date Placeholder 3"/>
+          <p:cNvSpPr>
+            <a:spLocks noGrp="1"/>
+          </p:cNvSpPr>
+          <p:nvPr>
+            <p:ph type="dt" sz="half" idx="10"/>
+          </p:nvPr>
+        </p:nvSpPr>
+        <p:spPr/>
+        <p:txBody>
+          <a:bodyPr/>
+          <a:lstStyle/>
+          <a:p>
+            <a:fld id="{634DAD2F-E07A-4853-B2B7-FB040EF5D528}" type="datetime1">
+              <a:rPr lang="en-US" smtClean="0"/>
+              <a:t>7/7/2016</a:t>
+            </a:fld>
+            <a:endParaRPr lang="en-US"/>
+          </a:p>
+        </p:txBody>
+      </p:sp>
+      <p:sp>
+        <p:nvSpPr>
+          <p:cNvPr id="5" name="Footer Placeholder 4"/>
+          <p:cNvSpPr>
+            <a:spLocks noGrp="1"/>
+          </p:cNvSpPr>
+          <p:nvPr>
+            <p:ph type="ftr" sz="quarter" idx="11"/>
+          </p:nvPr>
+        </p:nvSpPr>
+        <p:spPr/>
+        <p:txBody>
+          <a:bodyPr/>
+          <a:lstStyle/>
+          <a:p>
+            <a:r>
+              <a:rPr lang="en-US"/>
+              <a:t>© 2016 EV3Lessons.com, Last edit 7/06/2016</a:t>
+            </a:r>
+          </a:p>
+        </p:txBody>
+      </p:sp>
+      <p:sp>
+        <p:nvSpPr>
+          <p:cNvPr id="6" name="Slide Number Placeholder 5"/>
+          <p:cNvSpPr>
+            <a:spLocks noGrp="1"/>
+          </p:cNvSpPr>
+          <p:nvPr>
+            <p:ph type="sldNum" sz="quarter" idx="12"/>
+          </p:nvPr>
+        </p:nvSpPr>
+        <p:spPr/>
+        <p:txBody>
+          <a:bodyPr/>
+          <a:lstStyle/>
+          <a:p>
+            <a:fld id="{4382A7F7-08BF-4252-8141-63FB96055BBB}" type="slidenum">
+              <a:rPr lang="en-US" smtClean="0"/>
+              <a:t>‹#›</a:t>
+            </a:fld>
+            <a:endParaRPr lang="en-US"/>
+          </a:p>
+        </p:txBody>
+      </p:sp>
+    </p:spTree>
+    <p:extLst>
+      <p:ext uri="{BB962C8B-B14F-4D97-AF65-F5344CB8AC3E}">
+        <p14:creationId xmlns:p14="http://schemas.microsoft.com/office/powerpoint/2010/main" val="2961597251"/>
+      </p:ext>
+    </p:extLst>
+  </p:cSld>
+  <p:clrMapOvr>
+    <a:masterClrMapping/>
+  </p:clrMapOvr>
+</p:sldLayout>
+</file>
+
+<file path=ppt/slideLayouts/slideLayout22.xml><?xml version="1.0" encoding="utf-8"?>
+<p:sldLayout xmlns:a="http://schemas.openxmlformats.org/drawingml/2006/main" xmlns:r="http://schemas.openxmlformats.org/officeDocument/2006/relationships" xmlns:p="http://schemas.openxmlformats.org/presentationml/2006/main" showMasterSp="0" type="vertTitleAndTx" preserve="1">
+  <p:cSld name="Vertical Title and Text">
+    <p:spTree>
+      <p:nvGrpSpPr>
+        <p:cNvPr id="1" name=""/>
+        <p:cNvGrpSpPr/>
+        <p:nvPr/>
+      </p:nvGrpSpPr>
+      <p:grpSpPr>
+        <a:xfrm>
+          <a:off x="0" y="0"/>
+          <a:ext cx="0" cy="0"/>
+          <a:chOff x="0" y="0"/>
+          <a:chExt cx="0" cy="0"/>
+        </a:xfrm>
+      </p:grpSpPr>
+      <p:sp>
+        <p:nvSpPr>
+          <p:cNvPr id="7" name="Rectangle 6"/>
+          <p:cNvSpPr/>
+          <p:nvPr/>
+        </p:nvSpPr>
+        <p:spPr>
+          <a:xfrm>
+            <a:off x="2382" y="6400800"/>
+            <a:ext cx="9141619" cy="457200"/>
+          </a:xfrm>
+          <a:prstGeom prst="rect">
+            <a:avLst/>
+          </a:prstGeom>
+          <a:solidFill>
+            <a:schemeClr val="accent2"/>
+          </a:solidFill>
+          <a:ln>
+            <a:noFill/>
+          </a:ln>
+        </p:spPr>
+        <p:style>
+          <a:lnRef idx="2">
+            <a:schemeClr val="accent1">
+              <a:shade val="50000"/>
+            </a:schemeClr>
+          </a:lnRef>
+          <a:fillRef idx="1">
+            <a:schemeClr val="accent1"/>
+          </a:fillRef>
+          <a:effectRef idx="0">
+            <a:schemeClr val="accent1"/>
+          </a:effectRef>
+          <a:fontRef idx="minor">
+            <a:schemeClr val="lt1"/>
+          </a:fontRef>
+        </p:style>
+      </p:sp>
+      <p:sp>
+        <p:nvSpPr>
+          <p:cNvPr id="8" name="Rectangle 7"/>
+          <p:cNvSpPr/>
+          <p:nvPr/>
+        </p:nvSpPr>
+        <p:spPr>
+          <a:xfrm>
+            <a:off x="12" y="6334316"/>
+            <a:ext cx="9141619" cy="64008"/>
+          </a:xfrm>
+          <a:prstGeom prst="rect">
+            <a:avLst/>
+          </a:prstGeom>
+          <a:solidFill>
+            <a:schemeClr val="accent1"/>
+          </a:solidFill>
+          <a:ln>
+            <a:noFill/>
+          </a:ln>
+        </p:spPr>
+        <p:style>
+          <a:lnRef idx="2">
+            <a:schemeClr val="accent1">
+              <a:shade val="50000"/>
+            </a:schemeClr>
+          </a:lnRef>
+          <a:fillRef idx="1">
+            <a:schemeClr val="accent1"/>
+          </a:fillRef>
+          <a:effectRef idx="0">
+            <a:schemeClr val="accent1"/>
+          </a:effectRef>
+          <a:fontRef idx="minor">
+            <a:schemeClr val="lt1"/>
+          </a:fontRef>
+        </p:style>
+      </p:sp>
+      <p:sp>
+        <p:nvSpPr>
+          <p:cNvPr id="2" name="Vertical Title 1"/>
+          <p:cNvSpPr>
+            <a:spLocks noGrp="1"/>
+          </p:cNvSpPr>
+          <p:nvPr>
+            <p:ph type="title" orient="vert"/>
+          </p:nvPr>
+        </p:nvSpPr>
+        <p:spPr>
+          <a:xfrm>
+            <a:off x="6543675" y="414779"/>
+            <a:ext cx="1971675" cy="5757421"/>
+          </a:xfrm>
+        </p:spPr>
+        <p:txBody>
+          <a:bodyPr vert="eaVert"/>
+          <a:lstStyle/>
+          <a:p>
+            <a:r>
+              <a:rPr lang="en-US"/>
+              <a:t>Click to edit Master title style</a:t>
+            </a:r>
+            <a:endParaRPr lang="en-US" dirty="0"/>
+          </a:p>
+        </p:txBody>
+      </p:sp>
+      <p:sp>
+        <p:nvSpPr>
+          <p:cNvPr id="3" name="Vertical Text Placeholder 2"/>
+          <p:cNvSpPr>
+            <a:spLocks noGrp="1"/>
+          </p:cNvSpPr>
+          <p:nvPr>
+            <p:ph type="body" orient="vert" idx="1"/>
+          </p:nvPr>
+        </p:nvSpPr>
+        <p:spPr>
+          <a:xfrm>
+            <a:off x="628650" y="414779"/>
+            <a:ext cx="5800725" cy="5757420"/>
+          </a:xfrm>
+        </p:spPr>
+        <p:txBody>
+          <a:bodyPr vert="eaVert" lIns="45720" tIns="0" rIns="45720" bIns="0"/>
+          <a:lstStyle/>
+          <a:p>
+            <a:pPr lvl="0"/>
+            <a:r>
+              <a:rPr lang="en-US"/>
+              <a:t>Edit Master text styles</a:t>
+            </a:r>
+          </a:p>
+          <a:p>
+            <a:pPr lvl="1"/>
+            <a:r>
+              <a:rPr lang="en-US"/>
+              <a:t>Second level</a:t>
+            </a:r>
+          </a:p>
+          <a:p>
+            <a:pPr lvl="2"/>
+            <a:r>
+              <a:rPr lang="en-US"/>
+              <a:t>Third level</a:t>
+            </a:r>
+          </a:p>
+          <a:p>
+            <a:pPr lvl="3"/>
+            <a:r>
+              <a:rPr lang="en-US"/>
+              <a:t>Fourth level</a:t>
+            </a:r>
+          </a:p>
+          <a:p>
+            <a:pPr lvl="4"/>
+            <a:r>
+              <a:rPr lang="en-US"/>
+              <a:t>Fifth level</a:t>
+            </a:r>
+            <a:endParaRPr lang="en-US" dirty="0"/>
+          </a:p>
+        </p:txBody>
+      </p:sp>
+      <p:sp>
+        <p:nvSpPr>
+          <p:cNvPr id="4" name="Date Placeholder 3"/>
+          <p:cNvSpPr>
+            <a:spLocks noGrp="1"/>
+          </p:cNvSpPr>
+          <p:nvPr>
+            <p:ph type="dt" sz="half" idx="10"/>
+          </p:nvPr>
+        </p:nvSpPr>
+        <p:spPr/>
+        <p:txBody>
+          <a:bodyPr/>
+          <a:lstStyle/>
+          <a:p>
+            <a:fld id="{5E3C6442-CFAD-4EE7-8FD7-88070DAE2766}" type="datetime1">
+              <a:rPr lang="en-US" smtClean="0"/>
+              <a:t>7/7/2016</a:t>
+            </a:fld>
+            <a:endParaRPr lang="en-US"/>
+          </a:p>
+        </p:txBody>
+      </p:sp>
+      <p:sp>
+        <p:nvSpPr>
+          <p:cNvPr id="5" name="Footer Placeholder 4"/>
+          <p:cNvSpPr>
+            <a:spLocks noGrp="1"/>
+          </p:cNvSpPr>
+          <p:nvPr>
+            <p:ph type="ftr" sz="quarter" idx="11"/>
+          </p:nvPr>
+        </p:nvSpPr>
+        <p:spPr/>
+        <p:txBody>
+          <a:bodyPr/>
+          <a:lstStyle/>
+          <a:p>
+            <a:r>
+              <a:rPr lang="en-US"/>
+              <a:t>© 2016 EV3Lessons.com, Last edit 7/06/2016</a:t>
+            </a:r>
+          </a:p>
+        </p:txBody>
+      </p:sp>
+      <p:sp>
+        <p:nvSpPr>
+          <p:cNvPr id="6" name="Slide Number Placeholder 5"/>
+          <p:cNvSpPr>
+            <a:spLocks noGrp="1"/>
+          </p:cNvSpPr>
+          <p:nvPr>
+            <p:ph type="sldNum" sz="quarter" idx="12"/>
+          </p:nvPr>
+        </p:nvSpPr>
+        <p:spPr/>
+        <p:txBody>
+          <a:bodyPr/>
+          <a:lstStyle/>
+          <a:p>
+            <a:fld id="{4382A7F7-08BF-4252-8141-63FB96055BBB}" type="slidenum">
+              <a:rPr lang="en-US" smtClean="0"/>
+              <a:t>‹#›</a:t>
+            </a:fld>
+            <a:endParaRPr lang="en-US"/>
+          </a:p>
+        </p:txBody>
+      </p:sp>
+    </p:spTree>
+    <p:extLst>
+      <p:ext uri="{BB962C8B-B14F-4D97-AF65-F5344CB8AC3E}">
+        <p14:creationId xmlns:p14="http://schemas.microsoft.com/office/powerpoint/2010/main" val="4049876029"/>
+      </p:ext>
+    </p:extLst>
+  </p:cSld>
+  <p:clrMapOvr>
+    <a:masterClrMapping/>
+  </p:clrMapOvr>
+</p:sldLayout>
+</file>
+
+<file path=ppt/slideLayouts/slideLayout3.xml><?xml version="1.0" encoding="utf-8"?>
+<p:sldLayout xmlns:a="http://schemas.openxmlformats.org/drawingml/2006/main" xmlns:r="http://schemas.openxmlformats.org/officeDocument/2006/relationships" xmlns:p="http://schemas.openxmlformats.org/presentationml/2006/main" showMasterSp="0" type="secHead" preserve="1">
+  <p:cSld name="Section Header">
+    <p:bg>
+      <p:bgPr>
+        <a:solidFill>
+          <a:schemeClr val="bg1"/>
+        </a:solidFill>
+        <a:effectLst/>
+      </p:bgPr>
+    </p:bg>
+    <p:spTree>
+      <p:nvGrpSpPr>
+        <p:cNvPr id="1" name=""/>
+        <p:cNvGrpSpPr/>
+        <p:nvPr/>
+      </p:nvGrpSpPr>
+      <p:grpSpPr>
+        <a:xfrm>
+          <a:off x="0" y="0"/>
+          <a:ext cx="0" cy="0"/>
+          <a:chOff x="0" y="0"/>
+          <a:chExt cx="0" cy="0"/>
+        </a:xfrm>
+      </p:grpSpPr>
+      <p:sp>
+        <p:nvSpPr>
+          <p:cNvPr id="7" name="Rectangle 6"/>
+          <p:cNvSpPr/>
+          <p:nvPr/>
+        </p:nvSpPr>
+        <p:spPr>
+          <a:xfrm>
+            <a:off x="2382" y="6400800"/>
+            <a:ext cx="9141619" cy="457200"/>
+          </a:xfrm>
+          <a:prstGeom prst="rect">
+            <a:avLst/>
+          </a:prstGeom>
+          <a:solidFill>
+            <a:schemeClr val="accent2"/>
+          </a:solidFill>
+          <a:ln>
+            <a:noFill/>
+          </a:ln>
+        </p:spPr>
+        <p:style>
+          <a:lnRef idx="2">
+            <a:schemeClr val="accent1">
+              <a:shade val="50000"/>
+            </a:schemeClr>
+          </a:lnRef>
+          <a:fillRef idx="1">
+            <a:schemeClr val="accent1"/>
+          </a:fillRef>
+          <a:effectRef idx="0">
+            <a:schemeClr val="accent1"/>
+          </a:effectRef>
+          <a:fontRef idx="minor">
+            <a:schemeClr val="lt1"/>
+          </a:fontRef>
+        </p:style>
+      </p:sp>
+      <p:sp>
+        <p:nvSpPr>
+          <p:cNvPr id="8" name="Rectangle 7"/>
+          <p:cNvSpPr/>
+          <p:nvPr/>
+        </p:nvSpPr>
+        <p:spPr>
+          <a:xfrm>
+            <a:off x="12" y="6334316"/>
+            <a:ext cx="9141619" cy="64008"/>
+          </a:xfrm>
+          <a:prstGeom prst="rect">
+            <a:avLst/>
+          </a:prstGeom>
+          <a:solidFill>
+            <a:schemeClr val="accent1"/>
+          </a:solidFill>
+          <a:ln>
+            <a:noFill/>
+          </a:ln>
+        </p:spPr>
+        <p:style>
+          <a:lnRef idx="2">
+            <a:schemeClr val="accent1">
+              <a:shade val="50000"/>
+            </a:schemeClr>
+          </a:lnRef>
+          <a:fillRef idx="1">
+            <a:schemeClr val="accent1"/>
+          </a:fillRef>
+          <a:effectRef idx="0">
+            <a:schemeClr val="accent1"/>
+          </a:effectRef>
+          <a:fontRef idx="minor">
+            <a:schemeClr val="lt1"/>
+          </a:fontRef>
+        </p:style>
+      </p:sp>
+      <p:sp>
+        <p:nvSpPr>
+          <p:cNvPr id="2" name="Title 1"/>
+          <p:cNvSpPr>
+            <a:spLocks noGrp="1"/>
+          </p:cNvSpPr>
+          <p:nvPr>
+            <p:ph type="title"/>
+          </p:nvPr>
+        </p:nvSpPr>
+        <p:spPr>
+          <a:xfrm>
+            <a:off x="822960" y="758952"/>
+            <a:ext cx="7543800" cy="3566160"/>
+          </a:xfrm>
+        </p:spPr>
+        <p:txBody>
+          <a:bodyPr anchor="b" anchorCtr="0">
+            <a:normAutofit/>
+          </a:bodyPr>
+          <a:lstStyle>
+            <a:lvl1pPr>
+              <a:lnSpc>
+                <a:spcPct val="85000"/>
+              </a:lnSpc>
+              <a:defRPr sz="8000" b="0">
+                <a:solidFill>
+                  <a:schemeClr val="tx1">
+                    <a:lumMod val="85000"/>
+                    <a:lumOff val="15000"/>
+                  </a:schemeClr>
+                </a:solidFill>
+              </a:defRPr>
+            </a:lvl1pPr>
+          </a:lstStyle>
+          <a:p>
+            <a:r>
+              <a:rPr lang="en-US"/>
+              <a:t>Click to edit Master title style</a:t>
+            </a:r>
+            <a:endParaRPr lang="en-US" dirty="0"/>
+          </a:p>
+        </p:txBody>
+      </p:sp>
+      <p:sp>
+        <p:nvSpPr>
+          <p:cNvPr id="3" name="Text Placeholder 2"/>
+          <p:cNvSpPr>
+            <a:spLocks noGrp="1"/>
+          </p:cNvSpPr>
+          <p:nvPr>
+            <p:ph type="body" idx="1"/>
+          </p:nvPr>
+        </p:nvSpPr>
+        <p:spPr>
+          <a:xfrm>
+            <a:off x="822960" y="4453128"/>
+            <a:ext cx="7543800" cy="1143000"/>
+          </a:xfrm>
+        </p:spPr>
+        <p:txBody>
+          <a:bodyPr lIns="91440" rIns="91440" anchor="t" anchorCtr="0">
+            <a:normAutofit/>
+          </a:bodyPr>
+          <a:lstStyle>
+            <a:lvl1pPr marL="0" indent="0">
+              <a:buNone/>
+              <a:defRPr sz="2400" cap="all" spc="200" baseline="0">
+                <a:solidFill>
+                  <a:schemeClr val="tx2"/>
+                </a:solidFill>
+                <a:latin typeface="+mj-lt"/>
+              </a:defRPr>
+            </a:lvl1pPr>
+            <a:lvl2pPr marL="457200" indent="0">
+              <a:buNone/>
+              <a:defRPr sz="1800">
+                <a:solidFill>
+                  <a:schemeClr val="tx1">
+                    <a:tint val="75000"/>
+                  </a:schemeClr>
+                </a:solidFill>
+              </a:defRPr>
+            </a:lvl2pPr>
+            <a:lvl3pPr marL="914400" indent="0">
+              <a:buNone/>
+              <a:defRPr sz="1600">
+                <a:solidFill>
+                  <a:schemeClr val="tx1">
+                    <a:tint val="75000"/>
+                  </a:schemeClr>
+                </a:solidFill>
+              </a:defRPr>
+            </a:lvl3pPr>
+            <a:lvl4pPr marL="1371600" indent="0">
+              <a:buNone/>
+              <a:defRPr sz="1400">
+                <a:solidFill>
+                  <a:schemeClr val="tx1">
+                    <a:tint val="75000"/>
+                  </a:schemeClr>
+                </a:solidFill>
+              </a:defRPr>
+            </a:lvl4pPr>
+            <a:lvl5pPr marL="1828800" indent="0">
+              <a:buNone/>
+              <a:defRPr sz="1400">
+                <a:solidFill>
+                  <a:schemeClr val="tx1">
+                    <a:tint val="75000"/>
+                  </a:schemeClr>
+                </a:solidFill>
+              </a:defRPr>
+            </a:lvl5pPr>
+            <a:lvl6pPr marL="2286000" indent="0">
+              <a:buNone/>
+              <a:defRPr sz="1400">
+                <a:solidFill>
+                  <a:schemeClr val="tx1">
+                    <a:tint val="75000"/>
+                  </a:schemeClr>
+                </a:solidFill>
+              </a:defRPr>
+            </a:lvl6pPr>
+            <a:lvl7pPr marL="2743200" indent="0">
+              <a:buNone/>
+              <a:defRPr sz="1400">
+                <a:solidFill>
+                  <a:schemeClr val="tx1">
+                    <a:tint val="75000"/>
+                  </a:schemeClr>
+                </a:solidFill>
+              </a:defRPr>
+            </a:lvl7pPr>
+            <a:lvl8pPr marL="3200400" indent="0">
+              <a:buNone/>
+              <a:defRPr sz="1400">
+                <a:solidFill>
+                  <a:schemeClr val="tx1">
+                    <a:tint val="75000"/>
+                  </a:schemeClr>
+                </a:solidFill>
+              </a:defRPr>
+            </a:lvl8pPr>
+            <a:lvl9pPr marL="3657600" indent="0">
+              <a:buNone/>
+              <a:defRPr sz="1400">
+                <a:solidFill>
+                  <a:schemeClr val="tx1">
+                    <a:tint val="75000"/>
+                  </a:schemeClr>
+                </a:solidFill>
+              </a:defRPr>
+            </a:lvl9pPr>
+          </a:lstStyle>
+          <a:p>
+            <a:pPr lvl="0"/>
+            <a:r>
+              <a:rPr lang="en-US"/>
+              <a:t>Click to edit Master text styles</a:t>
+            </a:r>
+          </a:p>
+        </p:txBody>
+      </p:sp>
+      <p:sp>
+        <p:nvSpPr>
+          <p:cNvPr id="4" name="Date Placeholder 3"/>
+          <p:cNvSpPr>
+            <a:spLocks noGrp="1"/>
+          </p:cNvSpPr>
+          <p:nvPr>
+            <p:ph type="dt" sz="half" idx="10"/>
+          </p:nvPr>
+        </p:nvSpPr>
+        <p:spPr/>
+        <p:txBody>
+          <a:bodyPr/>
+          <a:lstStyle/>
+          <a:p>
+            <a:fld id="{C92AD6E1-F746-42B2-97E1-EF3A4181CE2D}" type="datetime1">
+              <a:rPr lang="en-US" smtClean="0"/>
+              <a:t>7/7/2016</a:t>
+            </a:fld>
+            <a:endParaRPr lang="en-US"/>
+          </a:p>
+        </p:txBody>
+      </p:sp>
+      <p:sp>
+        <p:nvSpPr>
+          <p:cNvPr id="5" name="Footer Placeholder 4"/>
+          <p:cNvSpPr>
+            <a:spLocks noGrp="1"/>
+          </p:cNvSpPr>
+          <p:nvPr>
+            <p:ph type="ftr" sz="quarter" idx="11"/>
+          </p:nvPr>
+        </p:nvSpPr>
+        <p:spPr/>
+        <p:txBody>
+          <a:bodyPr/>
+          <a:lstStyle/>
+          <a:p>
+            <a:r>
+              <a:rPr lang="en-US"/>
+              <a:t>© 2016 EV3Lessons.com, Last edit 7/06/2016</a:t>
+            </a:r>
+          </a:p>
+        </p:txBody>
+      </p:sp>
+      <p:sp>
+        <p:nvSpPr>
+          <p:cNvPr id="6" name="Slide Number Placeholder 5"/>
+          <p:cNvSpPr>
+            <a:spLocks noGrp="1"/>
+          </p:cNvSpPr>
+          <p:nvPr>
+            <p:ph type="sldNum" sz="quarter" idx="12"/>
+          </p:nvPr>
+        </p:nvSpPr>
+        <p:spPr/>
+        <p:txBody>
+          <a:bodyPr/>
+          <a:lstStyle/>
+          <a:p>
+            <a:fld id="{162F1D00-BD13-4404-86B0-79703945A0A7}" type="slidenum">
+              <a:rPr lang="en-US" smtClean="0"/>
+              <a:t>‹#›</a:t>
+            </a:fld>
+            <a:endParaRPr lang="en-US"/>
+          </a:p>
+        </p:txBody>
+      </p:sp>
+      <p:cxnSp>
+        <p:nvCxnSpPr>
+          <p:cNvPr id="9" name="Straight Connector 8"/>
+          <p:cNvCxnSpPr/>
+          <p:nvPr/>
+        </p:nvCxnSpPr>
+        <p:spPr>
+          <a:xfrm>
+            <a:off x="905744" y="4343400"/>
+            <a:ext cx="7406640" cy="0"/>
+          </a:xfrm>
+          <a:prstGeom prst="line">
+            <a:avLst/>
+          </a:prstGeom>
+          <a:ln w="6350">
+            <a:solidFill>
+              <a:schemeClr val="tx1">
+                <a:lumMod val="50000"/>
+                <a:lumOff val="50000"/>
+              </a:schemeClr>
+            </a:solidFill>
+          </a:ln>
+        </p:spPr>
+        <p:style>
+          <a:lnRef idx="1">
+            <a:schemeClr val="accent1"/>
+          </a:lnRef>
+          <a:fillRef idx="0">
+            <a:schemeClr val="accent1"/>
+          </a:fillRef>
+          <a:effectRef idx="0">
+            <a:schemeClr val="accent1"/>
+          </a:effectRef>
+          <a:fontRef idx="minor">
+            <a:schemeClr val="tx1"/>
+          </a:fontRef>
+        </p:style>
+      </p:cxnSp>
+    </p:spTree>
+    <p:extLst>
+      <p:ext uri="{BB962C8B-B14F-4D97-AF65-F5344CB8AC3E}">
+        <p14:creationId xmlns:p14="http://schemas.microsoft.com/office/powerpoint/2010/main" val="1700121724"/>
+      </p:ext>
+    </p:extLst>
+  </p:cSld>
+  <p:clrMapOvr>
+    <a:masterClrMapping/>
+  </p:clrMapOvr>
+</p:sldLayout>
+</file>
+
+<file path=ppt/slideLayouts/slideLayout4.xml><?xml version="1.0" encoding="utf-8"?>
+<p:sldLayout xmlns:a="http://schemas.openxmlformats.org/drawingml/2006/main" xmlns:r="http://schemas.openxmlformats.org/officeDocument/2006/relationships" xmlns:p="http://schemas.openxmlformats.org/presentationml/2006/main" type="twoObj" preserve="1">
+  <p:cSld name="Two Content">
+    <p:spTree>
+      <p:nvGrpSpPr>
+        <p:cNvPr id="1" name=""/>
+        <p:cNvGrpSpPr/>
+        <p:nvPr/>
+      </p:nvGrpSpPr>
+      <p:grpSpPr>
+        <a:xfrm>
+          <a:off x="0" y="0"/>
+          <a:ext cx="0" cy="0"/>
+          <a:chOff x="0" y="0"/>
+          <a:chExt cx="0" cy="0"/>
+        </a:xfrm>
+      </p:grpSpPr>
+      <p:sp>
+        <p:nvSpPr>
+          <p:cNvPr id="8" name="Title 7"/>
+          <p:cNvSpPr>
+            <a:spLocks noGrp="1"/>
+          </p:cNvSpPr>
+          <p:nvPr>
+            <p:ph type="title"/>
+          </p:nvPr>
+        </p:nvSpPr>
+        <p:spPr>
+          <a:xfrm>
+            <a:off x="822960" y="286604"/>
+            <a:ext cx="7543800" cy="1450757"/>
+          </a:xfrm>
+        </p:spPr>
+        <p:txBody>
+          <a:bodyPr/>
+          <a:lstStyle/>
+          <a:p>
+            <a:r>
+              <a:rPr lang="en-US"/>
+              <a:t>Click to edit Master title style</a:t>
+            </a:r>
+            <a:endParaRPr lang="en-US" dirty="0"/>
+          </a:p>
+        </p:txBody>
+      </p:sp>
+      <p:sp>
+        <p:nvSpPr>
+          <p:cNvPr id="3" name="Content Placeholder 2"/>
+          <p:cNvSpPr>
+            <a:spLocks noGrp="1"/>
+          </p:cNvSpPr>
+          <p:nvPr>
+            <p:ph sz="half" idx="1"/>
+          </p:nvPr>
+        </p:nvSpPr>
+        <p:spPr>
+          <a:xfrm>
+            <a:off x="822960" y="1845734"/>
+            <a:ext cx="3703320" cy="4023360"/>
+          </a:xfrm>
+        </p:spPr>
+        <p:txBody>
+          <a:bodyPr/>
+          <a:lstStyle/>
+          <a:p>
+            <a:pPr lvl="0"/>
+            <a:r>
+              <a:rPr lang="en-US"/>
+              <a:t>Click to edit Master text styles</a:t>
+            </a:r>
+          </a:p>
+          <a:p>
+            <a:pPr lvl="1"/>
+            <a:r>
+              <a:rPr lang="en-US"/>
+              <a:t>Second level</a:t>
+            </a:r>
+          </a:p>
+          <a:p>
+            <a:pPr lvl="2"/>
+            <a:r>
+              <a:rPr lang="en-US"/>
+              <a:t>Third level</a:t>
+            </a:r>
+          </a:p>
+          <a:p>
+            <a:pPr lvl="3"/>
+            <a:r>
+              <a:rPr lang="en-US"/>
+              <a:t>Fourth level</a:t>
+            </a:r>
+          </a:p>
+          <a:p>
+            <a:pPr lvl="4"/>
+            <a:r>
+              <a:rPr lang="en-US"/>
+              <a:t>Fifth level</a:t>
+            </a:r>
+            <a:endParaRPr lang="en-US" dirty="0"/>
+          </a:p>
+        </p:txBody>
+      </p:sp>
+      <p:sp>
+        <p:nvSpPr>
+          <p:cNvPr id="4" name="Content Placeholder 3"/>
+          <p:cNvSpPr>
+            <a:spLocks noGrp="1"/>
+          </p:cNvSpPr>
+          <p:nvPr>
+            <p:ph sz="half" idx="2"/>
+          </p:nvPr>
+        </p:nvSpPr>
+        <p:spPr>
+          <a:xfrm>
+            <a:off x="4663440" y="1845736"/>
+            <a:ext cx="3703320" cy="4023359"/>
+          </a:xfrm>
+        </p:spPr>
+        <p:txBody>
+          <a:bodyPr/>
+          <a:lstStyle/>
+          <a:p>
+            <a:pPr lvl="0"/>
+            <a:r>
+              <a:rPr lang="en-US"/>
+              <a:t>Click to edit Master text styles</a:t>
+            </a:r>
+          </a:p>
+          <a:p>
+            <a:pPr lvl="1"/>
+            <a:r>
+              <a:rPr lang="en-US"/>
+              <a:t>Second level</a:t>
+            </a:r>
+          </a:p>
+          <a:p>
+            <a:pPr lvl="2"/>
+            <a:r>
+              <a:rPr lang="en-US"/>
+              <a:t>Third level</a:t>
+            </a:r>
+          </a:p>
+          <a:p>
+            <a:pPr lvl="3"/>
+            <a:r>
+              <a:rPr lang="en-US"/>
+              <a:t>Fourth level</a:t>
+            </a:r>
+          </a:p>
+          <a:p>
+            <a:pPr lvl="4"/>
+            <a:r>
+              <a:rPr lang="en-US"/>
+              <a:t>Fifth level</a:t>
+            </a:r>
+            <a:endParaRPr lang="en-US" dirty="0"/>
+          </a:p>
+        </p:txBody>
+      </p:sp>
+      <p:sp>
+        <p:nvSpPr>
+          <p:cNvPr id="5" name="Date Placeholder 4"/>
+          <p:cNvSpPr>
+            <a:spLocks noGrp="1"/>
+          </p:cNvSpPr>
+          <p:nvPr>
+            <p:ph type="dt" sz="half" idx="10"/>
+          </p:nvPr>
+        </p:nvSpPr>
+        <p:spPr/>
+        <p:txBody>
+          <a:bodyPr/>
+          <a:lstStyle/>
+          <a:p>
+            <a:fld id="{0EA5D302-9FDA-4D8F-AFAF-4A5C3EECA316}" type="datetime1">
+              <a:rPr lang="en-US" smtClean="0"/>
+              <a:t>7/7/2016</a:t>
+            </a:fld>
+            <a:endParaRPr lang="en-US"/>
+          </a:p>
+        </p:txBody>
+      </p:sp>
+      <p:sp>
+        <p:nvSpPr>
+          <p:cNvPr id="6" name="Footer Placeholder 5"/>
+          <p:cNvSpPr>
+            <a:spLocks noGrp="1"/>
+          </p:cNvSpPr>
+          <p:nvPr>
+            <p:ph type="ftr" sz="quarter" idx="11"/>
+          </p:nvPr>
+        </p:nvSpPr>
+        <p:spPr/>
+        <p:txBody>
+          <a:bodyPr/>
+          <a:lstStyle/>
+          <a:p>
+            <a:r>
+              <a:rPr lang="en-US"/>
+              <a:t>© 2016 EV3Lessons.com, Last edit 7/06/2016</a:t>
+            </a:r>
+            <a:endParaRPr lang="en-US" dirty="0"/>
+          </a:p>
+        </p:txBody>
+      </p:sp>
+      <p:sp>
+        <p:nvSpPr>
+          <p:cNvPr id="7" name="Slide Number Placeholder 6"/>
+          <p:cNvSpPr>
+            <a:spLocks noGrp="1"/>
+          </p:cNvSpPr>
+          <p:nvPr>
+            <p:ph type="sldNum" sz="quarter" idx="12"/>
+          </p:nvPr>
+        </p:nvSpPr>
+        <p:spPr/>
+        <p:txBody>
+          <a:bodyPr/>
+          <a:lstStyle/>
+          <a:p>
+            <a:fld id="{4382A7F7-08BF-4252-8141-63FB96055BBB}" type="slidenum">
+              <a:rPr lang="en-US" smtClean="0"/>
+              <a:t>‹#›</a:t>
+            </a:fld>
+            <a:endParaRPr lang="en-US"/>
+          </a:p>
+        </p:txBody>
+      </p:sp>
+    </p:spTree>
+    <p:extLst>
+      <p:ext uri="{BB962C8B-B14F-4D97-AF65-F5344CB8AC3E}">
+        <p14:creationId xmlns:p14="http://schemas.microsoft.com/office/powerpoint/2010/main" val="320203879"/>
+      </p:ext>
+    </p:extLst>
+  </p:cSld>
+  <p:clrMapOvr>
+    <a:masterClrMapping/>
+  </p:clrMapOvr>
+</p:sldLayout>
+</file>
+
+<file path=ppt/slideLayouts/slideLayout5.xml><?xml version="1.0" encoding="utf-8"?>
+<p:sldLayout xmlns:a="http://schemas.openxmlformats.org/drawingml/2006/main" xmlns:r="http://schemas.openxmlformats.org/officeDocument/2006/relationships" xmlns:p="http://schemas.openxmlformats.org/presentationml/2006/main" type="twoTxTwoObj" preserve="1">
+  <p:cSld name="Comparison">
+    <p:spTree>
+      <p:nvGrpSpPr>
+        <p:cNvPr id="1" name=""/>
+        <p:cNvGrpSpPr/>
+        <p:nvPr/>
+      </p:nvGrpSpPr>
+      <p:grpSpPr>
+        <a:xfrm>
+          <a:off x="0" y="0"/>
+          <a:ext cx="0" cy="0"/>
+          <a:chOff x="0" y="0"/>
+          <a:chExt cx="0" cy="0"/>
+        </a:xfrm>
+      </p:grpSpPr>
+      <p:sp>
+        <p:nvSpPr>
+          <p:cNvPr id="10" name="Title 9"/>
+          <p:cNvSpPr>
+            <a:spLocks noGrp="1"/>
+          </p:cNvSpPr>
+          <p:nvPr>
+            <p:ph type="title"/>
+          </p:nvPr>
+        </p:nvSpPr>
+        <p:spPr>
+          <a:xfrm>
+            <a:off x="822960" y="286604"/>
+            <a:ext cx="7543800" cy="1450757"/>
+          </a:xfrm>
+        </p:spPr>
+        <p:txBody>
+          <a:bodyPr/>
+          <a:lstStyle/>
+          <a:p>
+            <a:r>
+              <a:rPr lang="en-US"/>
+              <a:t>Click to edit Master title style</a:t>
+            </a:r>
+            <a:endParaRPr lang="en-US" dirty="0"/>
+          </a:p>
+        </p:txBody>
+      </p:sp>
+      <p:sp>
+        <p:nvSpPr>
+          <p:cNvPr id="3" name="Text Placeholder 2"/>
+          <p:cNvSpPr>
+            <a:spLocks noGrp="1"/>
+          </p:cNvSpPr>
+          <p:nvPr>
+            <p:ph type="body" idx="1"/>
+          </p:nvPr>
+        </p:nvSpPr>
+        <p:spPr>
+          <a:xfrm>
+            <a:off x="822960" y="1846052"/>
+            <a:ext cx="3703320" cy="736282"/>
+          </a:xfrm>
+        </p:spPr>
+        <p:txBody>
+          <a:bodyPr lIns="91440" rIns="91440" anchor="ctr">
+            <a:normAutofit/>
+          </a:bodyPr>
+          <a:lstStyle>
+            <a:lvl1pPr marL="0" indent="0">
+              <a:buNone/>
+              <a:defRPr sz="2000" b="0" cap="all" baseline="0">
+                <a:solidFill>
+                  <a:schemeClr val="tx2"/>
+                </a:solidFill>
+              </a:defRPr>
+            </a:lvl1pPr>
+            <a:lvl2pPr marL="457200" indent="0">
+              <a:buNone/>
+              <a:defRPr sz="2000" b="1"/>
+            </a:lvl2pPr>
+            <a:lvl3pPr marL="914400" indent="0">
+              <a:buNone/>
+              <a:defRPr sz="1800" b="1"/>
+            </a:lvl3pPr>
+            <a:lvl4pPr marL="1371600" indent="0">
+              <a:buNone/>
+              <a:defRPr sz="1600" b="1"/>
+            </a:lvl4pPr>
+            <a:lvl5pPr marL="1828800" indent="0">
+              <a:buNone/>
+              <a:defRPr sz="1600" b="1"/>
+            </a:lvl5pPr>
+            <a:lvl6pPr marL="2286000" indent="0">
+              <a:buNone/>
+              <a:defRPr sz="1600" b="1"/>
+            </a:lvl6pPr>
+            <a:lvl7pPr marL="2743200" indent="0">
+              <a:buNone/>
+              <a:defRPr sz="1600" b="1"/>
+            </a:lvl7pPr>
+            <a:lvl8pPr marL="3200400" indent="0">
+              <a:buNone/>
+              <a:defRPr sz="1600" b="1"/>
+            </a:lvl8pPr>
+            <a:lvl9pPr marL="3657600" indent="0">
+              <a:buNone/>
+              <a:defRPr sz="1600" b="1"/>
+            </a:lvl9pPr>
+          </a:lstStyle>
+          <a:p>
+            <a:pPr lvl="0"/>
+            <a:r>
+              <a:rPr lang="en-US"/>
+              <a:t>Click to edit Master text styles</a:t>
+            </a:r>
+          </a:p>
+        </p:txBody>
+      </p:sp>
+      <p:sp>
+        <p:nvSpPr>
+          <p:cNvPr id="4" name="Content Placeholder 3"/>
+          <p:cNvSpPr>
+            <a:spLocks noGrp="1"/>
+          </p:cNvSpPr>
+          <p:nvPr>
+            <p:ph sz="half" idx="2"/>
+          </p:nvPr>
+        </p:nvSpPr>
+        <p:spPr>
+          <a:xfrm>
+            <a:off x="822960" y="2582334"/>
+            <a:ext cx="3703320" cy="3286760"/>
+          </a:xfrm>
+        </p:spPr>
+        <p:txBody>
+          <a:bodyPr/>
+          <a:lstStyle/>
+          <a:p>
+            <a:pPr lvl="0"/>
+            <a:r>
+              <a:rPr lang="en-US"/>
+              <a:t>Click to edit Master text styles</a:t>
+            </a:r>
+          </a:p>
+          <a:p>
+            <a:pPr lvl="1"/>
+            <a:r>
+              <a:rPr lang="en-US"/>
+              <a:t>Second level</a:t>
+            </a:r>
+          </a:p>
+          <a:p>
+            <a:pPr lvl="2"/>
+            <a:r>
+              <a:rPr lang="en-US"/>
+              <a:t>Third level</a:t>
+            </a:r>
+          </a:p>
+          <a:p>
+            <a:pPr lvl="3"/>
+            <a:r>
+              <a:rPr lang="en-US"/>
+              <a:t>Fourth level</a:t>
+            </a:r>
+          </a:p>
+          <a:p>
+            <a:pPr lvl="4"/>
+            <a:r>
+              <a:rPr lang="en-US"/>
+              <a:t>Fifth level</a:t>
+            </a:r>
+            <a:endParaRPr lang="en-US" dirty="0"/>
+          </a:p>
+        </p:txBody>
+      </p:sp>
+      <p:sp>
+        <p:nvSpPr>
+          <p:cNvPr id="5" name="Text Placeholder 4"/>
+          <p:cNvSpPr>
+            <a:spLocks noGrp="1"/>
+          </p:cNvSpPr>
+          <p:nvPr>
+            <p:ph type="body" sz="quarter" idx="3"/>
+          </p:nvPr>
+        </p:nvSpPr>
+        <p:spPr>
+          <a:xfrm>
+            <a:off x="4663440" y="1846052"/>
+            <a:ext cx="3703320" cy="736282"/>
+          </a:xfrm>
+        </p:spPr>
+        <p:txBody>
+          <a:bodyPr lIns="91440" rIns="91440" anchor="ctr">
+            <a:normAutofit/>
+          </a:bodyPr>
+          <a:lstStyle>
+            <a:lvl1pPr marL="0" indent="0">
+              <a:buNone/>
+              <a:defRPr sz="2000" b="0" cap="all" baseline="0">
+                <a:solidFill>
+                  <a:schemeClr val="tx2"/>
+                </a:solidFill>
+              </a:defRPr>
+            </a:lvl1pPr>
+            <a:lvl2pPr marL="457200" indent="0">
+              <a:buNone/>
+              <a:defRPr sz="2000" b="1"/>
+            </a:lvl2pPr>
+            <a:lvl3pPr marL="914400" indent="0">
+              <a:buNone/>
+              <a:defRPr sz="1800" b="1"/>
+            </a:lvl3pPr>
+            <a:lvl4pPr marL="1371600" indent="0">
+              <a:buNone/>
+              <a:defRPr sz="1600" b="1"/>
+            </a:lvl4pPr>
+            <a:lvl5pPr marL="1828800" indent="0">
+              <a:buNone/>
+              <a:defRPr sz="1600" b="1"/>
+            </a:lvl5pPr>
+            <a:lvl6pPr marL="2286000" indent="0">
+              <a:buNone/>
+              <a:defRPr sz="1600" b="1"/>
+            </a:lvl6pPr>
+            <a:lvl7pPr marL="2743200" indent="0">
+              <a:buNone/>
+              <a:defRPr sz="1600" b="1"/>
+            </a:lvl7pPr>
+            <a:lvl8pPr marL="3200400" indent="0">
+              <a:buNone/>
+              <a:defRPr sz="1600" b="1"/>
+            </a:lvl8pPr>
+            <a:lvl9pPr marL="3657600" indent="0">
+              <a:buNone/>
+              <a:defRPr sz="1600" b="1"/>
+            </a:lvl9pPr>
+          </a:lstStyle>
+          <a:p>
+            <a:pPr lvl="0"/>
+            <a:r>
+              <a:rPr lang="en-US"/>
+              <a:t>Click to edit Master text styles</a:t>
+            </a:r>
+          </a:p>
+        </p:txBody>
+      </p:sp>
+      <p:sp>
+        <p:nvSpPr>
+          <p:cNvPr id="6" name="Content Placeholder 5"/>
+          <p:cNvSpPr>
+            <a:spLocks noGrp="1"/>
+          </p:cNvSpPr>
+          <p:nvPr>
+            <p:ph sz="quarter" idx="4"/>
+          </p:nvPr>
+        </p:nvSpPr>
+        <p:spPr>
+          <a:xfrm>
+            <a:off x="4663440" y="2582334"/>
+            <a:ext cx="3703320" cy="3286760"/>
+          </a:xfrm>
+        </p:spPr>
+        <p:txBody>
+          <a:bodyPr/>
+          <a:lstStyle/>
+          <a:p>
+            <a:pPr lvl="0"/>
+            <a:r>
+              <a:rPr lang="en-US"/>
+              <a:t>Click to edit Master text styles</a:t>
+            </a:r>
+          </a:p>
+          <a:p>
+            <a:pPr lvl="1"/>
+            <a:r>
+              <a:rPr lang="en-US"/>
+              <a:t>Second level</a:t>
+            </a:r>
+          </a:p>
+          <a:p>
+            <a:pPr lvl="2"/>
+            <a:r>
+              <a:rPr lang="en-US"/>
+              <a:t>Third level</a:t>
+            </a:r>
+          </a:p>
+          <a:p>
+            <a:pPr lvl="3"/>
+            <a:r>
+              <a:rPr lang="en-US"/>
+              <a:t>Fourth level</a:t>
+            </a:r>
+          </a:p>
+          <a:p>
+            <a:pPr lvl="4"/>
+            <a:r>
+              <a:rPr lang="en-US"/>
+              <a:t>Fifth level</a:t>
+            </a:r>
+            <a:endParaRPr lang="en-US" dirty="0"/>
+          </a:p>
+        </p:txBody>
+      </p:sp>
+      <p:sp>
+        <p:nvSpPr>
+          <p:cNvPr id="7" name="Date Placeholder 6"/>
+          <p:cNvSpPr>
+            <a:spLocks noGrp="1"/>
+          </p:cNvSpPr>
+          <p:nvPr>
+            <p:ph type="dt" sz="half" idx="10"/>
+          </p:nvPr>
+        </p:nvSpPr>
+        <p:spPr/>
+        <p:txBody>
+          <a:bodyPr/>
+          <a:lstStyle/>
+          <a:p>
+            <a:fld id="{E52B7AAC-3290-468A-A067-2BF6C0801398}" type="datetime1">
+              <a:rPr lang="en-US" smtClean="0"/>
+              <a:t>7/7/2016</a:t>
+            </a:fld>
+            <a:endParaRPr lang="en-US"/>
+          </a:p>
+        </p:txBody>
+      </p:sp>
+      <p:sp>
+        <p:nvSpPr>
+          <p:cNvPr id="8" name="Footer Placeholder 7"/>
+          <p:cNvSpPr>
+            <a:spLocks noGrp="1"/>
+          </p:cNvSpPr>
+          <p:nvPr>
+            <p:ph type="ftr" sz="quarter" idx="11"/>
+          </p:nvPr>
+        </p:nvSpPr>
+        <p:spPr/>
+        <p:txBody>
+          <a:bodyPr/>
+          <a:lstStyle/>
+          <a:p>
+            <a:r>
+              <a:rPr lang="en-US"/>
+              <a:t>© 2016 EV3Lessons.com, Last edit 7/06/2016</a:t>
+            </a:r>
+          </a:p>
+        </p:txBody>
+      </p:sp>
+      <p:sp>
+        <p:nvSpPr>
+          <p:cNvPr id="9" name="Slide Number Placeholder 8"/>
+          <p:cNvSpPr>
+            <a:spLocks noGrp="1"/>
+          </p:cNvSpPr>
+          <p:nvPr>
+            <p:ph type="sldNum" sz="quarter" idx="12"/>
+          </p:nvPr>
+        </p:nvSpPr>
+        <p:spPr/>
+        <p:txBody>
+          <a:bodyPr/>
+          <a:lstStyle/>
+          <a:p>
+            <a:fld id="{4382A7F7-08BF-4252-8141-63FB96055BBB}" type="slidenum">
+              <a:rPr lang="en-US" smtClean="0"/>
+              <a:t>‹#›</a:t>
+            </a:fld>
+            <a:endParaRPr lang="en-US"/>
+          </a:p>
+        </p:txBody>
+      </p:sp>
+    </p:spTree>
+    <p:extLst>
+      <p:ext uri="{BB962C8B-B14F-4D97-AF65-F5344CB8AC3E}">
+        <p14:creationId xmlns:p14="http://schemas.microsoft.com/office/powerpoint/2010/main" val="2144309748"/>
+      </p:ext>
+    </p:extLst>
+  </p:cSld>
+  <p:clrMapOvr>
+    <a:masterClrMapping/>
+  </p:clrMapOvr>
+</p:sldLayout>
+</file>
+
+<file path=ppt/slideLayouts/slideLayout6.xml><?xml version="1.0" encoding="utf-8"?>
+<p:sldLayout xmlns:a="http://schemas.openxmlformats.org/drawingml/2006/main" xmlns:r="http://schemas.openxmlformats.org/officeDocument/2006/relationships" xmlns:p="http://schemas.openxmlformats.org/presentationml/2006/main" type="titleOnly" preserve="1">
+  <p:cSld name="Title Only">
+    <p:spTree>
+      <p:nvGrpSpPr>
+        <p:cNvPr id="1" name=""/>
+        <p:cNvGrpSpPr/>
+        <p:nvPr/>
+      </p:nvGrpSpPr>
+      <p:grpSpPr>
+        <a:xfrm>
+          <a:off x="0" y="0"/>
+          <a:ext cx="0" cy="0"/>
+          <a:chOff x="0" y="0"/>
+          <a:chExt cx="0" cy="0"/>
+        </a:xfrm>
+      </p:grpSpPr>
+      <p:sp>
+        <p:nvSpPr>
+          <p:cNvPr id="2" name="Title 1"/>
+          <p:cNvSpPr>
+            <a:spLocks noGrp="1"/>
+          </p:cNvSpPr>
+          <p:nvPr>
+            <p:ph type="title"/>
+          </p:nvPr>
+        </p:nvSpPr>
+        <p:spPr/>
+        <p:txBody>
+          <a:bodyPr/>
+          <a:lstStyle/>
+          <a:p>
+            <a:r>
+              <a:rPr lang="en-US"/>
+              <a:t>Click to edit Master title style</a:t>
+            </a:r>
+            <a:endParaRPr lang="en-US" dirty="0"/>
+          </a:p>
+        </p:txBody>
+      </p:sp>
+      <p:sp>
+        <p:nvSpPr>
+          <p:cNvPr id="3" name="Date Placeholder 2"/>
+          <p:cNvSpPr>
+            <a:spLocks noGrp="1"/>
+          </p:cNvSpPr>
+          <p:nvPr>
+            <p:ph type="dt" sz="half" idx="10"/>
+          </p:nvPr>
+        </p:nvSpPr>
+        <p:spPr/>
+        <p:txBody>
+          <a:bodyPr/>
+          <a:lstStyle/>
+          <a:p>
+            <a:fld id="{DA5C7537-5B8B-4769-AC3D-28562CA77ADB}" type="datetime1">
+              <a:rPr lang="en-US" smtClean="0"/>
+              <a:t>7/7/2016</a:t>
+            </a:fld>
+            <a:endParaRPr lang="en-US"/>
+          </a:p>
+        </p:txBody>
+      </p:sp>
+      <p:sp>
+        <p:nvSpPr>
+          <p:cNvPr id="4" name="Footer Placeholder 3"/>
+          <p:cNvSpPr>
+            <a:spLocks noGrp="1"/>
+          </p:cNvSpPr>
+          <p:nvPr>
+            <p:ph type="ftr" sz="quarter" idx="11"/>
+          </p:nvPr>
+        </p:nvSpPr>
+        <p:spPr/>
+        <p:txBody>
+          <a:bodyPr/>
+          <a:lstStyle/>
+          <a:p>
+            <a:r>
+              <a:rPr lang="en-US"/>
+              <a:t>© 2016 EV3Lessons.com, Last edit 7/06/2016</a:t>
+            </a:r>
+          </a:p>
+        </p:txBody>
+      </p:sp>
+      <p:sp>
+        <p:nvSpPr>
+          <p:cNvPr id="5" name="Slide Number Placeholder 4"/>
+          <p:cNvSpPr>
+            <a:spLocks noGrp="1"/>
+          </p:cNvSpPr>
+          <p:nvPr>
+            <p:ph type="sldNum" sz="quarter" idx="12"/>
+          </p:nvPr>
+        </p:nvSpPr>
+        <p:spPr/>
+        <p:txBody>
+          <a:bodyPr/>
+          <a:lstStyle/>
+          <a:p>
+            <a:fld id="{4382A7F7-08BF-4252-8141-63FB96055BBB}" type="slidenum">
+              <a:rPr lang="en-US" smtClean="0"/>
+              <a:t>‹#›</a:t>
+            </a:fld>
+            <a:endParaRPr lang="en-US"/>
+          </a:p>
+        </p:txBody>
+      </p:sp>
+    </p:spTree>
+    <p:extLst>
+      <p:ext uri="{BB962C8B-B14F-4D97-AF65-F5344CB8AC3E}">
+        <p14:creationId xmlns:p14="http://schemas.microsoft.com/office/powerpoint/2010/main" val="742492885"/>
+      </p:ext>
+    </p:extLst>
+  </p:cSld>
+  <p:clrMapOvr>
+    <a:masterClrMapping/>
+  </p:clrMapOvr>
+</p:sldLayout>
+</file>
+
+<file path=ppt/slideLayouts/slideLayout7.xml><?xml version="1.0" encoding="utf-8"?>
+<p:sldLayout xmlns:a="http://schemas.openxmlformats.org/drawingml/2006/main" xmlns:r="http://schemas.openxmlformats.org/officeDocument/2006/relationships" xmlns:p="http://schemas.openxmlformats.org/presentationml/2006/main" showMasterSp="0" type="blank" preserve="1">
+  <p:cSld name="Blank">
+    <p:spTree>
+      <p:nvGrpSpPr>
+        <p:cNvPr id="1" name=""/>
+        <p:cNvGrpSpPr/>
+        <p:nvPr/>
+      </p:nvGrpSpPr>
+      <p:grpSpPr>
+        <a:xfrm>
+          <a:off x="0" y="0"/>
+          <a:ext cx="0" cy="0"/>
+          <a:chOff x="0" y="0"/>
+          <a:chExt cx="0" cy="0"/>
+        </a:xfrm>
+      </p:grpSpPr>
+      <p:sp>
+        <p:nvSpPr>
+          <p:cNvPr id="5" name="Rectangle 4"/>
+          <p:cNvSpPr/>
+          <p:nvPr/>
+        </p:nvSpPr>
+        <p:spPr>
+          <a:xfrm>
+            <a:off x="2382" y="6400800"/>
+            <a:ext cx="9141619" cy="457200"/>
+          </a:xfrm>
+          <a:prstGeom prst="rect">
+            <a:avLst/>
+          </a:prstGeom>
+          <a:solidFill>
+            <a:schemeClr val="accent2"/>
+          </a:solidFill>
+          <a:ln>
+            <a:noFill/>
+          </a:ln>
+        </p:spPr>
+        <p:style>
+          <a:lnRef idx="2">
+            <a:schemeClr val="accent1">
+              <a:shade val="50000"/>
+            </a:schemeClr>
+          </a:lnRef>
+          <a:fillRef idx="1">
+            <a:schemeClr val="accent1"/>
+          </a:fillRef>
+          <a:effectRef idx="0">
+            <a:schemeClr val="accent1"/>
+          </a:effectRef>
+          <a:fontRef idx="minor">
+            <a:schemeClr val="lt1"/>
+          </a:fontRef>
+        </p:style>
+      </p:sp>
+      <p:sp>
+        <p:nvSpPr>
+          <p:cNvPr id="6" name="Rectangle 5"/>
+          <p:cNvSpPr/>
+          <p:nvPr/>
+        </p:nvSpPr>
+        <p:spPr>
+          <a:xfrm>
+            <a:off x="12" y="6334316"/>
+            <a:ext cx="9141619" cy="64008"/>
+          </a:xfrm>
+          <a:prstGeom prst="rect">
+            <a:avLst/>
+          </a:prstGeom>
+          <a:solidFill>
+            <a:schemeClr val="accent1"/>
+          </a:solidFill>
+          <a:ln>
+            <a:noFill/>
+          </a:ln>
+        </p:spPr>
+        <p:style>
+          <a:lnRef idx="2">
+            <a:schemeClr val="accent1">
+              <a:shade val="50000"/>
+            </a:schemeClr>
+          </a:lnRef>
+          <a:fillRef idx="1">
+            <a:schemeClr val="accent1"/>
+          </a:fillRef>
+          <a:effectRef idx="0">
+            <a:schemeClr val="accent1"/>
+          </a:effectRef>
+          <a:fontRef idx="minor">
+            <a:schemeClr val="lt1"/>
+          </a:fontRef>
+        </p:style>
+      </p:sp>
+      <p:sp>
+        <p:nvSpPr>
+          <p:cNvPr id="7" name="Date Placeholder 6"/>
+          <p:cNvSpPr>
+            <a:spLocks noGrp="1"/>
+          </p:cNvSpPr>
+          <p:nvPr>
+            <p:ph type="dt" sz="half" idx="10"/>
+          </p:nvPr>
+        </p:nvSpPr>
+        <p:spPr/>
+        <p:txBody>
+          <a:bodyPr/>
+          <a:lstStyle/>
+          <a:p>
+            <a:fld id="{61F017A8-0726-42BD-83C2-0C7647E62FD3}" type="datetime1">
+              <a:rPr lang="en-US" smtClean="0"/>
+              <a:t>7/7/2016</a:t>
+            </a:fld>
+            <a:endParaRPr lang="en-US"/>
+          </a:p>
+        </p:txBody>
+      </p:sp>
+      <p:sp>
+        <p:nvSpPr>
+          <p:cNvPr id="8" name="Footer Placeholder 7"/>
+          <p:cNvSpPr>
+            <a:spLocks noGrp="1"/>
+          </p:cNvSpPr>
+          <p:nvPr>
+            <p:ph type="ftr" sz="quarter" idx="11"/>
+          </p:nvPr>
+        </p:nvSpPr>
+        <p:spPr/>
+        <p:txBody>
+          <a:bodyPr/>
+          <a:lstStyle>
+            <a:lvl1pPr>
+              <a:defRPr>
+                <a:solidFill>
+                  <a:srgbClr val="FFFFFF"/>
+                </a:solidFill>
+              </a:defRPr>
+            </a:lvl1pPr>
+          </a:lstStyle>
+          <a:p>
+            <a:r>
+              <a:rPr lang="en-US"/>
+              <a:t>© 2016 EV3Lessons.com, Last edit 7/06/2016</a:t>
+            </a:r>
+          </a:p>
+        </p:txBody>
+      </p:sp>
+      <p:sp>
+        <p:nvSpPr>
+          <p:cNvPr id="9" name="Slide Number Placeholder 8"/>
+          <p:cNvSpPr>
+            <a:spLocks noGrp="1"/>
+          </p:cNvSpPr>
+          <p:nvPr>
+            <p:ph type="sldNum" sz="quarter" idx="12"/>
+          </p:nvPr>
+        </p:nvSpPr>
+        <p:spPr/>
+        <p:txBody>
+          <a:bodyPr/>
+          <a:lstStyle/>
+          <a:p>
+            <a:fld id="{4382A7F7-08BF-4252-8141-63FB96055BBB}" type="slidenum">
+              <a:rPr lang="en-US" smtClean="0"/>
+              <a:t>‹#›</a:t>
+            </a:fld>
+            <a:endParaRPr lang="en-US"/>
+          </a:p>
+        </p:txBody>
+      </p:sp>
+    </p:spTree>
+    <p:extLst>
+      <p:ext uri="{BB962C8B-B14F-4D97-AF65-F5344CB8AC3E}">
+        <p14:creationId xmlns:p14="http://schemas.microsoft.com/office/powerpoint/2010/main" val="1728591828"/>
+      </p:ext>
+    </p:extLst>
+  </p:cSld>
+  <p:clrMapOvr>
+    <a:masterClrMapping/>
+  </p:clrMapOvr>
+</p:sldLayout>
+</file>
+
+<file path=ppt/slideLayouts/slideLayout8.xml><?xml version="1.0" encoding="utf-8"?>
+<p:sldLayout xmlns:a="http://schemas.openxmlformats.org/drawingml/2006/main" xmlns:r="http://schemas.openxmlformats.org/officeDocument/2006/relationships" xmlns:p="http://schemas.openxmlformats.org/presentationml/2006/main" showMasterSp="0" type="objTx" preserve="1">
+  <p:cSld name="Content with Caption">
+    <p:spTree>
+      <p:nvGrpSpPr>
+        <p:cNvPr id="1" name=""/>
+        <p:cNvGrpSpPr/>
+        <p:nvPr/>
+      </p:nvGrpSpPr>
+      <p:grpSpPr>
+        <a:xfrm>
+          <a:off x="0" y="0"/>
+          <a:ext cx="0" cy="0"/>
+          <a:chOff x="0" y="0"/>
+          <a:chExt cx="0" cy="0"/>
+        </a:xfrm>
+      </p:grpSpPr>
+      <p:sp>
+        <p:nvSpPr>
+          <p:cNvPr id="8" name="Rectangle 7"/>
+          <p:cNvSpPr/>
+          <p:nvPr/>
+        </p:nvSpPr>
+        <p:spPr>
+          <a:xfrm>
+            <a:off x="13" y="0"/>
+            <a:ext cx="3038093" cy="6858000"/>
+          </a:xfrm>
+          <a:prstGeom prst="rect">
+            <a:avLst/>
+          </a:prstGeom>
+          <a:solidFill>
+            <a:schemeClr val="accent2"/>
+          </a:solidFill>
+          <a:ln>
+            <a:noFill/>
+          </a:ln>
+        </p:spPr>
+        <p:style>
+          <a:lnRef idx="2">
+            <a:schemeClr val="accent1">
+              <a:shade val="50000"/>
+            </a:schemeClr>
+          </a:lnRef>
+          <a:fillRef idx="1">
+            <a:schemeClr val="accent1"/>
+          </a:fillRef>
+          <a:effectRef idx="0">
+            <a:schemeClr val="accent1"/>
+          </a:effectRef>
+          <a:fontRef idx="minor">
+            <a:schemeClr val="lt1"/>
+          </a:fontRef>
+        </p:style>
+      </p:sp>
+      <p:sp>
+        <p:nvSpPr>
+          <p:cNvPr id="9" name="Rectangle 8"/>
+          <p:cNvSpPr/>
+          <p:nvPr/>
+        </p:nvSpPr>
+        <p:spPr>
+          <a:xfrm>
+            <a:off x="3030053" y="0"/>
+            <a:ext cx="48006" cy="6858000"/>
+          </a:xfrm>
+          <a:prstGeom prst="rect">
+            <a:avLst/>
+          </a:prstGeom>
+          <a:solidFill>
+            <a:schemeClr val="accent1"/>
+          </a:solidFill>
+          <a:ln>
+            <a:noFill/>
+          </a:ln>
+        </p:spPr>
+        <p:style>
+          <a:lnRef idx="2">
+            <a:schemeClr val="accent1">
+              <a:shade val="50000"/>
+            </a:schemeClr>
+          </a:lnRef>
+          <a:fillRef idx="1">
+            <a:schemeClr val="accent1"/>
+          </a:fillRef>
+          <a:effectRef idx="0">
+            <a:schemeClr val="accent1"/>
+          </a:effectRef>
+          <a:fontRef idx="minor">
+            <a:schemeClr val="lt1"/>
+          </a:fontRef>
+        </p:style>
+      </p:sp>
+      <p:sp>
+        <p:nvSpPr>
+          <p:cNvPr id="2" name="Title 1"/>
+          <p:cNvSpPr>
+            <a:spLocks noGrp="1"/>
+          </p:cNvSpPr>
+          <p:nvPr>
+            <p:ph type="title"/>
+          </p:nvPr>
+        </p:nvSpPr>
+        <p:spPr>
+          <a:xfrm>
+            <a:off x="342900" y="594359"/>
+            <a:ext cx="2400300" cy="2286000"/>
+          </a:xfrm>
+        </p:spPr>
+        <p:txBody>
+          <a:bodyPr anchor="b">
+            <a:normAutofit/>
+          </a:bodyPr>
+          <a:lstStyle>
+            <a:lvl1pPr>
+              <a:defRPr sz="3600" b="0">
+                <a:solidFill>
+                  <a:srgbClr val="FFFFFF"/>
+                </a:solidFill>
+              </a:defRPr>
+            </a:lvl1pPr>
+          </a:lstStyle>
+          <a:p>
+            <a:r>
+              <a:rPr lang="en-US"/>
+              <a:t>Click to edit Master title style</a:t>
+            </a:r>
+            <a:endParaRPr lang="en-US" dirty="0"/>
+          </a:p>
+        </p:txBody>
+      </p:sp>
+      <p:sp>
+        <p:nvSpPr>
+          <p:cNvPr id="3" name="Content Placeholder 2"/>
+          <p:cNvSpPr>
+            <a:spLocks noGrp="1"/>
+          </p:cNvSpPr>
+          <p:nvPr>
+            <p:ph idx="1"/>
+          </p:nvPr>
+        </p:nvSpPr>
+        <p:spPr>
+          <a:xfrm>
+            <a:off x="3460237" y="731520"/>
+            <a:ext cx="5009393" cy="5257800"/>
+          </a:xfrm>
+        </p:spPr>
+        <p:txBody>
+          <a:bodyPr/>
+          <a:lstStyle/>
+          <a:p>
+            <a:pPr lvl="0"/>
+            <a:r>
+              <a:rPr lang="en-US"/>
+              <a:t>Click to edit Master text styles</a:t>
+            </a:r>
+          </a:p>
+          <a:p>
+            <a:pPr lvl="1"/>
+            <a:r>
+              <a:rPr lang="en-US"/>
+              <a:t>Second level</a:t>
+            </a:r>
+          </a:p>
+          <a:p>
+            <a:pPr lvl="2"/>
+            <a:r>
+              <a:rPr lang="en-US"/>
+              <a:t>Third level</a:t>
+            </a:r>
+          </a:p>
+          <a:p>
+            <a:pPr lvl="3"/>
+            <a:r>
+              <a:rPr lang="en-US"/>
+              <a:t>Fourth level</a:t>
+            </a:r>
+          </a:p>
+          <a:p>
+            <a:pPr lvl="4"/>
+            <a:r>
+              <a:rPr lang="en-US"/>
+              <a:t>Fifth level</a:t>
+            </a:r>
+            <a:endParaRPr lang="en-US" dirty="0"/>
+          </a:p>
+        </p:txBody>
+      </p:sp>
+      <p:sp>
+        <p:nvSpPr>
+          <p:cNvPr id="4" name="Text Placeholder 3"/>
+          <p:cNvSpPr>
+            <a:spLocks noGrp="1"/>
+          </p:cNvSpPr>
+          <p:nvPr>
+            <p:ph type="body" sz="half" idx="2"/>
+          </p:nvPr>
+        </p:nvSpPr>
+        <p:spPr>
+          <a:xfrm>
+            <a:off x="342900" y="2926080"/>
+            <a:ext cx="2400300" cy="3379124"/>
+          </a:xfrm>
+        </p:spPr>
+        <p:txBody>
+          <a:bodyPr lIns="91440" rIns="91440">
+            <a:normAutofit/>
+          </a:bodyPr>
+          <a:lstStyle>
+            <a:lvl1pPr marL="0" indent="0">
+              <a:buNone/>
+              <a:defRPr sz="1500">
+                <a:solidFill>
+                  <a:srgbClr val="FFFFFF"/>
+                </a:solidFill>
+              </a:defRPr>
+            </a:lvl1pPr>
+            <a:lvl2pPr marL="457200" indent="0">
+              <a:buNone/>
+              <a:defRPr sz="1200"/>
+            </a:lvl2pPr>
+            <a:lvl3pPr marL="914400" indent="0">
+              <a:buNone/>
+              <a:defRPr sz="1000"/>
+            </a:lvl3pPr>
+            <a:lvl4pPr marL="1371600" indent="0">
+              <a:buNone/>
+              <a:defRPr sz="900"/>
+            </a:lvl4pPr>
+            <a:lvl5pPr marL="1828800" indent="0">
+              <a:buNone/>
+              <a:defRPr sz="900"/>
+            </a:lvl5pPr>
+            <a:lvl6pPr marL="2286000" indent="0">
+              <a:buNone/>
+              <a:defRPr sz="900"/>
+            </a:lvl6pPr>
+            <a:lvl7pPr marL="2743200" indent="0">
+              <a:buNone/>
+              <a:defRPr sz="900"/>
+            </a:lvl7pPr>
+            <a:lvl8pPr marL="3200400" indent="0">
+              <a:buNone/>
+              <a:defRPr sz="900"/>
+            </a:lvl8pPr>
+            <a:lvl9pPr marL="3657600" indent="0">
+              <a:buNone/>
+              <a:defRPr sz="900"/>
+            </a:lvl9pPr>
+          </a:lstStyle>
+          <a:p>
+            <a:pPr lvl="0"/>
+            <a:r>
+              <a:rPr lang="en-US"/>
+              <a:t>Click to edit Master text styles</a:t>
+            </a:r>
+          </a:p>
+        </p:txBody>
+      </p:sp>
+      <p:sp>
+        <p:nvSpPr>
+          <p:cNvPr id="5" name="Date Placeholder 4"/>
+          <p:cNvSpPr>
+            <a:spLocks noGrp="1"/>
+          </p:cNvSpPr>
+          <p:nvPr>
+            <p:ph type="dt" sz="half" idx="10"/>
+          </p:nvPr>
+        </p:nvSpPr>
+        <p:spPr>
+          <a:xfrm>
+            <a:off x="349134" y="6459786"/>
+            <a:ext cx="1963883" cy="365125"/>
+          </a:xfrm>
+        </p:spPr>
+        <p:txBody>
+          <a:bodyPr/>
+          <a:lstStyle>
+            <a:lvl1pPr algn="l">
+              <a:defRPr/>
+            </a:lvl1pPr>
+          </a:lstStyle>
+          <a:p>
+            <a:fld id="{850089AB-1A5E-4BDC-AF43-0456CDDB4620}" type="datetime1">
+              <a:rPr lang="en-US" smtClean="0"/>
+              <a:t>7/7/2016</a:t>
+            </a:fld>
+            <a:endParaRPr lang="en-US"/>
+          </a:p>
+        </p:txBody>
+      </p:sp>
+      <p:sp>
+        <p:nvSpPr>
+          <p:cNvPr id="6" name="Footer Placeholder 5"/>
+          <p:cNvSpPr>
+            <a:spLocks noGrp="1"/>
+          </p:cNvSpPr>
+          <p:nvPr>
+            <p:ph type="ftr" sz="quarter" idx="11"/>
+          </p:nvPr>
+        </p:nvSpPr>
+        <p:spPr>
+          <a:xfrm>
+            <a:off x="3600450" y="6459786"/>
+            <a:ext cx="3486150" cy="365125"/>
+          </a:xfrm>
+        </p:spPr>
+        <p:txBody>
+          <a:bodyPr/>
+          <a:lstStyle>
+            <a:lvl1pPr algn="l">
+              <a:defRPr>
+                <a:solidFill>
+                  <a:schemeClr val="tx2"/>
+                </a:solidFill>
+              </a:defRPr>
+            </a:lvl1pPr>
+          </a:lstStyle>
+          <a:p>
+            <a:r>
+              <a:rPr lang="en-US"/>
+              <a:t>© 2016 EV3Lessons.com, Last edit 7/06/2016</a:t>
+            </a:r>
+          </a:p>
+        </p:txBody>
+      </p:sp>
+      <p:sp>
+        <p:nvSpPr>
+          <p:cNvPr id="7" name="Slide Number Placeholder 6"/>
+          <p:cNvSpPr>
+            <a:spLocks noGrp="1"/>
+          </p:cNvSpPr>
+          <p:nvPr>
+            <p:ph type="sldNum" sz="quarter" idx="12"/>
+          </p:nvPr>
+        </p:nvSpPr>
+        <p:spPr/>
+        <p:txBody>
+          <a:bodyPr/>
+          <a:lstStyle>
+            <a:lvl1pPr>
+              <a:defRPr>
+                <a:solidFill>
+                  <a:schemeClr val="tx2"/>
+                </a:solidFill>
+              </a:defRPr>
+            </a:lvl1pPr>
+          </a:lstStyle>
+          <a:p>
+            <a:fld id="{7F5CE407-6216-4202-80E4-A30DC2F709B2}" type="slidenum">
+              <a:rPr lang="en-US" smtClean="0"/>
+              <a:t>‹#›</a:t>
+            </a:fld>
+            <a:endParaRPr lang="en-US"/>
+          </a:p>
+        </p:txBody>
+      </p:sp>
+    </p:spTree>
+    <p:extLst>
+      <p:ext uri="{BB962C8B-B14F-4D97-AF65-F5344CB8AC3E}">
+        <p14:creationId xmlns:p14="http://schemas.microsoft.com/office/powerpoint/2010/main" val="1411911357"/>
+      </p:ext>
+    </p:extLst>
+  </p:cSld>
+  <p:clrMapOvr>
+    <a:masterClrMapping/>
+  </p:clrMapOvr>
+</p:sldLayout>
+</file>
+
+<file path=ppt/slideLayouts/slideLayout9.xml><?xml version="1.0" encoding="utf-8"?>
+<p:sldLayout xmlns:a="http://schemas.openxmlformats.org/drawingml/2006/main" xmlns:r="http://schemas.openxmlformats.org/officeDocument/2006/relationships" xmlns:p="http://schemas.openxmlformats.org/presentationml/2006/main" showMasterSp="0" type="picTx" preserve="1">
+  <p:cSld name="Picture with Caption">
+    <p:spTree>
+      <p:nvGrpSpPr>
+        <p:cNvPr id="1" name=""/>
+        <p:cNvGrpSpPr/>
+        <p:nvPr/>
+      </p:nvGrpSpPr>
+      <p:grpSpPr>
+        <a:xfrm>
+          <a:off x="0" y="0"/>
+          <a:ext cx="0" cy="0"/>
+          <a:chOff x="0" y="0"/>
+          <a:chExt cx="0" cy="0"/>
+        </a:xfrm>
+      </p:grpSpPr>
+      <p:sp>
+        <p:nvSpPr>
+          <p:cNvPr id="8" name="Rectangle 7"/>
+          <p:cNvSpPr/>
+          <p:nvPr/>
+        </p:nvSpPr>
+        <p:spPr>
+          <a:xfrm>
+            <a:off x="0" y="4953000"/>
+            <a:ext cx="9141619" cy="1905000"/>
+          </a:xfrm>
+          <a:prstGeom prst="rect">
+            <a:avLst/>
+          </a:prstGeom>
+          <a:solidFill>
+            <a:schemeClr val="accent2"/>
+          </a:solidFill>
+          <a:ln>
+            <a:noFill/>
+          </a:ln>
+        </p:spPr>
+        <p:style>
+          <a:lnRef idx="2">
+            <a:schemeClr val="accent1">
+              <a:shade val="50000"/>
+            </a:schemeClr>
+          </a:lnRef>
+          <a:fillRef idx="1">
+            <a:schemeClr val="accent1"/>
+          </a:fillRef>
+          <a:effectRef idx="0">
+            <a:schemeClr val="accent1"/>
+          </a:effectRef>
+          <a:fontRef idx="minor">
+            <a:schemeClr val="lt1"/>
+          </a:fontRef>
+        </p:style>
+      </p:sp>
+      <p:sp>
+        <p:nvSpPr>
+          <p:cNvPr id="9" name="Rectangle 8"/>
+          <p:cNvSpPr/>
+          <p:nvPr/>
+        </p:nvSpPr>
+        <p:spPr>
+          <a:xfrm>
+            <a:off x="12" y="4915076"/>
+            <a:ext cx="9141619" cy="64008"/>
+          </a:xfrm>
+          <a:prstGeom prst="rect">
+            <a:avLst/>
+          </a:prstGeom>
+          <a:solidFill>
+            <a:schemeClr val="accent1"/>
+          </a:solidFill>
+          <a:ln>
+            <a:noFill/>
+          </a:ln>
+        </p:spPr>
+        <p:style>
+          <a:lnRef idx="2">
+            <a:schemeClr val="accent1">
+              <a:shade val="50000"/>
+            </a:schemeClr>
+          </a:lnRef>
+          <a:fillRef idx="1">
+            <a:schemeClr val="accent1"/>
+          </a:fillRef>
+          <a:effectRef idx="0">
+            <a:schemeClr val="accent1"/>
+          </a:effectRef>
+          <a:fontRef idx="minor">
+            <a:schemeClr val="lt1"/>
+          </a:fontRef>
+        </p:style>
+      </p:sp>
+      <p:sp>
+        <p:nvSpPr>
+          <p:cNvPr id="2" name="Title 1"/>
+          <p:cNvSpPr>
+            <a:spLocks noGrp="1"/>
+          </p:cNvSpPr>
+          <p:nvPr>
+            <p:ph type="title"/>
+          </p:nvPr>
+        </p:nvSpPr>
+        <p:spPr>
+          <a:xfrm>
+            <a:off x="822960" y="5074920"/>
+            <a:ext cx="7589520" cy="822960"/>
+          </a:xfrm>
+        </p:spPr>
+        <p:txBody>
+          <a:bodyPr tIns="0" bIns="0" anchor="b">
+            <a:noAutofit/>
+          </a:bodyPr>
+          <a:lstStyle>
+            <a:lvl1pPr>
+              <a:defRPr sz="3600" b="0">
+                <a:solidFill>
+                  <a:srgbClr val="FFFFFF"/>
+                </a:solidFill>
+              </a:defRPr>
+            </a:lvl1pPr>
+          </a:lstStyle>
+          <a:p>
+            <a:r>
+              <a:rPr lang="en-US"/>
+              <a:t>Click to edit Master title style</a:t>
+            </a:r>
+            <a:endParaRPr lang="en-US" dirty="0"/>
+          </a:p>
+        </p:txBody>
+      </p:sp>
+      <p:sp>
+        <p:nvSpPr>
+          <p:cNvPr id="3" name="Picture Placeholder 2"/>
+          <p:cNvSpPr>
+            <a:spLocks noGrp="1" noChangeAspect="1"/>
+          </p:cNvSpPr>
+          <p:nvPr>
+            <p:ph type="pic" idx="1"/>
+          </p:nvPr>
+        </p:nvSpPr>
+        <p:spPr>
+          <a:xfrm>
+            <a:off x="12" y="0"/>
+            <a:ext cx="9143989" cy="4915076"/>
+          </a:xfrm>
+          <a:blipFill>
+            <a:blip r:embed="rId2"/>
+            <a:stretch>
+              <a:fillRect/>
+            </a:stretch>
+          </a:blipFill>
+        </p:spPr>
+        <p:txBody>
+          <a:bodyPr lIns="457200" tIns="457200" anchor="t"/>
+          <a:lstStyle>
+            <a:lvl1pPr marL="0" indent="0">
+              <a:buNone/>
+              <a:defRPr sz="3200">
+                <a:solidFill>
+                  <a:schemeClr val="bg1"/>
+                </a:solidFill>
+              </a:defRPr>
+            </a:lvl1pPr>
+            <a:lvl2pPr marL="457200" indent="0">
+              <a:buNone/>
+              <a:defRPr sz="2800"/>
+            </a:lvl2pPr>
+            <a:lvl3pPr marL="914400" indent="0">
+              <a:buNone/>
+              <a:defRPr sz="2400"/>
+            </a:lvl3pPr>
+            <a:lvl4pPr marL="1371600" indent="0">
+              <a:buNone/>
+              <a:defRPr sz="2000"/>
+            </a:lvl4pPr>
+            <a:lvl5pPr marL="1828800" indent="0">
+              <a:buNone/>
+              <a:defRPr sz="2000"/>
+            </a:lvl5pPr>
+            <a:lvl6pPr marL="2286000" indent="0">
+              <a:buNone/>
+              <a:defRPr sz="2000"/>
+            </a:lvl6pPr>
+            <a:lvl7pPr marL="2743200" indent="0">
+              <a:buNone/>
+              <a:defRPr sz="2000"/>
+            </a:lvl7pPr>
+            <a:lvl8pPr marL="3200400" indent="0">
+              <a:buNone/>
+              <a:defRPr sz="2000"/>
+            </a:lvl8pPr>
+            <a:lvl9pPr marL="3657600" indent="0">
+              <a:buNone/>
+              <a:defRPr sz="2000"/>
+            </a:lvl9pPr>
+          </a:lstStyle>
+          <a:p>
+            <a:r>
+              <a:rPr lang="en-US"/>
+              <a:t>Drag picture to placeholder or click icon to add</a:t>
+            </a:r>
+            <a:endParaRPr lang="en-US" dirty="0"/>
+          </a:p>
+        </p:txBody>
+      </p:sp>
+      <p:sp>
+        <p:nvSpPr>
+          <p:cNvPr id="4" name="Text Placeholder 3"/>
+          <p:cNvSpPr>
+            <a:spLocks noGrp="1"/>
+          </p:cNvSpPr>
+          <p:nvPr>
+            <p:ph type="body" sz="half" idx="2"/>
+          </p:nvPr>
+        </p:nvSpPr>
+        <p:spPr>
+          <a:xfrm>
+            <a:off x="822959" y="5907024"/>
+            <a:ext cx="7589520" cy="594360"/>
+          </a:xfrm>
+        </p:spPr>
+        <p:txBody>
+          <a:bodyPr lIns="91440" tIns="0" rIns="91440" bIns="0">
+            <a:normAutofit/>
+          </a:bodyPr>
+          <a:lstStyle>
+            <a:lvl1pPr marL="0" indent="0">
+              <a:spcBef>
+                <a:spcPts val="0"/>
+              </a:spcBef>
+              <a:spcAft>
+                <a:spcPts val="600"/>
+              </a:spcAft>
+              <a:buNone/>
+              <a:defRPr sz="1500">
+                <a:solidFill>
+                  <a:srgbClr val="FFFFFF"/>
+                </a:solidFill>
+              </a:defRPr>
+            </a:lvl1pPr>
+            <a:lvl2pPr marL="457200" indent="0">
+              <a:buNone/>
+              <a:defRPr sz="1200"/>
+            </a:lvl2pPr>
+            <a:lvl3pPr marL="914400" indent="0">
+              <a:buNone/>
+              <a:defRPr sz="1000"/>
+            </a:lvl3pPr>
+            <a:lvl4pPr marL="1371600" indent="0">
+              <a:buNone/>
+              <a:defRPr sz="900"/>
+            </a:lvl4pPr>
+            <a:lvl5pPr marL="1828800" indent="0">
+              <a:buNone/>
+              <a:defRPr sz="900"/>
+            </a:lvl5pPr>
+            <a:lvl6pPr marL="2286000" indent="0">
+              <a:buNone/>
+              <a:defRPr sz="900"/>
+            </a:lvl6pPr>
+            <a:lvl7pPr marL="2743200" indent="0">
+              <a:buNone/>
+              <a:defRPr sz="900"/>
+            </a:lvl7pPr>
+            <a:lvl8pPr marL="3200400" indent="0">
+              <a:buNone/>
+              <a:defRPr sz="900"/>
+            </a:lvl8pPr>
+            <a:lvl9pPr marL="3657600" indent="0">
+              <a:buNone/>
+              <a:defRPr sz="900"/>
+            </a:lvl9pPr>
+          </a:lstStyle>
+          <a:p>
+            <a:pPr lvl="0"/>
+            <a:r>
+              <a:rPr lang="en-US"/>
+              <a:t>Click to edit Master text styles</a:t>
+            </a:r>
+          </a:p>
+        </p:txBody>
+      </p:sp>
+      <p:sp>
+        <p:nvSpPr>
+          <p:cNvPr id="5" name="Date Placeholder 4"/>
+          <p:cNvSpPr>
+            <a:spLocks noGrp="1"/>
+          </p:cNvSpPr>
+          <p:nvPr>
+            <p:ph type="dt" sz="half" idx="10"/>
+          </p:nvPr>
+        </p:nvSpPr>
+        <p:spPr/>
+        <p:txBody>
+          <a:bodyPr/>
+          <a:lstStyle/>
+          <a:p>
+            <a:fld id="{D909C1FA-A2D7-4F66-B240-D0B2F27918D7}" type="datetime1">
+              <a:rPr lang="en-US" smtClean="0"/>
+              <a:t>7/7/2016</a:t>
+            </a:fld>
+            <a:endParaRPr lang="en-US"/>
+          </a:p>
+        </p:txBody>
+      </p:sp>
+      <p:sp>
+        <p:nvSpPr>
+          <p:cNvPr id="6" name="Footer Placeholder 5"/>
+          <p:cNvSpPr>
+            <a:spLocks noGrp="1"/>
+          </p:cNvSpPr>
+          <p:nvPr>
+            <p:ph type="ftr" sz="quarter" idx="11"/>
+          </p:nvPr>
+        </p:nvSpPr>
+        <p:spPr/>
+        <p:txBody>
+          <a:bodyPr/>
+          <a:lstStyle/>
+          <a:p>
+            <a:r>
+              <a:rPr lang="en-US"/>
+              <a:t>© 2016 EV3Lessons.com, Last edit 7/06/2016</a:t>
+            </a:r>
           </a:p>
         </p:txBody>
       </p:sp>
@@ -4076,7 +7242,7 @@
           <a:lstStyle/>
           <a:p>
             <a:r>
-              <a:rPr lang="en-US" smtClean="0"/>
+              <a:rPr lang="en-US"/>
               <a:t>Click to edit Master title style</a:t>
             </a:r>
             <a:endParaRPr lang="en-US" dirty="0"/>
@@ -4110,35 +7276,35 @@
           <a:p>
             <a:pPr lvl="0"/>
             <a:r>
-              <a:rPr lang="en-US" smtClean="0"/>
+              <a:rPr lang="en-US"/>
               <a:t>Click to edit Master text styles</a:t>
             </a:r>
           </a:p>
           <a:p>
             <a:pPr lvl="1"/>
             <a:r>
-              <a:rPr lang="en-US" smtClean="0"/>
+              <a:rPr lang="en-US"/>
               <a:t>Second level</a:t>
             </a:r>
           </a:p>
           <a:p>
             <a:pPr lvl="2"/>
             <a:r>
-              <a:rPr lang="en-US" smtClean="0"/>
+              <a:rPr lang="en-US"/>
               <a:t>Third level</a:t>
             </a:r>
           </a:p>
           <a:p>
             <a:pPr lvl="3"/>
             <a:r>
-              <a:rPr lang="en-US" smtClean="0"/>
+              <a:rPr lang="en-US"/>
               <a:t>Fourth level</a:t>
             </a:r>
           </a:p>
           <a:p>
             <a:pPr lvl="4"/>
             <a:r>
-              <a:rPr lang="en-US" smtClean="0"/>
+              <a:rPr lang="en-US"/>
               <a:t>Fifth level</a:t>
             </a:r>
             <a:endParaRPr lang="en-US" dirty="0"/>
@@ -4176,9 +7342,9 @@
             </a:lvl1pPr>
           </a:lstStyle>
           <a:p>
-            <a:fld id="{0604F77D-FCB8-A946-86A9-D14BD65D0D3D}" type="datetime1">
+            <a:fld id="{09F0BFDA-82E2-4DC8-8788-772A5830B5CB}" type="datetime1">
               <a:rPr lang="en-US" smtClean="0"/>
-              <a:t>11/13/15</a:t>
+              <a:t>7/7/2016</a:t>
             </a:fld>
             <a:endParaRPr lang="en-US" dirty="0"/>
           </a:p>
@@ -4216,8 +7382,8 @@
           </a:lstStyle>
           <a:p>
             <a:r>
-              <a:rPr lang="sk-SK" smtClean="0"/>
-              <a:t>© 2015 EV3Lessons.com, Last edit 11/13/2015</a:t>
+              <a:rPr lang="en-US"/>
+              <a:t>© 2016 EV3Lessons.com, Last edit 7/06/2016</a:t>
             </a:r>
             <a:endParaRPr lang="en-US" dirty="0"/>
           </a:p>
@@ -4728,6 +7894,822 @@
 </p:sldMaster>
 </file>
 
+<file path=ppt/slideMasters/slideMaster2.xml><?xml version="1.0" encoding="utf-8"?>
+<p:sldMaster xmlns:a="http://schemas.openxmlformats.org/drawingml/2006/main" xmlns:r="http://schemas.openxmlformats.org/officeDocument/2006/relationships" xmlns:p="http://schemas.openxmlformats.org/presentationml/2006/main" preserve="1">
+  <p:cSld>
+    <p:bg>
+      <p:bgRef idx="1001">
+        <a:schemeClr val="bg1"/>
+      </p:bgRef>
+    </p:bg>
+    <p:spTree>
+      <p:nvGrpSpPr>
+        <p:cNvPr id="1" name=""/>
+        <p:cNvGrpSpPr/>
+        <p:nvPr/>
+      </p:nvGrpSpPr>
+      <p:grpSpPr>
+        <a:xfrm>
+          <a:off x="0" y="0"/>
+          <a:ext cx="0" cy="0"/>
+          <a:chOff x="0" y="0"/>
+          <a:chExt cx="0" cy="0"/>
+        </a:xfrm>
+      </p:grpSpPr>
+      <p:sp>
+        <p:nvSpPr>
+          <p:cNvPr id="7" name="Rectangle 6"/>
+          <p:cNvSpPr/>
+          <p:nvPr/>
+        </p:nvSpPr>
+        <p:spPr>
+          <a:xfrm>
+            <a:off x="0" y="6400800"/>
+            <a:ext cx="9144001" cy="457200"/>
+          </a:xfrm>
+          <a:prstGeom prst="rect">
+            <a:avLst/>
+          </a:prstGeom>
+          <a:solidFill>
+            <a:srgbClr val="0070C0"/>
+          </a:solidFill>
+          <a:ln>
+            <a:solidFill>
+              <a:srgbClr val="0070C0"/>
+            </a:solidFill>
+          </a:ln>
+        </p:spPr>
+        <p:style>
+          <a:lnRef idx="2">
+            <a:schemeClr val="accent1">
+              <a:shade val="50000"/>
+            </a:schemeClr>
+          </a:lnRef>
+          <a:fillRef idx="1">
+            <a:schemeClr val="accent1"/>
+          </a:fillRef>
+          <a:effectRef idx="0">
+            <a:schemeClr val="accent1"/>
+          </a:effectRef>
+          <a:fontRef idx="minor">
+            <a:schemeClr val="lt1"/>
+          </a:fontRef>
+        </p:style>
+      </p:sp>
+      <p:sp>
+        <p:nvSpPr>
+          <p:cNvPr id="9" name="Rectangle 8"/>
+          <p:cNvSpPr/>
+          <p:nvPr/>
+        </p:nvSpPr>
+        <p:spPr>
+          <a:xfrm>
+            <a:off x="0" y="6334315"/>
+            <a:ext cx="4487333" cy="92382"/>
+          </a:xfrm>
+          <a:prstGeom prst="rect">
+            <a:avLst/>
+          </a:prstGeom>
+          <a:solidFill>
+            <a:srgbClr val="00B050"/>
+          </a:solidFill>
+          <a:ln>
+            <a:noFill/>
+          </a:ln>
+        </p:spPr>
+        <p:style>
+          <a:lnRef idx="2">
+            <a:schemeClr val="accent1">
+              <a:shade val="50000"/>
+            </a:schemeClr>
+          </a:lnRef>
+          <a:fillRef idx="1">
+            <a:schemeClr val="accent1"/>
+          </a:fillRef>
+          <a:effectRef idx="0">
+            <a:schemeClr val="accent1"/>
+          </a:effectRef>
+          <a:fontRef idx="minor">
+            <a:schemeClr val="lt1"/>
+          </a:fontRef>
+        </p:style>
+      </p:sp>
+      <p:sp>
+        <p:nvSpPr>
+          <p:cNvPr id="2" name="Title Placeholder 1"/>
+          <p:cNvSpPr>
+            <a:spLocks noGrp="1"/>
+          </p:cNvSpPr>
+          <p:nvPr>
+            <p:ph type="title"/>
+          </p:nvPr>
+        </p:nvSpPr>
+        <p:spPr>
+          <a:xfrm>
+            <a:off x="227874" y="287088"/>
+            <a:ext cx="8596812" cy="874055"/>
+          </a:xfrm>
+          <a:prstGeom prst="rect">
+            <a:avLst/>
+          </a:prstGeom>
+        </p:spPr>
+        <p:txBody>
+          <a:bodyPr vert="horz" lIns="91440" tIns="45720" rIns="91440" bIns="45720" rtlCol="0" anchor="b">
+            <a:normAutofit/>
+          </a:bodyPr>
+          <a:lstStyle/>
+          <a:p>
+            <a:r>
+              <a:rPr lang="en-US"/>
+              <a:t>Click to edit Master title style</a:t>
+            </a:r>
+            <a:endParaRPr lang="en-US" dirty="0"/>
+          </a:p>
+        </p:txBody>
+      </p:sp>
+      <p:sp>
+        <p:nvSpPr>
+          <p:cNvPr id="3" name="Text Placeholder 2"/>
+          <p:cNvSpPr>
+            <a:spLocks noGrp="1"/>
+          </p:cNvSpPr>
+          <p:nvPr>
+            <p:ph type="body" idx="1"/>
+          </p:nvPr>
+        </p:nvSpPr>
+        <p:spPr>
+          <a:xfrm>
+            <a:off x="227874" y="1505616"/>
+            <a:ext cx="8596811" cy="4654528"/>
+          </a:xfrm>
+          <a:prstGeom prst="rect">
+            <a:avLst/>
+          </a:prstGeom>
+        </p:spPr>
+        <p:txBody>
+          <a:bodyPr vert="horz" lIns="0" tIns="45720" rIns="0" bIns="45720" rtlCol="0">
+            <a:normAutofit/>
+          </a:bodyPr>
+          <a:lstStyle/>
+          <a:p>
+            <a:pPr lvl="0"/>
+            <a:r>
+              <a:rPr lang="en-US"/>
+              <a:t>Edit Master text styles</a:t>
+            </a:r>
+          </a:p>
+          <a:p>
+            <a:pPr lvl="1"/>
+            <a:r>
+              <a:rPr lang="en-US"/>
+              <a:t>Second level</a:t>
+            </a:r>
+          </a:p>
+          <a:p>
+            <a:pPr lvl="2"/>
+            <a:r>
+              <a:rPr lang="en-US"/>
+              <a:t>Third level</a:t>
+            </a:r>
+          </a:p>
+          <a:p>
+            <a:pPr lvl="3"/>
+            <a:r>
+              <a:rPr lang="en-US"/>
+              <a:t>Fourth level</a:t>
+            </a:r>
+          </a:p>
+          <a:p>
+            <a:pPr lvl="4"/>
+            <a:r>
+              <a:rPr lang="en-US"/>
+              <a:t>Fifth level</a:t>
+            </a:r>
+            <a:endParaRPr lang="en-US" dirty="0"/>
+          </a:p>
+        </p:txBody>
+      </p:sp>
+      <p:sp>
+        <p:nvSpPr>
+          <p:cNvPr id="4" name="Date Placeholder 3"/>
+          <p:cNvSpPr>
+            <a:spLocks noGrp="1"/>
+          </p:cNvSpPr>
+          <p:nvPr>
+            <p:ph type="dt" sz="half" idx="2"/>
+          </p:nvPr>
+        </p:nvSpPr>
+        <p:spPr>
+          <a:xfrm>
+            <a:off x="822961" y="6459786"/>
+            <a:ext cx="1854203" cy="365125"/>
+          </a:xfrm>
+          <a:prstGeom prst="rect">
+            <a:avLst/>
+          </a:prstGeom>
+        </p:spPr>
+        <p:txBody>
+          <a:bodyPr vert="horz" lIns="91440" tIns="45720" rIns="91440" bIns="45720" rtlCol="0" anchor="ctr"/>
+          <a:lstStyle>
+            <a:lvl1pPr algn="l">
+              <a:defRPr sz="900">
+                <a:solidFill>
+                  <a:srgbClr val="FFFFFF"/>
+                </a:solidFill>
+              </a:defRPr>
+            </a:lvl1pPr>
+          </a:lstStyle>
+          <a:p>
+            <a:fld id="{8301D9F6-BC26-4A95-9558-7DDBB2E17A5C}" type="datetime1">
+              <a:rPr lang="en-US" smtClean="0"/>
+              <a:t>7/7/2016</a:t>
+            </a:fld>
+            <a:endParaRPr lang="en-US" dirty="0"/>
+          </a:p>
+        </p:txBody>
+      </p:sp>
+      <p:sp>
+        <p:nvSpPr>
+          <p:cNvPr id="5" name="Footer Placeholder 4"/>
+          <p:cNvSpPr>
+            <a:spLocks noGrp="1"/>
+          </p:cNvSpPr>
+          <p:nvPr>
+            <p:ph type="ftr" sz="quarter" idx="3"/>
+          </p:nvPr>
+        </p:nvSpPr>
+        <p:spPr>
+          <a:xfrm>
+            <a:off x="2764639" y="6459786"/>
+            <a:ext cx="3617103" cy="365125"/>
+          </a:xfrm>
+          <a:prstGeom prst="rect">
+            <a:avLst/>
+          </a:prstGeom>
+        </p:spPr>
+        <p:txBody>
+          <a:bodyPr vert="horz" lIns="91440" tIns="45720" rIns="91440" bIns="45720" rtlCol="0" anchor="ctr"/>
+          <a:lstStyle>
+            <a:lvl1pPr algn="ctr">
+              <a:defRPr sz="900" cap="all" baseline="0">
+                <a:solidFill>
+                  <a:srgbClr val="FFFFFF"/>
+                </a:solidFill>
+              </a:defRPr>
+            </a:lvl1pPr>
+          </a:lstStyle>
+          <a:p>
+            <a:r>
+              <a:rPr lang="en-US"/>
+              <a:t>© 2016 EV3Lessons.com, Last edit 7/06/2016</a:t>
+            </a:r>
+            <a:endParaRPr lang="en-US" dirty="0"/>
+          </a:p>
+        </p:txBody>
+      </p:sp>
+      <p:sp>
+        <p:nvSpPr>
+          <p:cNvPr id="6" name="Slide Number Placeholder 5"/>
+          <p:cNvSpPr>
+            <a:spLocks noGrp="1"/>
+          </p:cNvSpPr>
+          <p:nvPr>
+            <p:ph type="sldNum" sz="quarter" idx="4"/>
+          </p:nvPr>
+        </p:nvSpPr>
+        <p:spPr>
+          <a:xfrm>
+            <a:off x="7425344" y="6459786"/>
+            <a:ext cx="984019" cy="365125"/>
+          </a:xfrm>
+          <a:prstGeom prst="rect">
+            <a:avLst/>
+          </a:prstGeom>
+        </p:spPr>
+        <p:txBody>
+          <a:bodyPr vert="horz" lIns="91440" tIns="45720" rIns="91440" bIns="45720" rtlCol="0" anchor="ctr"/>
+          <a:lstStyle>
+            <a:lvl1pPr algn="r">
+              <a:defRPr sz="1050">
+                <a:solidFill>
+                  <a:srgbClr val="FFFFFF"/>
+                </a:solidFill>
+              </a:defRPr>
+            </a:lvl1pPr>
+          </a:lstStyle>
+          <a:p>
+            <a:fld id="{4382A7F7-08BF-4252-8141-63FB96055BBB}" type="slidenum">
+              <a:rPr lang="en-US" smtClean="0"/>
+              <a:t>‹#›</a:t>
+            </a:fld>
+            <a:endParaRPr lang="en-US"/>
+          </a:p>
+        </p:txBody>
+      </p:sp>
+      <p:cxnSp>
+        <p:nvCxnSpPr>
+          <p:cNvPr id="10" name="Straight Connector 9"/>
+          <p:cNvCxnSpPr/>
+          <p:nvPr/>
+        </p:nvCxnSpPr>
+        <p:spPr>
+          <a:xfrm flipV="1">
+            <a:off x="227874" y="1335314"/>
+            <a:ext cx="8596811" cy="1"/>
+          </a:xfrm>
+          <a:prstGeom prst="line">
+            <a:avLst/>
+          </a:prstGeom>
+          <a:ln w="6350">
+            <a:solidFill>
+              <a:schemeClr val="tx1">
+                <a:lumMod val="50000"/>
+                <a:lumOff val="50000"/>
+              </a:schemeClr>
+            </a:solidFill>
+          </a:ln>
+        </p:spPr>
+        <p:style>
+          <a:lnRef idx="1">
+            <a:schemeClr val="accent1"/>
+          </a:lnRef>
+          <a:fillRef idx="0">
+            <a:schemeClr val="accent1"/>
+          </a:fillRef>
+          <a:effectRef idx="0">
+            <a:schemeClr val="accent1"/>
+          </a:effectRef>
+          <a:fontRef idx="minor">
+            <a:schemeClr val="tx1"/>
+          </a:fontRef>
+        </p:style>
+      </p:cxnSp>
+      <p:sp>
+        <p:nvSpPr>
+          <p:cNvPr id="11" name="Rectangle 10"/>
+          <p:cNvSpPr/>
+          <p:nvPr/>
+        </p:nvSpPr>
+        <p:spPr>
+          <a:xfrm>
+            <a:off x="4487333" y="6334315"/>
+            <a:ext cx="4656667" cy="92382"/>
+          </a:xfrm>
+          <a:prstGeom prst="rect">
+            <a:avLst/>
+          </a:prstGeom>
+          <a:solidFill>
+            <a:srgbClr val="7030A0"/>
+          </a:solidFill>
+          <a:ln>
+            <a:noFill/>
+          </a:ln>
+        </p:spPr>
+        <p:style>
+          <a:lnRef idx="2">
+            <a:schemeClr val="accent1">
+              <a:shade val="50000"/>
+            </a:schemeClr>
+          </a:lnRef>
+          <a:fillRef idx="1">
+            <a:schemeClr val="accent1"/>
+          </a:fillRef>
+          <a:effectRef idx="0">
+            <a:schemeClr val="accent1"/>
+          </a:effectRef>
+          <a:fontRef idx="minor">
+            <a:schemeClr val="lt1"/>
+          </a:fontRef>
+        </p:style>
+      </p:sp>
+      <p:sp>
+        <p:nvSpPr>
+          <p:cNvPr id="12" name="Rectangle 11"/>
+          <p:cNvSpPr/>
+          <p:nvPr userDrawn="1"/>
+        </p:nvSpPr>
+        <p:spPr>
+          <a:xfrm>
+            <a:off x="4487333" y="6334315"/>
+            <a:ext cx="4656667" cy="92382"/>
+          </a:xfrm>
+          <a:prstGeom prst="rect">
+            <a:avLst/>
+          </a:prstGeom>
+          <a:solidFill>
+            <a:srgbClr val="7030A0"/>
+          </a:solidFill>
+          <a:ln>
+            <a:noFill/>
+          </a:ln>
+        </p:spPr>
+        <p:style>
+          <a:lnRef idx="2">
+            <a:schemeClr val="accent1">
+              <a:shade val="50000"/>
+            </a:schemeClr>
+          </a:lnRef>
+          <a:fillRef idx="1">
+            <a:schemeClr val="accent1"/>
+          </a:fillRef>
+          <a:effectRef idx="0">
+            <a:schemeClr val="accent1"/>
+          </a:effectRef>
+          <a:fontRef idx="minor">
+            <a:schemeClr val="lt1"/>
+          </a:fontRef>
+        </p:style>
+      </p:sp>
+    </p:spTree>
+    <p:extLst>
+      <p:ext uri="{BB962C8B-B14F-4D97-AF65-F5344CB8AC3E}">
+        <p14:creationId xmlns:p14="http://schemas.microsoft.com/office/powerpoint/2010/main" val="444365860"/>
+      </p:ext>
+    </p:extLst>
+  </p:cSld>
+  <p:clrMap bg1="lt1" tx1="dk1" bg2="lt2" tx2="dk2" accent1="accent1" accent2="accent2" accent3="accent3" accent4="accent4" accent5="accent5" accent6="accent6" hlink="hlink" folHlink="folHlink"/>
+  <p:sldLayoutIdLst>
+    <p:sldLayoutId id="2147483848" r:id="rId1"/>
+    <p:sldLayoutId id="2147483849" r:id="rId2"/>
+    <p:sldLayoutId id="2147483850" r:id="rId3"/>
+    <p:sldLayoutId id="2147483851" r:id="rId4"/>
+    <p:sldLayoutId id="2147483852" r:id="rId5"/>
+    <p:sldLayoutId id="2147483853" r:id="rId6"/>
+    <p:sldLayoutId id="2147483854" r:id="rId7"/>
+    <p:sldLayoutId id="2147483855" r:id="rId8"/>
+    <p:sldLayoutId id="2147483856" r:id="rId9"/>
+    <p:sldLayoutId id="2147483857" r:id="rId10"/>
+    <p:sldLayoutId id="2147483858" r:id="rId11"/>
+  </p:sldLayoutIdLst>
+  <p:hf hdr="0" dt="0"/>
+  <p:txStyles>
+    <p:titleStyle>
+      <a:lvl1pPr algn="l" defTabSz="914400" rtl="0" eaLnBrk="1" latinLnBrk="0" hangingPunct="1">
+        <a:lnSpc>
+          <a:spcPct val="85000"/>
+        </a:lnSpc>
+        <a:spcBef>
+          <a:spcPct val="0"/>
+        </a:spcBef>
+        <a:buNone/>
+        <a:defRPr sz="4800" kern="1200" spc="-50" baseline="0">
+          <a:solidFill>
+            <a:schemeClr val="tx1">
+              <a:lumMod val="75000"/>
+              <a:lumOff val="25000"/>
+            </a:schemeClr>
+          </a:solidFill>
+          <a:latin typeface="+mj-lt"/>
+          <a:ea typeface="+mj-ea"/>
+          <a:cs typeface="+mj-cs"/>
+        </a:defRPr>
+      </a:lvl1pPr>
+    </p:titleStyle>
+    <p:bodyStyle>
+      <a:lvl1pPr marL="91440" indent="-91440" algn="l" defTabSz="914400" rtl="0" eaLnBrk="1" latinLnBrk="0" hangingPunct="1">
+        <a:lnSpc>
+          <a:spcPct val="90000"/>
+        </a:lnSpc>
+        <a:spcBef>
+          <a:spcPts val="1200"/>
+        </a:spcBef>
+        <a:spcAft>
+          <a:spcPts val="200"/>
+        </a:spcAft>
+        <a:buClr>
+          <a:schemeClr val="accent1"/>
+        </a:buClr>
+        <a:buSzPct val="100000"/>
+        <a:buFont typeface="Calibri" panose="020F0502020204030204" pitchFamily="34" charset="0"/>
+        <a:buChar char=" "/>
+        <a:defRPr sz="2000" kern="1200">
+          <a:solidFill>
+            <a:schemeClr val="tx1">
+              <a:lumMod val="75000"/>
+              <a:lumOff val="25000"/>
+            </a:schemeClr>
+          </a:solidFill>
+          <a:latin typeface="+mn-lt"/>
+          <a:ea typeface="+mn-ea"/>
+          <a:cs typeface="+mn-cs"/>
+        </a:defRPr>
+      </a:lvl1pPr>
+      <a:lvl2pPr marL="384048" indent="-182880" algn="l" defTabSz="914400" rtl="0" eaLnBrk="1" latinLnBrk="0" hangingPunct="1">
+        <a:lnSpc>
+          <a:spcPct val="90000"/>
+        </a:lnSpc>
+        <a:spcBef>
+          <a:spcPts val="200"/>
+        </a:spcBef>
+        <a:spcAft>
+          <a:spcPts val="400"/>
+        </a:spcAft>
+        <a:buClr>
+          <a:schemeClr val="accent1"/>
+        </a:buClr>
+        <a:buFont typeface="Calibri" pitchFamily="34" charset="0"/>
+        <a:buChar char="◦"/>
+        <a:defRPr sz="1800" kern="1200">
+          <a:solidFill>
+            <a:schemeClr val="tx1">
+              <a:lumMod val="75000"/>
+              <a:lumOff val="25000"/>
+            </a:schemeClr>
+          </a:solidFill>
+          <a:latin typeface="+mn-lt"/>
+          <a:ea typeface="+mn-ea"/>
+          <a:cs typeface="+mn-cs"/>
+        </a:defRPr>
+      </a:lvl2pPr>
+      <a:lvl3pPr marL="566928" indent="-182880" algn="l" defTabSz="914400" rtl="0" eaLnBrk="1" latinLnBrk="0" hangingPunct="1">
+        <a:lnSpc>
+          <a:spcPct val="90000"/>
+        </a:lnSpc>
+        <a:spcBef>
+          <a:spcPts val="200"/>
+        </a:spcBef>
+        <a:spcAft>
+          <a:spcPts val="400"/>
+        </a:spcAft>
+        <a:buClr>
+          <a:schemeClr val="accent1"/>
+        </a:buClr>
+        <a:buFont typeface="Calibri" pitchFamily="34" charset="0"/>
+        <a:buChar char="◦"/>
+        <a:defRPr sz="1400" kern="1200">
+          <a:solidFill>
+            <a:schemeClr val="tx1">
+              <a:lumMod val="75000"/>
+              <a:lumOff val="25000"/>
+            </a:schemeClr>
+          </a:solidFill>
+          <a:latin typeface="+mn-lt"/>
+          <a:ea typeface="+mn-ea"/>
+          <a:cs typeface="+mn-cs"/>
+        </a:defRPr>
+      </a:lvl3pPr>
+      <a:lvl4pPr marL="749808" indent="-182880" algn="l" defTabSz="914400" rtl="0" eaLnBrk="1" latinLnBrk="0" hangingPunct="1">
+        <a:lnSpc>
+          <a:spcPct val="90000"/>
+        </a:lnSpc>
+        <a:spcBef>
+          <a:spcPts val="200"/>
+        </a:spcBef>
+        <a:spcAft>
+          <a:spcPts val="400"/>
+        </a:spcAft>
+        <a:buClr>
+          <a:schemeClr val="accent1"/>
+        </a:buClr>
+        <a:buFont typeface="Calibri" pitchFamily="34" charset="0"/>
+        <a:buChar char="◦"/>
+        <a:defRPr sz="1400" kern="1200">
+          <a:solidFill>
+            <a:schemeClr val="tx1">
+              <a:lumMod val="75000"/>
+              <a:lumOff val="25000"/>
+            </a:schemeClr>
+          </a:solidFill>
+          <a:latin typeface="+mn-lt"/>
+          <a:ea typeface="+mn-ea"/>
+          <a:cs typeface="+mn-cs"/>
+        </a:defRPr>
+      </a:lvl4pPr>
+      <a:lvl5pPr marL="932688" indent="-182880" algn="l" defTabSz="914400" rtl="0" eaLnBrk="1" latinLnBrk="0" hangingPunct="1">
+        <a:lnSpc>
+          <a:spcPct val="90000"/>
+        </a:lnSpc>
+        <a:spcBef>
+          <a:spcPts val="200"/>
+        </a:spcBef>
+        <a:spcAft>
+          <a:spcPts val="400"/>
+        </a:spcAft>
+        <a:buClr>
+          <a:schemeClr val="accent1"/>
+        </a:buClr>
+        <a:buFont typeface="Calibri" pitchFamily="34" charset="0"/>
+        <a:buChar char="◦"/>
+        <a:defRPr sz="1400" kern="1200">
+          <a:solidFill>
+            <a:schemeClr val="tx1">
+              <a:lumMod val="75000"/>
+              <a:lumOff val="25000"/>
+            </a:schemeClr>
+          </a:solidFill>
+          <a:latin typeface="+mn-lt"/>
+          <a:ea typeface="+mn-ea"/>
+          <a:cs typeface="+mn-cs"/>
+        </a:defRPr>
+      </a:lvl5pPr>
+      <a:lvl6pPr marL="1100000" indent="-228600" algn="l" defTabSz="914400" rtl="0" eaLnBrk="1" latinLnBrk="0" hangingPunct="1">
+        <a:lnSpc>
+          <a:spcPct val="90000"/>
+        </a:lnSpc>
+        <a:spcBef>
+          <a:spcPts val="200"/>
+        </a:spcBef>
+        <a:spcAft>
+          <a:spcPts val="400"/>
+        </a:spcAft>
+        <a:buClr>
+          <a:schemeClr val="accent1"/>
+        </a:buClr>
+        <a:buFont typeface="Calibri" pitchFamily="34" charset="0"/>
+        <a:buChar char="◦"/>
+        <a:defRPr sz="1400" kern="1200">
+          <a:solidFill>
+            <a:schemeClr val="tx1">
+              <a:lumMod val="75000"/>
+              <a:lumOff val="25000"/>
+            </a:schemeClr>
+          </a:solidFill>
+          <a:latin typeface="+mn-lt"/>
+          <a:ea typeface="+mn-ea"/>
+          <a:cs typeface="+mn-cs"/>
+        </a:defRPr>
+      </a:lvl6pPr>
+      <a:lvl7pPr marL="1300000" indent="-228600" algn="l" defTabSz="914400" rtl="0" eaLnBrk="1" latinLnBrk="0" hangingPunct="1">
+        <a:lnSpc>
+          <a:spcPct val="90000"/>
+        </a:lnSpc>
+        <a:spcBef>
+          <a:spcPts val="200"/>
+        </a:spcBef>
+        <a:spcAft>
+          <a:spcPts val="400"/>
+        </a:spcAft>
+        <a:buClr>
+          <a:schemeClr val="accent1"/>
+        </a:buClr>
+        <a:buFont typeface="Calibri" pitchFamily="34" charset="0"/>
+        <a:buChar char="◦"/>
+        <a:defRPr sz="1400" kern="1200">
+          <a:solidFill>
+            <a:schemeClr val="tx1">
+              <a:lumMod val="75000"/>
+              <a:lumOff val="25000"/>
+            </a:schemeClr>
+          </a:solidFill>
+          <a:latin typeface="+mn-lt"/>
+          <a:ea typeface="+mn-ea"/>
+          <a:cs typeface="+mn-cs"/>
+        </a:defRPr>
+      </a:lvl7pPr>
+      <a:lvl8pPr marL="1500000" indent="-228600" algn="l" defTabSz="914400" rtl="0" eaLnBrk="1" latinLnBrk="0" hangingPunct="1">
+        <a:lnSpc>
+          <a:spcPct val="90000"/>
+        </a:lnSpc>
+        <a:spcBef>
+          <a:spcPts val="200"/>
+        </a:spcBef>
+        <a:spcAft>
+          <a:spcPts val="400"/>
+        </a:spcAft>
+        <a:buClr>
+          <a:schemeClr val="accent1"/>
+        </a:buClr>
+        <a:buFont typeface="Calibri" pitchFamily="34" charset="0"/>
+        <a:buChar char="◦"/>
+        <a:defRPr sz="1400" kern="1200">
+          <a:solidFill>
+            <a:schemeClr val="tx1">
+              <a:lumMod val="75000"/>
+              <a:lumOff val="25000"/>
+            </a:schemeClr>
+          </a:solidFill>
+          <a:latin typeface="+mn-lt"/>
+          <a:ea typeface="+mn-ea"/>
+          <a:cs typeface="+mn-cs"/>
+        </a:defRPr>
+      </a:lvl8pPr>
+      <a:lvl9pPr marL="1700000" indent="-228600" algn="l" defTabSz="914400" rtl="0" eaLnBrk="1" latinLnBrk="0" hangingPunct="1">
+        <a:lnSpc>
+          <a:spcPct val="90000"/>
+        </a:lnSpc>
+        <a:spcBef>
+          <a:spcPts val="200"/>
+        </a:spcBef>
+        <a:spcAft>
+          <a:spcPts val="400"/>
+        </a:spcAft>
+        <a:buClr>
+          <a:schemeClr val="accent1"/>
+        </a:buClr>
+        <a:buFont typeface="Calibri" pitchFamily="34" charset="0"/>
+        <a:buChar char="◦"/>
+        <a:defRPr sz="1400" kern="1200">
+          <a:solidFill>
+            <a:schemeClr val="tx1">
+              <a:lumMod val="75000"/>
+              <a:lumOff val="25000"/>
+            </a:schemeClr>
+          </a:solidFill>
+          <a:latin typeface="+mn-lt"/>
+          <a:ea typeface="+mn-ea"/>
+          <a:cs typeface="+mn-cs"/>
+        </a:defRPr>
+      </a:lvl9pPr>
+    </p:bodyStyle>
+    <p:otherStyle>
+      <a:defPPr>
+        <a:defRPr lang="en-US"/>
+      </a:defPPr>
+      <a:lvl1pPr marL="0" algn="l" defTabSz="914400" rtl="0" eaLnBrk="1" latinLnBrk="0" hangingPunct="1">
+        <a:defRPr sz="1800" kern="1200">
+          <a:solidFill>
+            <a:schemeClr val="tx1"/>
+          </a:solidFill>
+          <a:latin typeface="+mn-lt"/>
+          <a:ea typeface="+mn-ea"/>
+          <a:cs typeface="+mn-cs"/>
+        </a:defRPr>
+      </a:lvl1pPr>
+      <a:lvl2pPr marL="457200" algn="l" defTabSz="914400" rtl="0" eaLnBrk="1" latinLnBrk="0" hangingPunct="1">
+        <a:defRPr sz="1800" kern="1200">
+          <a:solidFill>
+            <a:schemeClr val="tx1"/>
+          </a:solidFill>
+          <a:latin typeface="+mn-lt"/>
+          <a:ea typeface="+mn-ea"/>
+          <a:cs typeface="+mn-cs"/>
+        </a:defRPr>
+      </a:lvl2pPr>
+      <a:lvl3pPr marL="914400" algn="l" defTabSz="914400" rtl="0" eaLnBrk="1" latinLnBrk="0" hangingPunct="1">
+        <a:defRPr sz="1800" kern="1200">
+          <a:solidFill>
+            <a:schemeClr val="tx1"/>
+          </a:solidFill>
+          <a:latin typeface="+mn-lt"/>
+          <a:ea typeface="+mn-ea"/>
+          <a:cs typeface="+mn-cs"/>
+        </a:defRPr>
+      </a:lvl3pPr>
+      <a:lvl4pPr marL="1371600" algn="l" defTabSz="914400" rtl="0" eaLnBrk="1" latinLnBrk="0" hangingPunct="1">
+        <a:defRPr sz="1800" kern="1200">
+          <a:solidFill>
+            <a:schemeClr val="tx1"/>
+          </a:solidFill>
+          <a:latin typeface="+mn-lt"/>
+          <a:ea typeface="+mn-ea"/>
+          <a:cs typeface="+mn-cs"/>
+        </a:defRPr>
+      </a:lvl4pPr>
+      <a:lvl5pPr marL="1828800" algn="l" defTabSz="914400" rtl="0" eaLnBrk="1" latinLnBrk="0" hangingPunct="1">
+        <a:defRPr sz="1800" kern="1200">
+          <a:solidFill>
+            <a:schemeClr val="tx1"/>
+          </a:solidFill>
+          <a:latin typeface="+mn-lt"/>
+          <a:ea typeface="+mn-ea"/>
+          <a:cs typeface="+mn-cs"/>
+        </a:defRPr>
+      </a:lvl5pPr>
+      <a:lvl6pPr marL="2286000" algn="l" defTabSz="914400" rtl="0" eaLnBrk="1" latinLnBrk="0" hangingPunct="1">
+        <a:defRPr sz="1800" kern="1200">
+          <a:solidFill>
+            <a:schemeClr val="tx1"/>
+          </a:solidFill>
+          <a:latin typeface="+mn-lt"/>
+          <a:ea typeface="+mn-ea"/>
+          <a:cs typeface="+mn-cs"/>
+        </a:defRPr>
+      </a:lvl6pPr>
+      <a:lvl7pPr marL="2743200" algn="l" defTabSz="914400" rtl="0" eaLnBrk="1" latinLnBrk="0" hangingPunct="1">
+        <a:defRPr sz="1800" kern="1200">
+          <a:solidFill>
+            <a:schemeClr val="tx1"/>
+          </a:solidFill>
+          <a:latin typeface="+mn-lt"/>
+          <a:ea typeface="+mn-ea"/>
+          <a:cs typeface="+mn-cs"/>
+        </a:defRPr>
+      </a:lvl7pPr>
+      <a:lvl8pPr marL="3200400" algn="l" defTabSz="914400" rtl="0" eaLnBrk="1" latinLnBrk="0" hangingPunct="1">
+        <a:defRPr sz="1800" kern="1200">
+          <a:solidFill>
+            <a:schemeClr val="tx1"/>
+          </a:solidFill>
+          <a:latin typeface="+mn-lt"/>
+          <a:ea typeface="+mn-ea"/>
+          <a:cs typeface="+mn-cs"/>
+        </a:defRPr>
+      </a:lvl8pPr>
+      <a:lvl9pPr marL="3657600" algn="l" defTabSz="914400" rtl="0" eaLnBrk="1" latinLnBrk="0" hangingPunct="1">
+        <a:defRPr sz="1800" kern="1200">
+          <a:solidFill>
+            <a:schemeClr val="tx1"/>
+          </a:solidFill>
+          <a:latin typeface="+mn-lt"/>
+          <a:ea typeface="+mn-ea"/>
+          <a:cs typeface="+mn-cs"/>
+        </a:defRPr>
+      </a:lvl9pPr>
+    </p:otherStyle>
+  </p:txStyles>
+</p:sldMaster>
+</file>
+
 <file path=ppt/slides/slide1.xml><?xml version="1.0" encoding="utf-8"?>
 <p:sld xmlns:a="http://schemas.openxmlformats.org/drawingml/2006/main" xmlns:r="http://schemas.openxmlformats.org/officeDocument/2006/relationships" xmlns:p="http://schemas.openxmlformats.org/presentationml/2006/main">
   <p:cSld>
@@ -4758,15 +8740,14 @@
         <p:spPr/>
         <p:txBody>
           <a:bodyPr>
-            <a:normAutofit fontScale="90000"/>
+            <a:normAutofit/>
           </a:bodyPr>
           <a:lstStyle/>
           <a:p>
             <a:r>
-              <a:rPr lang="en-US" dirty="0" smtClean="0"/>
+              <a:rPr lang="en-US" dirty="0"/>
               <a:t>INTERMEDIATE PROGRAMMING LESSON</a:t>
             </a:r>
-            <a:endParaRPr lang="en-US" dirty="0"/>
           </a:p>
         </p:txBody>
       </p:sp>
@@ -4788,10 +8769,9 @@
           <a:lstStyle/>
           <a:p>
             <a:r>
-              <a:rPr lang="en-US" dirty="0" smtClean="0"/>
+              <a:rPr lang="en-US" dirty="0"/>
               <a:t>PARALLEL BEAMS</a:t>
             </a:r>
-            <a:endParaRPr lang="en-US" dirty="0"/>
           </a:p>
         </p:txBody>
       </p:sp>
@@ -4841,7 +8821,7 @@
           <a:lstStyle/>
           <a:p>
             <a:r>
-              <a:rPr lang="en-US" smtClean="0"/>
+              <a:rPr lang="en-US"/>
               <a:t>Lesson Objectives</a:t>
             </a:r>
             <a:endParaRPr lang="en-US" dirty="0"/>
@@ -4901,8 +8881,8 @@
           <a:lstStyle/>
           <a:p>
             <a:r>
-              <a:rPr lang="en-US" smtClean="0"/>
-              <a:t>©2015 EV3Lessons.com, Last edit 4/5/2015</a:t>
+              <a:rPr lang="en-US"/>
+              <a:t>© 2016 EV3Lessons.com, Last edit 7/06/2016</a:t>
             </a:r>
             <a:endParaRPr lang="en-US" dirty="0"/>
           </a:p>
@@ -4942,13 +8922,6 @@
   <p:clrMapOvr>
     <a:masterClrMapping/>
   </p:clrMapOvr>
-  <p:timing>
-    <p:tnLst>
-      <p:par>
-        <p:cTn id="1" dur="indefinite" restart="never" nodeType="tmRoot"/>
-      </p:par>
-    </p:tnLst>
-  </p:timing>
 </p:sld>
 </file>
 
@@ -4985,7 +8958,7 @@
           <a:lstStyle/>
           <a:p>
             <a:r>
-              <a:rPr lang="en-US" smtClean="0"/>
+              <a:rPr lang="en-US"/>
               <a:t>What are Parallel Beams?</a:t>
             </a:r>
             <a:endParaRPr lang="en-US" dirty="0"/>
@@ -5008,22 +8981,22 @@
           <a:lstStyle/>
           <a:p>
             <a:r>
-              <a:rPr lang="en-US" smtClean="0"/>
+              <a:rPr lang="en-US" dirty="0"/>
               <a:t>Parallel beams allow you to run two or more blocks at the same time.</a:t>
             </a:r>
           </a:p>
           <a:p>
-            <a:endParaRPr lang="en-US" smtClean="0"/>
-          </a:p>
-          <a:p>
-            <a:r>
-              <a:rPr lang="en-US" smtClean="0"/>
-              <a:t>In First Lego League, they are mostly often used when you have one of more attachment arms connected to motors and you want to turn these arms while the robot is moving to complete a mission</a:t>
-            </a:r>
-          </a:p>
-          <a:p>
             <a:endParaRPr lang="en-US" dirty="0"/>
           </a:p>
+          <a:p>
+            <a:r>
+              <a:rPr lang="en-US" dirty="0"/>
+              <a:t>What if you have one or more attachment arms connected to motors and you want to turn these arms while the robot is moving to complete a mission</a:t>
+            </a:r>
+          </a:p>
+          <a:p>
+            <a:endParaRPr lang="en-US" dirty="0"/>
+          </a:p>
         </p:txBody>
       </p:sp>
       <p:sp>
@@ -5042,8 +9015,8 @@
           <a:lstStyle/>
           <a:p>
             <a:r>
-              <a:rPr lang="en-US" smtClean="0"/>
-              <a:t>©2015 EV3Lessons.com, Last edit 4/5/2015</a:t>
+              <a:rPr lang="en-US"/>
+              <a:t>© 2016 EV3Lessons.com, Last edit 7/06/2016</a:t>
             </a:r>
             <a:endParaRPr lang="en-US" dirty="0"/>
           </a:p>
@@ -5096,10 +9069,9 @@
           <a:lstStyle/>
           <a:p>
             <a:r>
-              <a:rPr lang="en-US" dirty="0" smtClean="0"/>
+              <a:rPr lang="en-US" dirty="0"/>
               <a:t>Robot lifting up hoops and driving forward.</a:t>
             </a:r>
-            <a:endParaRPr lang="en-US" dirty="0"/>
           </a:p>
         </p:txBody>
       </p:sp>
@@ -5629,7 +9601,7 @@
           <a:lstStyle/>
           <a:p>
             <a:r>
-              <a:rPr lang="en-US" smtClean="0"/>
+              <a:rPr lang="en-US"/>
               <a:t>How Do I Make a Parallel Beam?	</a:t>
             </a:r>
             <a:endParaRPr lang="en-US" dirty="0"/>
@@ -5652,8 +9624,8 @@
           <a:lstStyle/>
           <a:p>
             <a:r>
-              <a:rPr lang="en-US" smtClean="0"/>
-              <a:t>©2015 EV3Lessons.com, Last edit 4/5/2015</a:t>
+              <a:rPr lang="en-US"/>
+              <a:t>© 2016 EV3Lessons.com, Last edit 7/06/2016</a:t>
             </a:r>
             <a:endParaRPr lang="en-US" dirty="0"/>
           </a:p>
@@ -5834,12 +9806,8 @@
           <a:lstStyle/>
           <a:p>
             <a:r>
-              <a:rPr lang="en-US" dirty="0" smtClean="0"/>
-              <a:t>To </a:t>
-            </a:r>
-            <a:r>
               <a:rPr lang="en-US" dirty="0"/>
-              <a:t>create a parallel beam click and drag on the bump on the right center of any block and release once you hover over the inverted bump on the left center side on a block.</a:t>
+              <a:t>To create a parallel beam click and drag on the bump on the right center of any block and release once you hover over the inverted bump on the left center side on a block.</a:t>
             </a:r>
           </a:p>
           <a:p>
@@ -6116,10 +10084,9 @@
           </a:lstStyle>
           <a:p>
             <a:r>
-              <a:rPr lang="en-US" dirty="0" smtClean="0"/>
+              <a:rPr lang="en-US" dirty="0"/>
               <a:t>Note: Blocks before the split will run one at a time. After the split blocks on the two “beams” will run at the same time</a:t>
             </a:r>
-            <a:endParaRPr lang="en-US" dirty="0"/>
           </a:p>
         </p:txBody>
       </p:sp>
@@ -6133,13 +10100,6 @@
   <p:clrMapOvr>
     <a:masterClrMapping/>
   </p:clrMapOvr>
-  <p:timing>
-    <p:tnLst>
-      <p:par>
-        <p:cTn id="1" dur="indefinite" restart="never" nodeType="tmRoot"/>
-      </p:par>
-    </p:tnLst>
-  </p:timing>
 </p:sld>
 </file>
 
@@ -6178,7 +10138,7 @@
           <a:lstStyle/>
           <a:p>
             <a:r>
-              <a:rPr lang="en-US" smtClean="0"/>
+              <a:rPr lang="en-US"/>
               <a:t>Parallel Beams and My Blocks</a:t>
             </a:r>
             <a:endParaRPr lang="en-US" dirty="0"/>
@@ -6208,16 +10168,15 @@
           <a:lstStyle/>
           <a:p>
             <a:r>
-              <a:rPr lang="en-US" dirty="0" smtClean="0"/>
+              <a:rPr lang="en-US" dirty="0"/>
               <a:t>Here is a simple program that moves both wheels of our robot forward</a:t>
             </a:r>
           </a:p>
           <a:p>
             <a:r>
-              <a:rPr lang="en-US" dirty="0" smtClean="0"/>
+              <a:rPr lang="en-US" dirty="0"/>
               <a:t>If you run it, our robot moves forward by about 4 inches</a:t>
             </a:r>
-            <a:endParaRPr lang="en-US" dirty="0" smtClean="0"/>
           </a:p>
         </p:txBody>
       </p:sp>
@@ -6237,8 +10196,8 @@
           <a:lstStyle/>
           <a:p>
             <a:r>
-              <a:rPr lang="en-US" smtClean="0"/>
-              <a:t>©2015 EV3Lessons.com, Last edit 4/5/2015</a:t>
+              <a:rPr lang="en-US"/>
+              <a:t>© 2016 EV3Lessons.com, Last edit 7/06/2016</a:t>
             </a:r>
             <a:endParaRPr lang="en-US" dirty="0"/>
           </a:p>
@@ -6648,18 +10607,17 @@
           </a:lstStyle>
           <a:p>
             <a:r>
-              <a:rPr lang="en-US" dirty="0" smtClean="0"/>
+              <a:rPr lang="en-US" dirty="0"/>
               <a:t>To simplify it, we can make the below My Block (</a:t>
             </a:r>
             <a:r>
-              <a:rPr lang="en-US" dirty="0" err="1" smtClean="0"/>
+              <a:rPr lang="en-US" dirty="0" err="1"/>
               <a:t>Motor_Inches</a:t>
             </a:r>
             <a:r>
-              <a:rPr lang="en-US" dirty="0" smtClean="0"/>
+              <a:rPr lang="en-US" dirty="0"/>
               <a:t>) that moves the selected motor forward</a:t>
             </a:r>
-            <a:endParaRPr lang="en-US" dirty="0"/>
           </a:p>
         </p:txBody>
       </p:sp>
@@ -6673,13 +10631,6 @@
   <p:clrMapOvr>
     <a:masterClrMapping/>
   </p:clrMapOvr>
-  <p:timing>
-    <p:tnLst>
-      <p:par>
-        <p:cTn id="1" dur="indefinite" restart="never" nodeType="tmRoot"/>
-      </p:par>
-    </p:tnLst>
-  </p:timing>
 </p:sld>
 </file>
 
@@ -6718,7 +10669,7 @@
           <a:lstStyle/>
           <a:p>
             <a:r>
-              <a:rPr lang="en-US" smtClean="0"/>
+              <a:rPr lang="en-US"/>
               <a:t>Parallel Beams and My Blocks</a:t>
             </a:r>
             <a:endParaRPr lang="en-US" dirty="0"/>
@@ -6748,48 +10699,48 @@
           <a:lstStyle/>
           <a:p>
             <a:r>
-              <a:rPr lang="en-US" b="1" u="sng" smtClean="0"/>
+              <a:rPr lang="en-US" b="1" u="sng"/>
               <a:t>BE CAREFUL WHEN YOU USE PARALLEL BEAMS AND MY BLOCKS</a:t>
             </a:r>
-            <a:endParaRPr lang="en-US" smtClean="0"/>
-          </a:p>
-          <a:p>
-            <a:r>
-              <a:rPr lang="en-US" dirty="0" smtClean="0"/>
+            <a:endParaRPr lang="en-US"/>
+          </a:p>
+          <a:p>
+            <a:r>
+              <a:rPr lang="en-US" dirty="0"/>
               <a:t>Using the </a:t>
             </a:r>
             <a:r>
-              <a:rPr lang="en-US" dirty="0" err="1" smtClean="0"/>
+              <a:rPr lang="en-US" dirty="0" err="1"/>
               <a:t>Motor_Inches</a:t>
             </a:r>
             <a:r>
-              <a:rPr lang="en-US" dirty="0" smtClean="0"/>
+              <a:rPr lang="en-US" dirty="0"/>
               <a:t> My Block, we can convert the program on the bottom  left to the one on the bottom right</a:t>
             </a:r>
           </a:p>
           <a:p>
             <a:r>
-              <a:rPr lang="en-US" dirty="0" smtClean="0"/>
+              <a:rPr lang="en-US" dirty="0"/>
               <a:t>If you run the program, the robot does completely different things!!!!!</a:t>
             </a:r>
           </a:p>
           <a:p>
             <a:pPr lvl="1"/>
             <a:r>
-              <a:rPr lang="en-US" dirty="0" smtClean="0"/>
+              <a:rPr lang="en-US" dirty="0"/>
               <a:t>The code on the right moves one wheel 4 inches and then moves the other wheel 4 inches. This causes the robot to spin around in one direction then the other</a:t>
             </a:r>
           </a:p>
           <a:p>
             <a:pPr lvl="1"/>
             <a:r>
-              <a:rPr lang="en-US" dirty="0" smtClean="0"/>
+              <a:rPr lang="en-US" dirty="0"/>
               <a:t>The code on the left moves both wheels 4 inches at the same time. This makes the robot move forward.</a:t>
             </a:r>
           </a:p>
           <a:p>
             <a:r>
-              <a:rPr lang="en-US" b="1" dirty="0" smtClean="0">
+              <a:rPr lang="en-US" b="1" dirty="0">
                 <a:solidFill>
                   <a:srgbClr val="FF0000"/>
                 </a:solidFill>
@@ -6818,8 +10769,8 @@
           <a:lstStyle/>
           <a:p>
             <a:r>
-              <a:rPr lang="en-US" smtClean="0"/>
-              <a:t>©2015 EV3Lessons.com, Last edit 4/5/2015</a:t>
+              <a:rPr lang="en-US"/>
+              <a:t>© 2016 EV3Lessons.com, Last edit 7/06/2016</a:t>
             </a:r>
             <a:endParaRPr lang="en-US" dirty="0"/>
           </a:p>
@@ -6949,13 +10900,6 @@
   <p:clrMapOvr>
     <a:masterClrMapping/>
   </p:clrMapOvr>
-  <p:timing>
-    <p:tnLst>
-      <p:par>
-        <p:cTn id="1" dur="indefinite" restart="never" nodeType="tmRoot"/>
-      </p:par>
-    </p:tnLst>
-  </p:timing>
 </p:sld>
 </file>
 
@@ -6992,10 +10936,9 @@
           <a:lstStyle/>
           <a:p>
             <a:r>
-              <a:rPr lang="en-US" dirty="0" smtClean="0"/>
+              <a:rPr lang="en-US" dirty="0"/>
               <a:t>Challenge</a:t>
             </a:r>
-            <a:endParaRPr lang="en-US" dirty="0"/>
           </a:p>
         </p:txBody>
       </p:sp>
@@ -7020,18 +10963,13 @@
           <a:lstStyle/>
           <a:p>
             <a:r>
-              <a:rPr lang="en-US" dirty="0" smtClean="0">
+              <a:rPr lang="en-US" dirty="0">
                 <a:solidFill>
                   <a:srgbClr val="FF0000"/>
                 </a:solidFill>
               </a:rPr>
               <a:t>Can you write a program that uses parallel beams that have to move and pick up an object at the same time?</a:t>
             </a:r>
-            <a:endParaRPr lang="en-US" dirty="0">
-              <a:solidFill>
-                <a:srgbClr val="FF0000"/>
-              </a:solidFill>
-            </a:endParaRPr>
           </a:p>
         </p:txBody>
       </p:sp>
@@ -7051,10 +10989,9 @@
           <a:lstStyle/>
           <a:p>
             <a:r>
-              <a:rPr lang="en-US" smtClean="0"/>
-              <a:t>©2015 EV3Lessons.com, Last edit 4/5/2015</a:t>
-            </a:r>
-            <a:endParaRPr lang="en-US"/>
+              <a:rPr lang="en-US"/>
+              <a:t>© 2016 EV3Lessons.com, Last edit 7/06/2016</a:t>
+            </a:r>
           </a:p>
         </p:txBody>
       </p:sp>
@@ -7607,7 +11544,7 @@
           <a:lstStyle/>
           <a:p>
             <a:r>
-              <a:rPr lang="en-US" smtClean="0"/>
+              <a:rPr lang="en-US"/>
               <a:t>Credits</a:t>
             </a:r>
             <a:endParaRPr lang="en-US" dirty="0"/>
@@ -7630,43 +11567,15 @@
           <a:lstStyle/>
           <a:p>
             <a:r>
-              <a:rPr lang="en-US" dirty="0" smtClean="0"/>
-              <a:t>This tutorial was created by Sanjay </a:t>
-            </a:r>
-            <a:r>
-              <a:rPr lang="en-US" dirty="0" err="1" smtClean="0"/>
-              <a:t>Seshan</a:t>
-            </a:r>
-            <a:r>
-              <a:rPr lang="en-US" dirty="0" smtClean="0"/>
-              <a:t> and Arvind </a:t>
-            </a:r>
-            <a:r>
-              <a:rPr lang="en-US" dirty="0" err="1" smtClean="0"/>
-              <a:t>Seshan</a:t>
-            </a:r>
-            <a:r>
-              <a:rPr lang="en-US" dirty="0" smtClean="0"/>
-              <a:t> from Droids Robotics.</a:t>
-            </a:r>
-          </a:p>
-          <a:p>
-            <a:r>
-              <a:rPr lang="en-US" dirty="0" smtClean="0"/>
-              <a:t>Author’s Email: </a:t>
-            </a:r>
-            <a:r>
-              <a:rPr lang="en-US" dirty="0" err="1" smtClean="0"/>
-              <a:t>team@droidsrobotics.org</a:t>
-            </a:r>
-            <a:endParaRPr lang="en-US" dirty="0" smtClean="0"/>
-          </a:p>
-          <a:p>
-            <a:r>
-              <a:rPr lang="en-US" dirty="0" smtClean="0"/>
+              <a:rPr lang="en-US" dirty="0"/>
+              <a:t>This tutorial was created by Sanjay Seshan and Arvind Seshan </a:t>
+            </a:r>
+          </a:p>
+          <a:p>
+            <a:r>
+              <a:rPr lang="en-US" dirty="0"/>
               <a:t>More lessons at www.ev3lessons.com</a:t>
             </a:r>
-            <a:endParaRPr lang="en-US" dirty="0"/>
           </a:p>
         </p:txBody>
       </p:sp>
@@ -7686,10 +11595,9 @@
           <a:lstStyle/>
           <a:p>
             <a:r>
-              <a:rPr lang="en-US" smtClean="0"/>
-              <a:t>©2015 EV3Lessons.com, Last edit 4/5/2015</a:t>
-            </a:r>
-            <a:endParaRPr lang="en-US"/>
+              <a:rPr lang="en-US"/>
+              <a:t>© 2016 EV3Lessons.com, Last edit 7/06/2016</a:t>
+            </a:r>
           </a:p>
         </p:txBody>
       </p:sp>
@@ -7742,7 +11650,7 @@
           <a:effectLst/>
           <a:extLst>
             <a:ext uri="{91240B29-F687-4f45-9708-019B960494DF}">
-              <a14:hiddenLine xmlns:a14="http://schemas.microsoft.com/office/drawing/2010/main" xmlns="" w="9525">
+              <a14:hiddenLine xmlns="" xmlns:a14="http://schemas.microsoft.com/office/drawing/2010/main" w="9525">
                 <a:solidFill>
                   <a:schemeClr val="tx1"/>
                 </a:solidFill>
@@ -7752,7 +11660,7 @@
               </a14:hiddenLine>
             </a:ext>
             <a:ext uri="{AF507438-7753-43e0-B8FC-AC1667EBCBE1}">
-              <a14:hiddenEffects xmlns:a14="http://schemas.microsoft.com/office/drawing/2010/main" xmlns="">
+              <a14:hiddenEffects xmlns="" xmlns:a14="http://schemas.microsoft.com/office/drawing/2010/main">
                 <a:effectLst>
                   <a:outerShdw dist="35921" dir="2700000" algn="ctr" rotWithShape="0">
                     <a:schemeClr val="bg2"/>
@@ -7915,7 +11823,7 @@
               <a:tabLst/>
             </a:pPr>
             <a:r>
-              <a:rPr kumimoji="0" lang="en-US" altLang="en-US" sz="2000" b="0" i="0" u="none" strike="noStrike" cap="none" normalizeH="0" baseline="0" dirty="0" smtClean="0">
+              <a:rPr kumimoji="0" lang="en-US" altLang="en-US" sz="2000" b="0" i="0" u="none" strike="noStrike" cap="none" normalizeH="0" baseline="0" dirty="0">
                 <a:ln>
                   <a:noFill/>
                 </a:ln>
@@ -7927,20 +11835,8 @@
               </a:rPr>
               <a:t>                         </a:t>
             </a:r>
-            <a:r>
-              <a:rPr kumimoji="0" lang="en-US" altLang="en-US" sz="1600" b="0" i="0" u="none" strike="noStrike" cap="none" normalizeH="0" baseline="0" dirty="0" smtClean="0">
-                <a:ln>
-                  <a:noFill/>
-                </a:ln>
-                <a:solidFill>
-                  <a:schemeClr val="tx1"/>
-                </a:solidFill>
-                <a:effectLst/>
-              </a:rPr>
-              <a:t/>
-            </a:r>
             <a:br>
-              <a:rPr kumimoji="0" lang="en-US" altLang="en-US" sz="1600" b="0" i="0" u="none" strike="noStrike" cap="none" normalizeH="0" baseline="0" dirty="0" smtClean="0">
+              <a:rPr kumimoji="0" lang="en-US" altLang="en-US" sz="1600" b="0" i="0" u="none" strike="noStrike" cap="none" normalizeH="0" baseline="0" dirty="0">
                 <a:ln>
                   <a:noFill/>
                 </a:ln>
@@ -7951,7 +11847,7 @@
               </a:rPr>
             </a:br>
             <a:r>
-              <a:rPr kumimoji="0" lang="en-US" altLang="en-US" sz="2000" b="0" i="0" u="none" strike="noStrike" cap="none" normalizeH="0" baseline="0" dirty="0" smtClean="0">
+              <a:rPr kumimoji="0" lang="en-US" altLang="en-US" sz="2000" b="0" i="0" u="none" strike="noStrike" cap="none" normalizeH="0" baseline="0" dirty="0">
                 <a:ln>
                   <a:noFill/>
                 </a:ln>
@@ -7964,7 +11860,7 @@
               <a:t>This work is licensed under a </a:t>
             </a:r>
             <a:r>
-              <a:rPr kumimoji="0" lang="en-US" altLang="en-US" sz="2000" b="0" i="0" u="none" strike="noStrike" cap="none" normalizeH="0" baseline="0" dirty="0" smtClean="0">
+              <a:rPr kumimoji="0" lang="en-US" altLang="en-US" sz="2000" b="0" i="0" u="none" strike="noStrike" cap="none" normalizeH="0" baseline="0" dirty="0">
                 <a:ln>
                   <a:noFill/>
                 </a:ln>
@@ -7978,7 +11874,7 @@
               <a:t>Creative Commons Attribution-</a:t>
             </a:r>
             <a:r>
-              <a:rPr kumimoji="0" lang="en-US" altLang="en-US" sz="2000" b="0" i="0" u="none" strike="noStrike" cap="none" normalizeH="0" baseline="0" dirty="0" err="1" smtClean="0">
+              <a:rPr kumimoji="0" lang="en-US" altLang="en-US" sz="2000" b="0" i="0" u="none" strike="noStrike" cap="none" normalizeH="0" baseline="0" dirty="0" err="1">
                 <a:ln>
                   <a:noFill/>
                 </a:ln>
@@ -7992,7 +11888,7 @@
               <a:t>NonCommercial</a:t>
             </a:r>
             <a:r>
-              <a:rPr kumimoji="0" lang="en-US" altLang="en-US" sz="2000" b="0" i="0" u="none" strike="noStrike" cap="none" normalizeH="0" baseline="0" dirty="0" smtClean="0">
+              <a:rPr kumimoji="0" lang="en-US" altLang="en-US" sz="2000" b="0" i="0" u="none" strike="noStrike" cap="none" normalizeH="0" baseline="0" dirty="0">
                 <a:ln>
                   <a:noFill/>
                 </a:ln>
@@ -8006,7 +11902,7 @@
               <a:t>-</a:t>
             </a:r>
             <a:r>
-              <a:rPr kumimoji="0" lang="en-US" altLang="en-US" sz="2000" b="0" i="0" u="none" strike="noStrike" cap="none" normalizeH="0" baseline="0" dirty="0" err="1" smtClean="0">
+              <a:rPr kumimoji="0" lang="en-US" altLang="en-US" sz="2000" b="0" i="0" u="none" strike="noStrike" cap="none" normalizeH="0" baseline="0" dirty="0" err="1">
                 <a:ln>
                   <a:noFill/>
                 </a:ln>
@@ -8020,7 +11916,7 @@
               <a:t>ShareAlike</a:t>
             </a:r>
             <a:r>
-              <a:rPr kumimoji="0" lang="en-US" altLang="en-US" sz="2000" b="0" i="0" u="none" strike="noStrike" cap="none" normalizeH="0" baseline="0" dirty="0" smtClean="0">
+              <a:rPr kumimoji="0" lang="en-US" altLang="en-US" sz="2000" b="0" i="0" u="none" strike="noStrike" cap="none" normalizeH="0" baseline="0" dirty="0">
                 <a:ln>
                   <a:noFill/>
                 </a:ln>
@@ -8034,7 +11930,7 @@
               <a:t> 4.0 International License</a:t>
             </a:r>
             <a:r>
-              <a:rPr kumimoji="0" lang="en-US" altLang="en-US" sz="2000" b="0" i="0" u="none" strike="noStrike" cap="none" normalizeH="0" baseline="0" dirty="0" smtClean="0">
+              <a:rPr kumimoji="0" lang="en-US" altLang="en-US" sz="2000" b="0" i="0" u="none" strike="noStrike" cap="none" normalizeH="0" baseline="0" dirty="0">
                 <a:ln>
                   <a:noFill/>
                 </a:ln>
@@ -8047,7 +11943,7 @@
               <a:t>.</a:t>
             </a:r>
             <a:r>
-              <a:rPr kumimoji="0" lang="en-US" altLang="en-US" sz="1600" b="0" i="0" u="none" strike="noStrike" cap="none" normalizeH="0" baseline="0" dirty="0" smtClean="0">
+              <a:rPr kumimoji="0" lang="en-US" altLang="en-US" sz="1600" b="0" i="0" u="none" strike="noStrike" cap="none" normalizeH="0" baseline="0" dirty="0">
                 <a:ln>
                   <a:noFill/>
                 </a:ln>
@@ -8058,7 +11954,7 @@
               </a:rPr>
               <a:t> </a:t>
             </a:r>
-            <a:endParaRPr kumimoji="0" lang="en-US" altLang="en-US" sz="2000" b="0" i="0" u="none" strike="noStrike" cap="none" normalizeH="0" baseline="0" dirty="0" smtClean="0">
+            <a:endParaRPr kumimoji="0" lang="en-US" altLang="en-US" sz="2000" b="0" i="0" u="none" strike="noStrike" cap="none" normalizeH="0" baseline="0" dirty="0">
               <a:ln>
                 <a:noFill/>
               </a:ln>
@@ -8105,7 +12001,7 @@
           <a:noFill/>
           <a:extLst>
             <a:ext uri="{909E8E84-426E-40dd-AFC4-6F175D3DCCD1}">
-              <a14:hiddenFill xmlns:a14="http://schemas.microsoft.com/office/drawing/2010/main" xmlns="">
+              <a14:hiddenFill xmlns="" xmlns:a14="http://schemas.microsoft.com/office/drawing/2010/main">
                 <a:solidFill>
                   <a:srgbClr val="FFFFFF"/>
                 </a:solidFill>
@@ -8124,21 +12020,6 @@
   <p:clrMapOvr>
     <a:masterClrMapping/>
   </p:clrMapOvr>
-  <mc:AlternateContent xmlns:mc="http://schemas.openxmlformats.org/markup-compatibility/2006" xmlns:p14="http://schemas.microsoft.com/office/powerpoint/2010/main">
-    <mc:Choice Requires="p14">
-      <p:transition spd="slow" p14:dur="2000"/>
-    </mc:Choice>
-    <mc:Fallback xmlns="">
-      <p:transition xmlns:p14="http://schemas.microsoft.com/office/powerpoint/2010/main" spd="slow"/>
-    </mc:Fallback>
-  </mc:AlternateContent>
-  <p:timing>
-    <p:tnLst>
-      <p:par>
-        <p:cTn id="1" dur="indefinite" restart="never" nodeType="tmRoot"/>
-      </p:par>
-    </p:tnLst>
-  </p:timing>
 </p:sld>
 </file>
 
@@ -8426,9 +12307,9 @@
 </file>
 
 <file path=ppt/theme/theme2.xml><?xml version="1.0" encoding="utf-8"?>
-<a:theme xmlns:a="http://schemas.openxmlformats.org/drawingml/2006/main" name="Office Theme">
+<a:theme xmlns:a="http://schemas.openxmlformats.org/drawingml/2006/main" name="intermediatev2">
   <a:themeElements>
-    <a:clrScheme name="Office">
+    <a:clrScheme name="Blue II">
       <a:dk1>
         <a:sysClr val="windowText" lastClr="000000"/>
       </a:dk1>
@@ -8436,39 +12317,39 @@
         <a:sysClr val="window" lastClr="FFFFFF"/>
       </a:lt1>
       <a:dk2>
-        <a:srgbClr val="1F497D"/>
+        <a:srgbClr val="335B74"/>
       </a:dk2>
       <a:lt2>
-        <a:srgbClr val="EEECE1"/>
+        <a:srgbClr val="DFE3E5"/>
       </a:lt2>
       <a:accent1>
-        <a:srgbClr val="4F81BD"/>
+        <a:srgbClr val="1CADE4"/>
       </a:accent1>
       <a:accent2>
-        <a:srgbClr val="C0504D"/>
+        <a:srgbClr val="2683C6"/>
       </a:accent2>
       <a:accent3>
-        <a:srgbClr val="9BBB59"/>
+        <a:srgbClr val="27CED7"/>
       </a:accent3>
       <a:accent4>
-        <a:srgbClr val="8064A2"/>
+        <a:srgbClr val="42BA97"/>
       </a:accent4>
       <a:accent5>
-        <a:srgbClr val="4BACC6"/>
+        <a:srgbClr val="3E8853"/>
       </a:accent5>
       <a:accent6>
-        <a:srgbClr val="F79646"/>
+        <a:srgbClr val="62A39F"/>
       </a:accent6>
       <a:hlink>
-        <a:srgbClr val="0000FF"/>
+        <a:srgbClr val="6EAC1C"/>
       </a:hlink>
       <a:folHlink>
-        <a:srgbClr val="800080"/>
+        <a:srgbClr val="B26B02"/>
       </a:folHlink>
     </a:clrScheme>
-    <a:fontScheme name="Office">
+    <a:fontScheme name="Retrospect">
       <a:majorFont>
-        <a:latin typeface="Calibri"/>
+        <a:latin typeface="Calibri Light" panose="020F0302020204030204"/>
         <a:ea typeface=""/>
         <a:cs typeface=""/>
         <a:font script="Jpan" typeface="ＭＳ Ｐゴシック"/>
@@ -8503,7 +12384,7 @@
         <a:font script="Geor" typeface="Sylfaen"/>
       </a:majorFont>
       <a:minorFont>
-        <a:latin typeface="Calibri"/>
+        <a:latin typeface="Calibri" panose="020F0502020204030204"/>
         <a:ea typeface=""/>
         <a:cs typeface=""/>
         <a:font script="Jpan" typeface="ＭＳ Ｐゴシック"/>
@@ -8538,7 +12419,7 @@
         <a:font script="Geor" typeface="Sylfaen"/>
       </a:minorFont>
     </a:fontScheme>
-    <a:fmtScheme name="Office">
+    <a:fmtScheme name="Retrospect">
       <a:fillStyleLst>
         <a:solidFill>
           <a:schemeClr val="phClr"/>
@@ -8547,52 +12428,73 @@
           <a:gsLst>
             <a:gs pos="0">
               <a:schemeClr val="phClr">
-                <a:tint val="50000"/>
-                <a:satMod val="300000"/>
+                <a:tint val="65000"/>
+                <a:shade val="92000"/>
+                <a:satMod val="130000"/>
               </a:schemeClr>
             </a:gs>
-            <a:gs pos="35000">
+            <a:gs pos="45000">
               <a:schemeClr val="phClr">
-                <a:tint val="37000"/>
-                <a:satMod val="300000"/>
+                <a:tint val="60000"/>
+                <a:shade val="99000"/>
+                <a:satMod val="120000"/>
               </a:schemeClr>
             </a:gs>
             <a:gs pos="100000">
               <a:schemeClr val="phClr">
-                <a:tint val="15000"/>
-                <a:satMod val="350000"/>
+                <a:tint val="55000"/>
+                <a:satMod val="140000"/>
               </a:schemeClr>
             </a:gs>
           </a:gsLst>
-          <a:lin ang="16200000" scaled="1"/>
+          <a:path path="circle">
+            <a:fillToRect l="100000" t="100000" r="100000" b="100000"/>
+          </a:path>
         </a:gradFill>
         <a:gradFill rotWithShape="1">
           <a:gsLst>
             <a:gs pos="0">
               <a:schemeClr val="phClr">
+                <a:shade val="85000"/>
+                <a:satMod val="130000"/>
+              </a:schemeClr>
+            </a:gs>
+            <a:gs pos="34000">
+              <a:schemeClr val="phClr">
+                <a:shade val="87000"/>
+                <a:satMod val="125000"/>
+              </a:schemeClr>
+            </a:gs>
+            <a:gs pos="70000">
+              <a:schemeClr val="phClr">
                 <a:tint val="100000"/>
-                <a:shade val="100000"/>
+                <a:shade val="90000"/>
                 <a:satMod val="130000"/>
               </a:schemeClr>
             </a:gs>
             <a:gs pos="100000">
               <a:schemeClr val="phClr">
-                <a:tint val="50000"/>
+                <a:tint val="100000"/>
                 <a:shade val="100000"/>
-                <a:satMod val="350000"/>
+                <a:satMod val="110000"/>
               </a:schemeClr>
             </a:gs>
           </a:gsLst>
-          <a:lin ang="16200000" scaled="0"/>
+          <a:path path="circle">
+            <a:fillToRect l="100000" t="100000" r="100000" b="100000"/>
+          </a:path>
         </a:gradFill>
       </a:fillStyleLst>
       <a:lnStyleLst>
-        <a:ln w="9525" cap="flat" cmpd="sng" algn="ctr">
+        <a:ln w="12700" cap="flat" cmpd="sng" algn="ctr">
           <a:solidFill>
-            <a:schemeClr val="phClr">
-              <a:shade val="95000"/>
-              <a:satMod val="105000"/>
-            </a:schemeClr>
+            <a:schemeClr val="phClr"/>
+          </a:solidFill>
+          <a:prstDash val="solid"/>
+        </a:ln>
+        <a:ln w="15875" cap="flat" cmpd="sng" algn="ctr">
+          <a:solidFill>
+            <a:schemeClr val="phClr"/>
           </a:solidFill>
           <a:prstDash val="solid"/>
         </a:ln>
@@ -8602,37 +12504,25 @@
           </a:solidFill>
           <a:prstDash val="solid"/>
         </a:ln>
-        <a:ln w="38100" cap="flat" cmpd="sng" algn="ctr">
-          <a:solidFill>
-            <a:schemeClr val="phClr"/>
-          </a:solidFill>
-          <a:prstDash val="solid"/>
-        </a:ln>
       </a:lnStyleLst>
       <a:effectStyleLst>
         <a:effectStyle>
+          <a:effectLst/>
+        </a:effectStyle>
+        <a:effectStyle>
           <a:effectLst>
-            <a:outerShdw blurRad="40000" dist="20000" dir="5400000" rotWithShape="0">
+            <a:outerShdw blurRad="38100" dist="25400" dir="2700000" algn="br" rotWithShape="0">
               <a:srgbClr val="000000">
-                <a:alpha val="38000"/>
+                <a:alpha val="60000"/>
               </a:srgbClr>
             </a:outerShdw>
           </a:effectLst>
         </a:effectStyle>
         <a:effectStyle>
           <a:effectLst>
-            <a:outerShdw blurRad="40000" dist="23000" dir="5400000" rotWithShape="0">
+            <a:outerShdw blurRad="44450" dist="25400" dir="2700000" algn="br" rotWithShape="0">
               <a:srgbClr val="000000">
-                <a:alpha val="35000"/>
-              </a:srgbClr>
-            </a:outerShdw>
-          </a:effectLst>
-        </a:effectStyle>
-        <a:effectStyle>
-          <a:effectLst>
-            <a:outerShdw blurRad="40000" dist="23000" dir="5400000" rotWithShape="0">
-              <a:srgbClr val="000000">
-                <a:alpha val="35000"/>
+                <a:alpha val="60000"/>
               </a:srgbClr>
             </a:outerShdw>
           </a:effectLst>
@@ -8641,11 +12531,11 @@
               <a:rot lat="0" lon="0" rev="0"/>
             </a:camera>
             <a:lightRig rig="threePt" dir="t">
-              <a:rot lat="0" lon="0" rev="1200000"/>
+              <a:rot lat="0" lon="0" rev="19800000"/>
             </a:lightRig>
           </a:scene3d>
-          <a:sp3d>
-            <a:bevelT w="63500" h="25400"/>
+          <a:sp3d prstMaterial="flat">
+            <a:bevelT w="25400" h="31750"/>
           </a:sp3d>
         </a:effectStyle>
       </a:effectStyleLst>
@@ -8653,95 +12543,49 @@
         <a:solidFill>
           <a:schemeClr val="phClr"/>
         </a:solidFill>
+        <a:solidFill>
+          <a:schemeClr val="phClr">
+            <a:tint val="90000"/>
+            <a:shade val="97000"/>
+            <a:satMod val="130000"/>
+          </a:schemeClr>
+        </a:solidFill>
         <a:gradFill rotWithShape="1">
           <a:gsLst>
             <a:gs pos="0">
               <a:schemeClr val="phClr">
-                <a:tint val="40000"/>
-                <a:satMod val="350000"/>
+                <a:tint val="96000"/>
+                <a:shade val="99000"/>
+                <a:satMod val="140000"/>
               </a:schemeClr>
             </a:gs>
-            <a:gs pos="40000">
+            <a:gs pos="65000">
               <a:schemeClr val="phClr">
-                <a:tint val="45000"/>
-                <a:shade val="99000"/>
-                <a:satMod val="350000"/>
+                <a:tint val="100000"/>
+                <a:shade val="80000"/>
+                <a:satMod val="130000"/>
               </a:schemeClr>
             </a:gs>
             <a:gs pos="100000">
               <a:schemeClr val="phClr">
-                <a:shade val="20000"/>
-                <a:satMod val="255000"/>
+                <a:tint val="100000"/>
+                <a:shade val="48000"/>
+                <a:satMod val="120000"/>
               </a:schemeClr>
             </a:gs>
           </a:gsLst>
-          <a:path path="circle">
-            <a:fillToRect l="50000" t="-80000" r="50000" b="180000"/>
-          </a:path>
-        </a:gradFill>
-        <a:gradFill rotWithShape="1">
-          <a:gsLst>
-            <a:gs pos="0">
-              <a:schemeClr val="phClr">
-                <a:tint val="80000"/>
-                <a:satMod val="300000"/>
-              </a:schemeClr>
-            </a:gs>
-            <a:gs pos="100000">
-              <a:schemeClr val="phClr">
-                <a:shade val="30000"/>
-                <a:satMod val="200000"/>
-              </a:schemeClr>
-            </a:gs>
-          </a:gsLst>
-          <a:path path="circle">
-            <a:fillToRect l="50000" t="50000" r="50000" b="50000"/>
-          </a:path>
+          <a:lin ang="16200000" scaled="0"/>
         </a:gradFill>
       </a:bgFillStyleLst>
     </a:fmtScheme>
   </a:themeElements>
-  <a:objectDefaults>
-    <a:spDef>
-      <a:spPr/>
-      <a:bodyPr/>
-      <a:lstStyle/>
-      <a:style>
-        <a:lnRef idx="1">
-          <a:schemeClr val="accent1"/>
-        </a:lnRef>
-        <a:fillRef idx="3">
-          <a:schemeClr val="accent1"/>
-        </a:fillRef>
-        <a:effectRef idx="2">
-          <a:schemeClr val="accent1"/>
-        </a:effectRef>
-        <a:fontRef idx="minor">
-          <a:schemeClr val="lt1"/>
-        </a:fontRef>
-      </a:style>
-    </a:spDef>
-    <a:lnDef>
-      <a:spPr/>
-      <a:bodyPr/>
-      <a:lstStyle/>
-      <a:style>
-        <a:lnRef idx="2">
-          <a:schemeClr val="accent1"/>
-        </a:lnRef>
-        <a:fillRef idx="0">
-          <a:schemeClr val="accent1"/>
-        </a:fillRef>
-        <a:effectRef idx="1">
-          <a:schemeClr val="accent1"/>
-        </a:effectRef>
-        <a:fontRef idx="minor">
-          <a:schemeClr val="tx1"/>
-        </a:fontRef>
-      </a:style>
-    </a:lnDef>
-  </a:objectDefaults>
+  <a:objectDefaults/>
   <a:extraClrSchemeLst/>
+  <a:extLst>
+    <a:ext uri="{05A4C25C-085E-4340-85A3-A5531E510DB2}">
+      <thm15:themeFamily xmlns:thm15="http://schemas.microsoft.com/office/thememl/2012/main" name="intermediatev2" id="{63F5E447-E8B5-4335-8726-12777BA731C5}" vid="{7C754D33-5435-4000-AB94-F54A58B2A981}"/>
+    </a:ext>
+  </a:extLst>
 </a:theme>
 </file>
 
@@ -9063,4 +12907,324 @@
   </a:objectDefaults>
   <a:extraClrSchemeLst/>
 </a:theme>
+</file>
+
+<file path=ppt/theme/theme4.xml><?xml version="1.0" encoding="utf-8"?>
+<a:theme xmlns:a="http://schemas.openxmlformats.org/drawingml/2006/main" name="Office Theme">
+  <a:themeElements>
+    <a:clrScheme name="Office">
+      <a:dk1>
+        <a:sysClr val="windowText" lastClr="000000"/>
+      </a:dk1>
+      <a:lt1>
+        <a:sysClr val="window" lastClr="FFFFFF"/>
+      </a:lt1>
+      <a:dk2>
+        <a:srgbClr val="1F497D"/>
+      </a:dk2>
+      <a:lt2>
+        <a:srgbClr val="EEECE1"/>
+      </a:lt2>
+      <a:accent1>
+        <a:srgbClr val="4F81BD"/>
+      </a:accent1>
+      <a:accent2>
+        <a:srgbClr val="C0504D"/>
+      </a:accent2>
+      <a:accent3>
+        <a:srgbClr val="9BBB59"/>
+      </a:accent3>
+      <a:accent4>
+        <a:srgbClr val="8064A2"/>
+      </a:accent4>
+      <a:accent5>
+        <a:srgbClr val="4BACC6"/>
+      </a:accent5>
+      <a:accent6>
+        <a:srgbClr val="F79646"/>
+      </a:accent6>
+      <a:hlink>
+        <a:srgbClr val="0000FF"/>
+      </a:hlink>
+      <a:folHlink>
+        <a:srgbClr val="800080"/>
+      </a:folHlink>
+    </a:clrScheme>
+    <a:fontScheme name="Office">
+      <a:majorFont>
+        <a:latin typeface="Calibri"/>
+        <a:ea typeface=""/>
+        <a:cs typeface=""/>
+        <a:font script="Jpan" typeface="ＭＳ Ｐゴシック"/>
+        <a:font script="Hang" typeface="맑은 고딕"/>
+        <a:font script="Hans" typeface="宋体"/>
+        <a:font script="Hant" typeface="新細明體"/>
+        <a:font script="Arab" typeface="Times New Roman"/>
+        <a:font script="Hebr" typeface="Times New Roman"/>
+        <a:font script="Thai" typeface="Angsana New"/>
+        <a:font script="Ethi" typeface="Nyala"/>
+        <a:font script="Beng" typeface="Vrinda"/>
+        <a:font script="Gujr" typeface="Shruti"/>
+        <a:font script="Khmr" typeface="MoolBoran"/>
+        <a:font script="Knda" typeface="Tunga"/>
+        <a:font script="Guru" typeface="Raavi"/>
+        <a:font script="Cans" typeface="Euphemia"/>
+        <a:font script="Cher" typeface="Plantagenet Cherokee"/>
+        <a:font script="Yiii" typeface="Microsoft Yi Baiti"/>
+        <a:font script="Tibt" typeface="Microsoft Himalaya"/>
+        <a:font script="Thaa" typeface="MV Boli"/>
+        <a:font script="Deva" typeface="Mangal"/>
+        <a:font script="Telu" typeface="Gautami"/>
+        <a:font script="Taml" typeface="Latha"/>
+        <a:font script="Syrc" typeface="Estrangelo Edessa"/>
+        <a:font script="Orya" typeface="Kalinga"/>
+        <a:font script="Mlym" typeface="Kartika"/>
+        <a:font script="Laoo" typeface="DokChampa"/>
+        <a:font script="Sinh" typeface="Iskoola Pota"/>
+        <a:font script="Mong" typeface="Mongolian Baiti"/>
+        <a:font script="Viet" typeface="Times New Roman"/>
+        <a:font script="Uigh" typeface="Microsoft Uighur"/>
+        <a:font script="Geor" typeface="Sylfaen"/>
+      </a:majorFont>
+      <a:minorFont>
+        <a:latin typeface="Calibri"/>
+        <a:ea typeface=""/>
+        <a:cs typeface=""/>
+        <a:font script="Jpan" typeface="ＭＳ Ｐゴシック"/>
+        <a:font script="Hang" typeface="맑은 고딕"/>
+        <a:font script="Hans" typeface="宋体"/>
+        <a:font script="Hant" typeface="新細明體"/>
+        <a:font script="Arab" typeface="Arial"/>
+        <a:font script="Hebr" typeface="Arial"/>
+        <a:font script="Thai" typeface="Cordia New"/>
+        <a:font script="Ethi" typeface="Nyala"/>
+        <a:font script="Beng" typeface="Vrinda"/>
+        <a:font script="Gujr" typeface="Shruti"/>
+        <a:font script="Khmr" typeface="DaunPenh"/>
+        <a:font script="Knda" typeface="Tunga"/>
+        <a:font script="Guru" typeface="Raavi"/>
+        <a:font script="Cans" typeface="Euphemia"/>
+        <a:font script="Cher" typeface="Plantagenet Cherokee"/>
+        <a:font script="Yiii" typeface="Microsoft Yi Baiti"/>
+        <a:font script="Tibt" typeface="Microsoft Himalaya"/>
+        <a:font script="Thaa" typeface="MV Boli"/>
+        <a:font script="Deva" typeface="Mangal"/>
+        <a:font script="Telu" typeface="Gautami"/>
+        <a:font script="Taml" typeface="Latha"/>
+        <a:font script="Syrc" typeface="Estrangelo Edessa"/>
+        <a:font script="Orya" typeface="Kalinga"/>
+        <a:font script="Mlym" typeface="Kartika"/>
+        <a:font script="Laoo" typeface="DokChampa"/>
+        <a:font script="Sinh" typeface="Iskoola Pota"/>
+        <a:font script="Mong" typeface="Mongolian Baiti"/>
+        <a:font script="Viet" typeface="Arial"/>
+        <a:font script="Uigh" typeface="Microsoft Uighur"/>
+        <a:font script="Geor" typeface="Sylfaen"/>
+      </a:minorFont>
+    </a:fontScheme>
+    <a:fmtScheme name="Office">
+      <a:fillStyleLst>
+        <a:solidFill>
+          <a:schemeClr val="phClr"/>
+        </a:solidFill>
+        <a:gradFill rotWithShape="1">
+          <a:gsLst>
+            <a:gs pos="0">
+              <a:schemeClr val="phClr">
+                <a:tint val="50000"/>
+                <a:satMod val="300000"/>
+              </a:schemeClr>
+            </a:gs>
+            <a:gs pos="35000">
+              <a:schemeClr val="phClr">
+                <a:tint val="37000"/>
+                <a:satMod val="300000"/>
+              </a:schemeClr>
+            </a:gs>
+            <a:gs pos="100000">
+              <a:schemeClr val="phClr">
+                <a:tint val="15000"/>
+                <a:satMod val="350000"/>
+              </a:schemeClr>
+            </a:gs>
+          </a:gsLst>
+          <a:lin ang="16200000" scaled="1"/>
+        </a:gradFill>
+        <a:gradFill rotWithShape="1">
+          <a:gsLst>
+            <a:gs pos="0">
+              <a:schemeClr val="phClr">
+                <a:tint val="100000"/>
+                <a:shade val="100000"/>
+                <a:satMod val="130000"/>
+              </a:schemeClr>
+            </a:gs>
+            <a:gs pos="100000">
+              <a:schemeClr val="phClr">
+                <a:tint val="50000"/>
+                <a:shade val="100000"/>
+                <a:satMod val="350000"/>
+              </a:schemeClr>
+            </a:gs>
+          </a:gsLst>
+          <a:lin ang="16200000" scaled="0"/>
+        </a:gradFill>
+      </a:fillStyleLst>
+      <a:lnStyleLst>
+        <a:ln w="9525" cap="flat" cmpd="sng" algn="ctr">
+          <a:solidFill>
+            <a:schemeClr val="phClr">
+              <a:shade val="95000"/>
+              <a:satMod val="105000"/>
+            </a:schemeClr>
+          </a:solidFill>
+          <a:prstDash val="solid"/>
+        </a:ln>
+        <a:ln w="25400" cap="flat" cmpd="sng" algn="ctr">
+          <a:solidFill>
+            <a:schemeClr val="phClr"/>
+          </a:solidFill>
+          <a:prstDash val="solid"/>
+        </a:ln>
+        <a:ln w="38100" cap="flat" cmpd="sng" algn="ctr">
+          <a:solidFill>
+            <a:schemeClr val="phClr"/>
+          </a:solidFill>
+          <a:prstDash val="solid"/>
+        </a:ln>
+      </a:lnStyleLst>
+      <a:effectStyleLst>
+        <a:effectStyle>
+          <a:effectLst>
+            <a:outerShdw blurRad="40000" dist="20000" dir="5400000" rotWithShape="0">
+              <a:srgbClr val="000000">
+                <a:alpha val="38000"/>
+              </a:srgbClr>
+            </a:outerShdw>
+          </a:effectLst>
+        </a:effectStyle>
+        <a:effectStyle>
+          <a:effectLst>
+            <a:outerShdw blurRad="40000" dist="23000" dir="5400000" rotWithShape="0">
+              <a:srgbClr val="000000">
+                <a:alpha val="35000"/>
+              </a:srgbClr>
+            </a:outerShdw>
+          </a:effectLst>
+        </a:effectStyle>
+        <a:effectStyle>
+          <a:effectLst>
+            <a:outerShdw blurRad="40000" dist="23000" dir="5400000" rotWithShape="0">
+              <a:srgbClr val="000000">
+                <a:alpha val="35000"/>
+              </a:srgbClr>
+            </a:outerShdw>
+          </a:effectLst>
+          <a:scene3d>
+            <a:camera prst="orthographicFront">
+              <a:rot lat="0" lon="0" rev="0"/>
+            </a:camera>
+            <a:lightRig rig="threePt" dir="t">
+              <a:rot lat="0" lon="0" rev="1200000"/>
+            </a:lightRig>
+          </a:scene3d>
+          <a:sp3d>
+            <a:bevelT w="63500" h="25400"/>
+          </a:sp3d>
+        </a:effectStyle>
+      </a:effectStyleLst>
+      <a:bgFillStyleLst>
+        <a:solidFill>
+          <a:schemeClr val="phClr"/>
+        </a:solidFill>
+        <a:gradFill rotWithShape="1">
+          <a:gsLst>
+            <a:gs pos="0">
+              <a:schemeClr val="phClr">
+                <a:tint val="40000"/>
+                <a:satMod val="350000"/>
+              </a:schemeClr>
+            </a:gs>
+            <a:gs pos="40000">
+              <a:schemeClr val="phClr">
+                <a:tint val="45000"/>
+                <a:shade val="99000"/>
+                <a:satMod val="350000"/>
+              </a:schemeClr>
+            </a:gs>
+            <a:gs pos="100000">
+              <a:schemeClr val="phClr">
+                <a:shade val="20000"/>
+                <a:satMod val="255000"/>
+              </a:schemeClr>
+            </a:gs>
+          </a:gsLst>
+          <a:path path="circle">
+            <a:fillToRect l="50000" t="-80000" r="50000" b="180000"/>
+          </a:path>
+        </a:gradFill>
+        <a:gradFill rotWithShape="1">
+          <a:gsLst>
+            <a:gs pos="0">
+              <a:schemeClr val="phClr">
+                <a:tint val="80000"/>
+                <a:satMod val="300000"/>
+              </a:schemeClr>
+            </a:gs>
+            <a:gs pos="100000">
+              <a:schemeClr val="phClr">
+                <a:shade val="30000"/>
+                <a:satMod val="200000"/>
+              </a:schemeClr>
+            </a:gs>
+          </a:gsLst>
+          <a:path path="circle">
+            <a:fillToRect l="50000" t="50000" r="50000" b="50000"/>
+          </a:path>
+        </a:gradFill>
+      </a:bgFillStyleLst>
+    </a:fmtScheme>
+  </a:themeElements>
+  <a:objectDefaults>
+    <a:spDef>
+      <a:spPr/>
+      <a:bodyPr/>
+      <a:lstStyle/>
+      <a:style>
+        <a:lnRef idx="1">
+          <a:schemeClr val="accent1"/>
+        </a:lnRef>
+        <a:fillRef idx="3">
+          <a:schemeClr val="accent1"/>
+        </a:fillRef>
+        <a:effectRef idx="2">
+          <a:schemeClr val="accent1"/>
+        </a:effectRef>
+        <a:fontRef idx="minor">
+          <a:schemeClr val="lt1"/>
+        </a:fontRef>
+      </a:style>
+    </a:spDef>
+    <a:lnDef>
+      <a:spPr/>
+      <a:bodyPr/>
+      <a:lstStyle/>
+      <a:style>
+        <a:lnRef idx="2">
+          <a:schemeClr val="accent1"/>
+        </a:lnRef>
+        <a:fillRef idx="0">
+          <a:schemeClr val="accent1"/>
+        </a:fillRef>
+        <a:effectRef idx="1">
+          <a:schemeClr val="accent1"/>
+        </a:effectRef>
+        <a:fontRef idx="minor">
+          <a:schemeClr val="tx1"/>
+        </a:fontRef>
+      </a:style>
+    </a:lnDef>
+  </a:objectDefaults>
+  <a:extraClrSchemeLst/>
+</a:theme>
 </file>
--- a/translations/en-us/intermediate/ParallelBeams.pptx
+++ b/translations/en-us/intermediate/ParallelBeams.pptx
@@ -219,7 +219,7 @@
           <a:p>
             <a:fld id="{E354B44E-40A3-0E46-B16A-9BF1250A248B}" type="datetimeFigureOut">
               <a:rPr lang="en-US" smtClean="0"/>
-              <a:t>7/7/2016</a:t>
+              <a:t>7/19/16</a:t>
             </a:fld>
             <a:endParaRPr lang="en-US"/>
           </a:p>
@@ -385,7 +385,7 @@
           <a:p>
             <a:fld id="{C86AD16C-2DB4-6642-BAD4-9ED973A087A0}" type="datetimeFigureOut">
               <a:rPr lang="en-US" smtClean="0"/>
-              <a:t>7/7/2016</a:t>
+              <a:t>7/19/16</a:t>
             </a:fld>
             <a:endParaRPr lang="en-US"/>
           </a:p>
@@ -1010,7 +1010,7 @@
           <a:p>
             <a:fld id="{1568CC57-A932-4A7C-A7E2-6C9C1667DF2E}" type="datetime1">
               <a:rPr lang="en-US" smtClean="0"/>
-              <a:t>7/7/2016</a:t>
+              <a:t>7/19/16</a:t>
             </a:fld>
             <a:endParaRPr lang="en-US"/>
           </a:p>
@@ -1270,7 +1270,7 @@
           <a:noFill/>
           <a:extLst>
             <a:ext uri="{909E8E84-426E-40dd-AFC4-6F175D3DCCD1}">
-              <a14:hiddenFill xmlns="" xmlns:a14="http://schemas.microsoft.com/office/drawing/2010/main">
+              <a14:hiddenFill xmlns:a14="http://schemas.microsoft.com/office/drawing/2010/main" xmlns="">
                 <a:solidFill>
                   <a:srgbClr val="FFFFFF"/>
                 </a:solidFill>
@@ -1401,7 +1401,7 @@
           <a:p>
             <a:fld id="{0682B026-8E9C-481C-8607-8CD33B63C55F}" type="datetime1">
               <a:rPr lang="en-US" smtClean="0"/>
-              <a:t>7/7/2016</a:t>
+              <a:t>7/19/16</a:t>
             </a:fld>
             <a:endParaRPr lang="en-US"/>
           </a:p>
@@ -1660,7 +1660,7 @@
           <a:p>
             <a:fld id="{A2E7BE24-62DC-475D-9335-D1CC2D08468C}" type="datetime1">
               <a:rPr lang="en-US" smtClean="0"/>
-              <a:t>7/7/2016</a:t>
+              <a:t>7/19/16</a:t>
             </a:fld>
             <a:endParaRPr lang="en-US"/>
           </a:p>
@@ -1914,7 +1914,7 @@
           <a:p>
             <a:fld id="{5C802E7F-8A6D-48D2-BA7C-FACE28123DD9}" type="datetime1">
               <a:rPr lang="en-US" smtClean="0"/>
-              <a:t>7/7/2016</a:t>
+              <a:t>7/19/16</a:t>
             </a:fld>
             <a:endParaRPr lang="en-US"/>
           </a:p>
@@ -2359,7 +2359,7 @@
           <a:p>
             <a:fld id="{050EE09E-C05D-48D0-A103-2D583A4825FC}" type="datetime1">
               <a:rPr lang="en-US" smtClean="0"/>
-              <a:t>7/7/2016</a:t>
+              <a:t>7/19/16</a:t>
             </a:fld>
             <a:endParaRPr lang="en-US"/>
           </a:p>
@@ -2705,7 +2705,7 @@
           <a:p>
             <a:fld id="{E3D0941C-232A-41F4-B253-947031AAD49F}" type="datetime1">
               <a:rPr lang="en-US" smtClean="0"/>
-              <a:t>7/7/2016</a:t>
+              <a:t>7/19/16</a:t>
             </a:fld>
             <a:endParaRPr lang="en-US"/>
           </a:p>
@@ -2983,7 +2983,7 @@
           <a:p>
             <a:fld id="{9C969458-8E2D-456C-BFC8-ECE4A394E5C1}" type="datetime1">
               <a:rPr lang="en-US" smtClean="0"/>
-              <a:t>7/7/2016</a:t>
+              <a:t>7/19/16</a:t>
             </a:fld>
             <a:endParaRPr lang="en-US"/>
           </a:p>
@@ -3366,7 +3366,7 @@
           <a:p>
             <a:fld id="{B71E1CC1-5AF7-4849-BBE9-D092F8272AD6}" type="datetime1">
               <a:rPr lang="en-US" smtClean="0"/>
-              <a:t>7/7/2016</a:t>
+              <a:t>7/19/16</a:t>
             </a:fld>
             <a:endParaRPr lang="en-US"/>
           </a:p>
@@ -3487,7 +3487,7 @@
           <a:p>
             <a:fld id="{F6E1F090-AE58-47A2-9204-07D471881107}" type="datetime1">
               <a:rPr lang="en-US" smtClean="0"/>
-              <a:t>7/7/2016</a:t>
+              <a:t>7/19/16</a:t>
             </a:fld>
             <a:endParaRPr lang="en-US"/>
           </a:p>
@@ -3661,7 +3661,7 @@
           <a:p>
             <a:fld id="{2DAC16A8-5B1A-4F80-8845-A71B62F848A8}" type="datetime1">
               <a:rPr lang="en-US" smtClean="0"/>
-              <a:t>7/7/2016</a:t>
+              <a:t>7/19/16</a:t>
             </a:fld>
             <a:endParaRPr lang="en-US"/>
           </a:p>
@@ -4018,7 +4018,7 @@
           <a:p>
             <a:fld id="{71B78242-971D-468B-8140-2B063EBB991D}" type="datetime1">
               <a:rPr lang="en-US" smtClean="0"/>
-              <a:t>7/7/2016</a:t>
+              <a:t>7/19/16</a:t>
             </a:fld>
             <a:endParaRPr lang="en-US"/>
           </a:p>
@@ -4212,7 +4212,7 @@
           <a:p>
             <a:fld id="{07C9973C-AF96-4DE6-9D46-6EDF6133D822}" type="datetime1">
               <a:rPr lang="en-US" smtClean="0"/>
-              <a:t>7/7/2016</a:t>
+              <a:t>7/19/16</a:t>
             </a:fld>
             <a:endParaRPr lang="en-US"/>
           </a:p>
@@ -4576,7 +4576,7 @@
           <a:p>
             <a:fld id="{1E8AAC90-2AB0-4BE7-847F-84886B6FF44C}" type="datetime1">
               <a:rPr lang="en-US" smtClean="0"/>
-              <a:t>7/7/2016</a:t>
+              <a:t>7/19/16</a:t>
             </a:fld>
             <a:endParaRPr lang="en-US"/>
           </a:p>
@@ -4749,7 +4749,7 @@
           <a:p>
             <a:fld id="{634DAD2F-E07A-4853-B2B7-FB040EF5D528}" type="datetime1">
               <a:rPr lang="en-US" smtClean="0"/>
-              <a:t>7/7/2016</a:t>
+              <a:t>7/19/16</a:t>
             </a:fld>
             <a:endParaRPr lang="en-US"/>
           </a:p>
@@ -5008,7 +5008,7 @@
           <a:p>
             <a:fld id="{5E3C6442-CFAD-4EE7-8FD7-88070DAE2766}" type="datetime1">
               <a:rPr lang="en-US" smtClean="0"/>
-              <a:t>7/7/2016</a:t>
+              <a:t>7/19/16</a:t>
             </a:fld>
             <a:endParaRPr lang="en-US"/>
           </a:p>
@@ -5354,7 +5354,7 @@
           <a:p>
             <a:fld id="{C92AD6E1-F746-42B2-97E1-EF3A4181CE2D}" type="datetime1">
               <a:rPr lang="en-US" smtClean="0"/>
-              <a:t>7/7/2016</a:t>
+              <a:t>7/19/16</a:t>
             </a:fld>
             <a:endParaRPr lang="en-US"/>
           </a:p>
@@ -5632,7 +5632,7 @@
           <a:p>
             <a:fld id="{0EA5D302-9FDA-4D8F-AFAF-4A5C3EECA316}" type="datetime1">
               <a:rPr lang="en-US" smtClean="0"/>
-              <a:t>7/7/2016</a:t>
+              <a:t>7/19/16</a:t>
             </a:fld>
             <a:endParaRPr lang="en-US"/>
           </a:p>
@@ -6015,7 +6015,7 @@
           <a:p>
             <a:fld id="{E52B7AAC-3290-468A-A067-2BF6C0801398}" type="datetime1">
               <a:rPr lang="en-US" smtClean="0"/>
-              <a:t>7/7/2016</a:t>
+              <a:t>7/19/16</a:t>
             </a:fld>
             <a:endParaRPr lang="en-US"/>
           </a:p>
@@ -6136,7 +6136,7 @@
           <a:p>
             <a:fld id="{DA5C7537-5B8B-4769-AC3D-28562CA77ADB}" type="datetime1">
               <a:rPr lang="en-US" smtClean="0"/>
-              <a:t>7/7/2016</a:t>
+              <a:t>7/19/16</a:t>
             </a:fld>
             <a:endParaRPr lang="en-US"/>
           </a:p>
@@ -6310,7 +6310,7 @@
           <a:p>
             <a:fld id="{61F017A8-0726-42BD-83C2-0C7647E62FD3}" type="datetime1">
               <a:rPr lang="en-US" smtClean="0"/>
-              <a:t>7/7/2016</a:t>
+              <a:t>7/19/16</a:t>
             </a:fld>
             <a:endParaRPr lang="en-US"/>
           </a:p>
@@ -6667,7 +6667,7 @@
           <a:p>
             <a:fld id="{850089AB-1A5E-4BDC-AF43-0456CDDB4620}" type="datetime1">
               <a:rPr lang="en-US" smtClean="0"/>
-              <a:t>7/7/2016</a:t>
+              <a:t>7/19/16</a:t>
             </a:fld>
             <a:endParaRPr lang="en-US"/>
           </a:p>
@@ -7052,7 +7052,7 @@
           <a:p>
             <a:fld id="{D909C1FA-A2D7-4F66-B240-D0B2F27918D7}" type="datetime1">
               <a:rPr lang="en-US" smtClean="0"/>
-              <a:t>7/7/2016</a:t>
+              <a:t>7/19/16</a:t>
             </a:fld>
             <a:endParaRPr lang="en-US"/>
           </a:p>
@@ -7344,7 +7344,7 @@
           <a:p>
             <a:fld id="{09F0BFDA-82E2-4DC8-8788-772A5830B5CB}" type="datetime1">
               <a:rPr lang="en-US" smtClean="0"/>
-              <a:t>7/7/2016</a:t>
+              <a:t>7/19/16</a:t>
             </a:fld>
             <a:endParaRPr lang="en-US" dirty="0"/>
           </a:p>
@@ -8122,7 +8122,7 @@
           <a:p>
             <a:fld id="{8301D9F6-BC26-4A95-9558-7DDBB2E17A5C}" type="datetime1">
               <a:rPr lang="en-US" smtClean="0"/>
-              <a:t>7/7/2016</a:t>
+              <a:t>7/19/16</a:t>
             </a:fld>
             <a:endParaRPr lang="en-US" dirty="0"/>
           </a:p>
@@ -8775,6 +8775,35 @@
           </a:p>
         </p:txBody>
       </p:sp>
+      <p:pic>
+        <p:nvPicPr>
+          <p:cNvPr id="4" name="Picture 3"/>
+          <p:cNvPicPr>
+            <a:picLocks noChangeAspect="1"/>
+          </p:cNvPicPr>
+          <p:nvPr/>
+        </p:nvPicPr>
+        <p:blipFill rotWithShape="1">
+          <a:blip r:embed="rId2">
+            <a:extLst>
+              <a:ext uri="{28A0092B-C50C-407E-A947-70E740481C1C}">
+                <a14:useLocalDpi xmlns:a14="http://schemas.microsoft.com/office/drawing/2010/main" val="0"/>
+              </a:ext>
+            </a:extLst>
+          </a:blip>
+          <a:srcRect l="4523" t="17619" r="3095" b="25000"/>
+          <a:stretch/>
+        </p:blipFill>
+        <p:spPr>
+          <a:xfrm>
+            <a:off x="3711108" y="4592409"/>
+            <a:ext cx="1700816" cy="1056435"/>
+          </a:xfrm>
+          <a:prstGeom prst="rect">
+            <a:avLst/>
+          </a:prstGeom>
+        </p:spPr>
+      </p:pic>
     </p:spTree>
     <p:extLst>
       <p:ext uri="{BB962C8B-B14F-4D97-AF65-F5344CB8AC3E}">
@@ -11650,7 +11679,7 @@
           <a:effectLst/>
           <a:extLst>
             <a:ext uri="{91240B29-F687-4f45-9708-019B960494DF}">
-              <a14:hiddenLine xmlns="" xmlns:a14="http://schemas.microsoft.com/office/drawing/2010/main" w="9525">
+              <a14:hiddenLine xmlns:a14="http://schemas.microsoft.com/office/drawing/2010/main" xmlns="" w="9525">
                 <a:solidFill>
                   <a:schemeClr val="tx1"/>
                 </a:solidFill>
@@ -11660,7 +11689,7 @@
               </a14:hiddenLine>
             </a:ext>
             <a:ext uri="{AF507438-7753-43e0-B8FC-AC1667EBCBE1}">
-              <a14:hiddenEffects xmlns="" xmlns:a14="http://schemas.microsoft.com/office/drawing/2010/main">
+              <a14:hiddenEffects xmlns:a14="http://schemas.microsoft.com/office/drawing/2010/main" xmlns="">
                 <a:effectLst>
                   <a:outerShdw dist="35921" dir="2700000" algn="ctr" rotWithShape="0">
                     <a:schemeClr val="bg2"/>
@@ -11835,6 +11864,18 @@
               </a:rPr>
               <a:t>                         </a:t>
             </a:r>
+            <a:r>
+              <a:rPr kumimoji="0" lang="en-US" altLang="en-US" sz="1600" b="0" i="0" u="none" strike="noStrike" cap="none" normalizeH="0" baseline="0" dirty="0">
+                <a:ln>
+                  <a:noFill/>
+                </a:ln>
+                <a:solidFill>
+                  <a:schemeClr val="tx1"/>
+                </a:solidFill>
+                <a:effectLst/>
+              </a:rPr>
+              <a:t/>
+            </a:r>
             <a:br>
               <a:rPr kumimoji="0" lang="en-US" altLang="en-US" sz="1600" b="0" i="0" u="none" strike="noStrike" cap="none" normalizeH="0" baseline="0" dirty="0">
                 <a:ln>
@@ -12001,7 +12042,7 @@
           <a:noFill/>
           <a:extLst>
             <a:ext uri="{909E8E84-426E-40dd-AFC4-6F175D3DCCD1}">
-              <a14:hiddenFill xmlns="" xmlns:a14="http://schemas.microsoft.com/office/drawing/2010/main">
+              <a14:hiddenFill xmlns:a14="http://schemas.microsoft.com/office/drawing/2010/main" xmlns="">
                 <a:solidFill>
                   <a:srgbClr val="FFFFFF"/>
                 </a:solidFill>
